--- a/oi.pptx
+++ b/oi.pptx
@@ -5,13 +5,12 @@
     <p:sldMasterId id="2147483698" r:id="rId4"/>
   </p:sldMasterIdLst>
   <p:notesMasterIdLst>
-    <p:notesMasterId r:id="rId9"/>
+    <p:notesMasterId r:id="rId8"/>
   </p:notesMasterIdLst>
   <p:sldIdLst>
-    <p:sldId id="298" r:id="rId5"/>
-    <p:sldId id="299" r:id="rId6"/>
-    <p:sldId id="300" r:id="rId7"/>
-    <p:sldId id="301" r:id="rId8"/>
+    <p:sldId id="302" r:id="rId5"/>
+    <p:sldId id="303" r:id="rId6"/>
+    <p:sldId id="304" r:id="rId7"/>
   </p:sldIdLst>
   <p:sldSz cx="9144000" cy="5143500" type="screen16x9"/>
   <p:notesSz cx="6858000" cy="9144000"/>
@@ -1701,7 +1700,7 @@
     </p:spTree>
     <p:extLst>
       <p:ext uri="{BB962C8B-B14F-4D97-AF65-F5344CB8AC3E}">
-        <p14:creationId xmlns:p14="http://schemas.microsoft.com/office/powerpoint/2010/main" val="2217621290"/>
+        <p14:creationId xmlns:p14="http://schemas.microsoft.com/office/powerpoint/2010/main" val="4262821437"/>
       </p:ext>
     </p:extLst>
   </p:cSld>
@@ -1803,7 +1802,7 @@
     </p:spTree>
     <p:extLst>
       <p:ext uri="{BB962C8B-B14F-4D97-AF65-F5344CB8AC3E}">
-        <p14:creationId xmlns:p14="http://schemas.microsoft.com/office/powerpoint/2010/main" val="2535516285"/>
+        <p14:creationId xmlns:p14="http://schemas.microsoft.com/office/powerpoint/2010/main" val="820101140"/>
       </p:ext>
     </p:extLst>
   </p:cSld>
@@ -1884,7 +1883,7 @@
             <a:fld id="{B66F3448-3337-A740-B29C-9F6778ED4FC7}" type="slidenum">
               <a:rPr kumimoji="1" lang="ja-JP" altLang="en-US" smtClean="0"/>
               <a:pPr/>
-              <a:t>4</a:t>
+              <a:t>3</a:t>
             </a:fld>
             <a:endParaRPr kumimoji="1" lang="ja-JP" altLang="en-US"/>
           </a:p>
@@ -1893,7 +1892,7 @@
     </p:spTree>
     <p:extLst>
       <p:ext uri="{BB962C8B-B14F-4D97-AF65-F5344CB8AC3E}">
-        <p14:creationId xmlns:p14="http://schemas.microsoft.com/office/powerpoint/2010/main" val="243579348"/>
+        <p14:creationId xmlns:p14="http://schemas.microsoft.com/office/powerpoint/2010/main" val="1741168046"/>
       </p:ext>
     </p:extLst>
   </p:cSld>
@@ -3963,4652 +3962,6 @@
       </p:grpSpPr>
       <p:sp>
         <p:nvSpPr>
-          <p:cNvPr id="177" name="Parallelogram 176"/>
-          <p:cNvSpPr/>
-          <p:nvPr/>
-        </p:nvSpPr>
-        <p:spPr>
-          <a:xfrm>
-            <a:off x="3901440" y="1501525"/>
-            <a:ext cx="1446901" cy="286901"/>
-          </a:xfrm>
-          <a:prstGeom prst="parallelogram">
-            <a:avLst/>
-          </a:prstGeom>
-          <a:solidFill>
-            <a:schemeClr val="accent4">
-              <a:lumMod val="20000"/>
-              <a:lumOff val="80000"/>
-            </a:schemeClr>
-          </a:solidFill>
-          <a:ln>
-            <a:noFill/>
-          </a:ln>
-        </p:spPr>
-        <p:style>
-          <a:lnRef idx="2">
-            <a:schemeClr val="accent1">
-              <a:shade val="50000"/>
-            </a:schemeClr>
-          </a:lnRef>
-          <a:fillRef idx="1">
-            <a:schemeClr val="accent1"/>
-          </a:fillRef>
-          <a:effectRef idx="0">
-            <a:schemeClr val="accent1"/>
-          </a:effectRef>
-          <a:fontRef idx="minor">
-            <a:schemeClr val="lt1"/>
-          </a:fontRef>
-        </p:style>
-        <p:txBody>
-          <a:bodyPr rtlCol="0" anchor="ctr"/>
-          <a:lstStyle/>
-          <a:p>
-            <a:pPr algn="ctr"/>
-            <a:endParaRPr kumimoji="1" lang="en-US"/>
-          </a:p>
-        </p:txBody>
-      </p:sp>
-      <p:grpSp>
-        <p:nvGrpSpPr>
-          <p:cNvPr id="3" name="Group 2"/>
-          <p:cNvGrpSpPr/>
-          <p:nvPr/>
-        </p:nvGrpSpPr>
-        <p:grpSpPr>
-          <a:xfrm>
-            <a:off x="5988410" y="5503300"/>
-            <a:ext cx="5355034" cy="2132549"/>
-            <a:chOff x="4859291" y="2809762"/>
-            <a:chExt cx="5355034" cy="2132549"/>
-          </a:xfrm>
-        </p:grpSpPr>
-        <p:sp>
-          <p:nvSpPr>
-            <p:cNvPr id="110" name="Rounded Rectangle 109"/>
-            <p:cNvSpPr/>
-            <p:nvPr/>
-          </p:nvSpPr>
-          <p:spPr>
-            <a:xfrm>
-              <a:off x="4859291" y="2809762"/>
-              <a:ext cx="1476683" cy="196127"/>
-            </a:xfrm>
-            <a:prstGeom prst="roundRect">
-              <a:avLst/>
-            </a:prstGeom>
-            <a:solidFill>
-              <a:schemeClr val="tx2">
-                <a:alpha val="44000"/>
-              </a:schemeClr>
-            </a:solidFill>
-            <a:ln>
-              <a:noFill/>
-            </a:ln>
-          </p:spPr>
-          <p:style>
-            <a:lnRef idx="2">
-              <a:schemeClr val="accent1">
-                <a:shade val="50000"/>
-              </a:schemeClr>
-            </a:lnRef>
-            <a:fillRef idx="1">
-              <a:schemeClr val="accent1"/>
-            </a:fillRef>
-            <a:effectRef idx="0">
-              <a:schemeClr val="accent1"/>
-            </a:effectRef>
-            <a:fontRef idx="minor">
-              <a:schemeClr val="lt1"/>
-            </a:fontRef>
-          </p:style>
-          <p:txBody>
-            <a:bodyPr rtlCol="0" anchor="ctr"/>
-            <a:lstStyle/>
-            <a:p>
-              <a:pPr algn="ctr"/>
-              <a:r>
-                <a:rPr kumimoji="1" lang="en-US" sz="900" dirty="0">
-                  <a:solidFill>
-                    <a:sysClr val="windowText" lastClr="000000"/>
-                  </a:solidFill>
-                  <a:latin typeface="Arial Black" panose="020B0A04020102090204" pitchFamily="34" charset="0"/>
-                </a:rPr>
-                <a:t>Features</a:t>
-              </a:r>
-            </a:p>
-          </p:txBody>
-        </p:sp>
-        <p:pic>
-          <p:nvPicPr>
-            <p:cNvPr id="113" name="Picture 112"/>
-            <p:cNvPicPr>
-              <a:picLocks noChangeAspect="1"/>
-            </p:cNvPicPr>
-            <p:nvPr/>
-          </p:nvPicPr>
-          <p:blipFill>
-            <a:blip r:embed="rId2">
-              <a:extLst>
-                <a:ext uri="{28A0092B-C50C-407E-A947-70E740481C1C}">
-                  <a14:useLocalDpi xmlns:a14="http://schemas.microsoft.com/office/drawing/2010/main" val="0"/>
-                </a:ext>
-              </a:extLst>
-            </a:blip>
-            <a:stretch>
-              <a:fillRect/>
-            </a:stretch>
-          </p:blipFill>
-          <p:spPr>
-            <a:xfrm>
-              <a:off x="8843753" y="4373578"/>
-              <a:ext cx="1054135" cy="531459"/>
-            </a:xfrm>
-            <a:prstGeom prst="rect">
-              <a:avLst/>
-            </a:prstGeom>
-            <a:effectLst>
-              <a:outerShdw blurRad="63500" sx="102000" sy="102000" algn="ctr" rotWithShape="0">
-                <a:prstClr val="black">
-                  <a:alpha val="40000"/>
-                </a:prstClr>
-              </a:outerShdw>
-            </a:effectLst>
-          </p:spPr>
-        </p:pic>
-        <p:sp>
-          <p:nvSpPr>
-            <p:cNvPr id="114" name="Rectangle 113"/>
-            <p:cNvSpPr/>
-            <p:nvPr/>
-          </p:nvSpPr>
-          <p:spPr>
-            <a:xfrm>
-              <a:off x="8755271" y="4100296"/>
-              <a:ext cx="1459054" cy="215444"/>
-            </a:xfrm>
-            <a:prstGeom prst="rect">
-              <a:avLst/>
-            </a:prstGeom>
-          </p:spPr>
-          <p:txBody>
-            <a:bodyPr wrap="none">
-              <a:spAutoFit/>
-            </a:bodyPr>
-            <a:lstStyle/>
-            <a:p>
-              <a:pPr marL="171446" indent="-171446">
-                <a:buFontTx/>
-                <a:buChar char="-"/>
-              </a:pPr>
-              <a:r>
-                <a:rPr lang="en-US" sz="700" b="1" dirty="0"/>
-                <a:t>Dashboard</a:t>
-              </a:r>
-              <a:r>
-                <a:rPr lang="en-US" sz="800" dirty="0"/>
-                <a:t> as </a:t>
-              </a:r>
-              <a:r>
-                <a:rPr lang="en-US" sz="800" i="1" dirty="0"/>
-                <a:t>MEIRUKA</a:t>
-              </a:r>
-            </a:p>
-          </p:txBody>
-        </p:sp>
-        <p:pic>
-          <p:nvPicPr>
-            <p:cNvPr id="115" name="Picture 114"/>
-            <p:cNvPicPr>
-              <a:picLocks noChangeAspect="1"/>
-            </p:cNvPicPr>
-            <p:nvPr/>
-          </p:nvPicPr>
-          <p:blipFill>
-            <a:blip r:embed="rId3">
-              <a:extLst>
-                <a:ext uri="{28A0092B-C50C-407E-A947-70E740481C1C}">
-                  <a14:useLocalDpi xmlns:a14="http://schemas.microsoft.com/office/drawing/2010/main" val="0"/>
-                </a:ext>
-              </a:extLst>
-            </a:blip>
-            <a:stretch>
-              <a:fillRect/>
-            </a:stretch>
-          </p:blipFill>
-          <p:spPr>
-            <a:xfrm>
-              <a:off x="5223324" y="3420485"/>
-              <a:ext cx="1054133" cy="531459"/>
-            </a:xfrm>
-            <a:prstGeom prst="rect">
-              <a:avLst/>
-            </a:prstGeom>
-            <a:effectLst>
-              <a:outerShdw blurRad="63500" sx="102000" sy="102000" algn="ctr" rotWithShape="0">
-                <a:prstClr val="black">
-                  <a:alpha val="40000"/>
-                </a:prstClr>
-              </a:outerShdw>
-            </a:effectLst>
-          </p:spPr>
-        </p:pic>
-        <p:sp>
-          <p:nvSpPr>
-            <p:cNvPr id="116" name="Rectangle 115"/>
-            <p:cNvSpPr/>
-            <p:nvPr/>
-          </p:nvSpPr>
-          <p:spPr>
-            <a:xfrm>
-              <a:off x="5002111" y="3100152"/>
-              <a:ext cx="1625231" cy="307777"/>
-            </a:xfrm>
-            <a:prstGeom prst="rect">
-              <a:avLst/>
-            </a:prstGeom>
-          </p:spPr>
-          <p:txBody>
-            <a:bodyPr wrap="square">
-              <a:spAutoFit/>
-            </a:bodyPr>
-            <a:lstStyle/>
-            <a:p>
-              <a:pPr marL="171446" indent="-171446">
-                <a:buFontTx/>
-                <a:buChar char="-"/>
-              </a:pPr>
-              <a:r>
-                <a:rPr lang="en-US" sz="700" b="1" dirty="0"/>
-                <a:t>Import Detect participant retraining</a:t>
-              </a:r>
-            </a:p>
-          </p:txBody>
-        </p:sp>
-        <p:pic>
-          <p:nvPicPr>
-            <p:cNvPr id="117" name="Picture 116"/>
-            <p:cNvPicPr>
-              <a:picLocks noChangeAspect="1"/>
-            </p:cNvPicPr>
-            <p:nvPr/>
-          </p:nvPicPr>
-          <p:blipFill>
-            <a:blip r:embed="rId4">
-              <a:extLst>
-                <a:ext uri="{28A0092B-C50C-407E-A947-70E740481C1C}">
-                  <a14:useLocalDpi xmlns:a14="http://schemas.microsoft.com/office/drawing/2010/main" val="0"/>
-                </a:ext>
-              </a:extLst>
-            </a:blip>
-            <a:stretch>
-              <a:fillRect/>
-            </a:stretch>
-          </p:blipFill>
-          <p:spPr>
-            <a:xfrm>
-              <a:off x="8834068" y="3383925"/>
-              <a:ext cx="1073499" cy="553885"/>
-            </a:xfrm>
-            <a:prstGeom prst="rect">
-              <a:avLst/>
-            </a:prstGeom>
-            <a:effectLst>
-              <a:outerShdw blurRad="63500" sx="102000" sy="102000" algn="ctr" rotWithShape="0">
-                <a:prstClr val="black">
-                  <a:alpha val="40000"/>
-                </a:prstClr>
-              </a:outerShdw>
-            </a:effectLst>
-          </p:spPr>
-        </p:pic>
-        <p:sp>
-          <p:nvSpPr>
-            <p:cNvPr id="118" name="Rectangle 117"/>
-            <p:cNvSpPr/>
-            <p:nvPr/>
-          </p:nvSpPr>
-          <p:spPr>
-            <a:xfrm>
-              <a:off x="8755269" y="3107068"/>
-              <a:ext cx="1002197" cy="200055"/>
-            </a:xfrm>
-            <a:prstGeom prst="rect">
-              <a:avLst/>
-            </a:prstGeom>
-          </p:spPr>
-          <p:txBody>
-            <a:bodyPr wrap="none">
-              <a:spAutoFit/>
-            </a:bodyPr>
-            <a:lstStyle/>
-            <a:p>
-              <a:pPr marL="171446" indent="-171446">
-                <a:buFontTx/>
-                <a:buChar char="-"/>
-              </a:pPr>
-              <a:r>
-                <a:rPr lang="en-US" sz="700" b="1" dirty="0"/>
-                <a:t>Export to excel</a:t>
-              </a:r>
-            </a:p>
-          </p:txBody>
-        </p:sp>
-        <p:grpSp>
-          <p:nvGrpSpPr>
-            <p:cNvPr id="121" name="Group 120"/>
-            <p:cNvGrpSpPr/>
-            <p:nvPr/>
-          </p:nvGrpSpPr>
-          <p:grpSpPr>
-            <a:xfrm>
-              <a:off x="6938955" y="4375731"/>
-              <a:ext cx="1054133" cy="566580"/>
-              <a:chOff x="5063082" y="2756497"/>
-              <a:chExt cx="1054133" cy="566580"/>
-            </a:xfrm>
-            <a:effectLst>
-              <a:outerShdw blurRad="63500" sx="102000" sy="102000" algn="ctr" rotWithShape="0">
-                <a:prstClr val="black">
-                  <a:alpha val="40000"/>
-                </a:prstClr>
-              </a:outerShdw>
-            </a:effectLst>
-          </p:grpSpPr>
-          <p:pic>
-            <p:nvPicPr>
-              <p:cNvPr id="119" name="Picture 118"/>
-              <p:cNvPicPr>
-                <a:picLocks noChangeAspect="1"/>
-              </p:cNvPicPr>
-              <p:nvPr/>
-            </p:nvPicPr>
-            <p:blipFill>
-              <a:blip r:embed="rId5">
-                <a:extLst>
-                  <a:ext uri="{28A0092B-C50C-407E-A947-70E740481C1C}">
-                    <a14:useLocalDpi xmlns:a14="http://schemas.microsoft.com/office/drawing/2010/main" val="0"/>
-                  </a:ext>
-                </a:extLst>
-              </a:blip>
-              <a:stretch>
-                <a:fillRect/>
-              </a:stretch>
-            </p:blipFill>
-            <p:spPr>
-              <a:xfrm>
-                <a:off x="5063082" y="2756497"/>
-                <a:ext cx="1054133" cy="291972"/>
-              </a:xfrm>
-              <a:prstGeom prst="rect">
-                <a:avLst/>
-              </a:prstGeom>
-            </p:spPr>
-          </p:pic>
-          <p:pic>
-            <p:nvPicPr>
-              <p:cNvPr id="120" name="Picture 119"/>
-              <p:cNvPicPr>
-                <a:picLocks noChangeAspect="1"/>
-              </p:cNvPicPr>
-              <p:nvPr/>
-            </p:nvPicPr>
-            <p:blipFill>
-              <a:blip r:embed="rId6">
-                <a:extLst>
-                  <a:ext uri="{28A0092B-C50C-407E-A947-70E740481C1C}">
-                    <a14:useLocalDpi xmlns:a14="http://schemas.microsoft.com/office/drawing/2010/main" val="0"/>
-                  </a:ext>
-                </a:extLst>
-              </a:blip>
-              <a:stretch>
-                <a:fillRect/>
-              </a:stretch>
-            </p:blipFill>
-            <p:spPr>
-              <a:xfrm>
-                <a:off x="5072345" y="3031105"/>
-                <a:ext cx="1036995" cy="291972"/>
-              </a:xfrm>
-              <a:prstGeom prst="rect">
-                <a:avLst/>
-              </a:prstGeom>
-            </p:spPr>
-          </p:pic>
-        </p:grpSp>
-        <p:sp>
-          <p:nvSpPr>
-            <p:cNvPr id="122" name="Rectangle 121"/>
-            <p:cNvSpPr/>
-            <p:nvPr/>
-          </p:nvSpPr>
-          <p:spPr>
-            <a:xfrm>
-              <a:off x="6589383" y="4100296"/>
-              <a:ext cx="1662635" cy="200055"/>
-            </a:xfrm>
-            <a:prstGeom prst="rect">
-              <a:avLst/>
-            </a:prstGeom>
-          </p:spPr>
-          <p:txBody>
-            <a:bodyPr wrap="none">
-              <a:spAutoFit/>
-            </a:bodyPr>
-            <a:lstStyle/>
-            <a:p>
-              <a:pPr marL="171446" indent="-171446">
-                <a:buFontTx/>
-                <a:buChar char="-"/>
-              </a:pPr>
-              <a:r>
-                <a:rPr lang="en-US" sz="700" b="1" dirty="0"/>
-                <a:t>Bank participant automatically</a:t>
-              </a:r>
-            </a:p>
-          </p:txBody>
-        </p:sp>
-        <p:pic>
-          <p:nvPicPr>
-            <p:cNvPr id="123" name="Picture 122"/>
-            <p:cNvPicPr>
-              <a:picLocks noChangeAspect="1"/>
-            </p:cNvPicPr>
-            <p:nvPr/>
-          </p:nvPicPr>
-          <p:blipFill>
-            <a:blip r:embed="rId7">
-              <a:extLst>
-                <a:ext uri="{28A0092B-C50C-407E-A947-70E740481C1C}">
-                  <a14:useLocalDpi xmlns:a14="http://schemas.microsoft.com/office/drawing/2010/main" val="0"/>
-                </a:ext>
-              </a:extLst>
-            </a:blip>
-            <a:stretch>
-              <a:fillRect/>
-            </a:stretch>
-          </p:blipFill>
-          <p:spPr>
-            <a:xfrm>
-              <a:off x="5223324" y="4350799"/>
-              <a:ext cx="1054133" cy="390324"/>
-            </a:xfrm>
-            <a:prstGeom prst="rect">
-              <a:avLst/>
-            </a:prstGeom>
-            <a:effectLst>
-              <a:outerShdw blurRad="63500" sx="102000" sy="102000" algn="ctr" rotWithShape="0">
-                <a:prstClr val="black">
-                  <a:alpha val="40000"/>
-                </a:prstClr>
-              </a:outerShdw>
-            </a:effectLst>
-          </p:spPr>
-        </p:pic>
-        <p:sp>
-          <p:nvSpPr>
-            <p:cNvPr id="124" name="Rectangle 123"/>
-            <p:cNvSpPr/>
-            <p:nvPr/>
-          </p:nvSpPr>
-          <p:spPr>
-            <a:xfrm>
-              <a:off x="4990930" y="4097162"/>
-              <a:ext cx="986893" cy="200055"/>
-            </a:xfrm>
-            <a:prstGeom prst="rect">
-              <a:avLst/>
-            </a:prstGeom>
-          </p:spPr>
-          <p:txBody>
-            <a:bodyPr wrap="square">
-              <a:spAutoFit/>
-            </a:bodyPr>
-            <a:lstStyle/>
-            <a:p>
-              <a:pPr marL="171446" indent="-171446">
-                <a:buFontTx/>
-                <a:buChar char="-"/>
-              </a:pPr>
-              <a:r>
-                <a:rPr lang="en-US" sz="700" b="1" dirty="0"/>
-                <a:t>HR Feature</a:t>
-              </a:r>
-            </a:p>
-          </p:txBody>
-        </p:sp>
-        <p:pic>
-          <p:nvPicPr>
-            <p:cNvPr id="125" name="Picture 124"/>
-            <p:cNvPicPr>
-              <a:picLocks noChangeAspect="1"/>
-            </p:cNvPicPr>
-            <p:nvPr/>
-          </p:nvPicPr>
-          <p:blipFill rotWithShape="1">
-            <a:blip r:embed="rId8">
-              <a:extLst>
-                <a:ext uri="{28A0092B-C50C-407E-A947-70E740481C1C}">
-                  <a14:useLocalDpi xmlns:a14="http://schemas.microsoft.com/office/drawing/2010/main" val="0"/>
-                </a:ext>
-              </a:extLst>
-            </a:blip>
-            <a:srcRect r="42963"/>
-            <a:stretch/>
-          </p:blipFill>
-          <p:spPr>
-            <a:xfrm>
-              <a:off x="6744139" y="3409916"/>
-              <a:ext cx="1583528" cy="413495"/>
-            </a:xfrm>
-            <a:prstGeom prst="rect">
-              <a:avLst/>
-            </a:prstGeom>
-            <a:effectLst>
-              <a:outerShdw blurRad="63500" sx="102000" sy="102000" algn="ctr" rotWithShape="0">
-                <a:prstClr val="black">
-                  <a:alpha val="40000"/>
-                </a:prstClr>
-              </a:outerShdw>
-            </a:effectLst>
-          </p:spPr>
-        </p:pic>
-        <p:sp>
-          <p:nvSpPr>
-            <p:cNvPr id="126" name="Rectangle 125"/>
-            <p:cNvSpPr/>
-            <p:nvPr/>
-          </p:nvSpPr>
-          <p:spPr>
-            <a:xfrm>
-              <a:off x="6601363" y="3107068"/>
-              <a:ext cx="1471878" cy="200055"/>
-            </a:xfrm>
-            <a:prstGeom prst="rect">
-              <a:avLst/>
-            </a:prstGeom>
-          </p:spPr>
-          <p:txBody>
-            <a:bodyPr wrap="none">
-              <a:spAutoFit/>
-            </a:bodyPr>
-            <a:lstStyle/>
-            <a:p>
-              <a:pPr marL="171446" indent="-171446">
-                <a:buFontTx/>
-                <a:buChar char="-"/>
-              </a:pPr>
-              <a:r>
-                <a:rPr lang="en-US" sz="700" b="1" dirty="0"/>
-                <a:t>Import score each subject</a:t>
-              </a:r>
-            </a:p>
-          </p:txBody>
-        </p:sp>
-      </p:grpSp>
-      <p:grpSp>
-        <p:nvGrpSpPr>
-          <p:cNvPr id="306" name="Group 305"/>
-          <p:cNvGrpSpPr/>
-          <p:nvPr/>
-        </p:nvGrpSpPr>
-        <p:grpSpPr>
-          <a:xfrm>
-            <a:off x="3962338" y="-2560939"/>
-            <a:ext cx="3444238" cy="2284885"/>
-            <a:chOff x="5631514" y="52365"/>
-            <a:chExt cx="3444237" cy="2284883"/>
-          </a:xfrm>
-        </p:grpSpPr>
-        <p:sp>
-          <p:nvSpPr>
-            <p:cNvPr id="127" name="Rounded Rectangle 126"/>
-            <p:cNvSpPr/>
-            <p:nvPr/>
-          </p:nvSpPr>
-          <p:spPr>
-            <a:xfrm>
-              <a:off x="5631514" y="108902"/>
-              <a:ext cx="1476683" cy="196127"/>
-            </a:xfrm>
-            <a:prstGeom prst="roundRect">
-              <a:avLst/>
-            </a:prstGeom>
-            <a:solidFill>
-              <a:schemeClr val="tx2">
-                <a:alpha val="44000"/>
-              </a:schemeClr>
-            </a:solidFill>
-            <a:ln>
-              <a:noFill/>
-            </a:ln>
-          </p:spPr>
-          <p:style>
-            <a:lnRef idx="2">
-              <a:schemeClr val="accent1">
-                <a:shade val="50000"/>
-              </a:schemeClr>
-            </a:lnRef>
-            <a:fillRef idx="1">
-              <a:schemeClr val="accent1"/>
-            </a:fillRef>
-            <a:effectRef idx="0">
-              <a:schemeClr val="accent1"/>
-            </a:effectRef>
-            <a:fontRef idx="minor">
-              <a:schemeClr val="lt1"/>
-            </a:fontRef>
-          </p:style>
-          <p:txBody>
-            <a:bodyPr rtlCol="0" anchor="ctr"/>
-            <a:lstStyle/>
-            <a:p>
-              <a:pPr algn="ctr"/>
-              <a:r>
-                <a:rPr kumimoji="1" lang="en-US" sz="900" dirty="0">
-                  <a:solidFill>
-                    <a:sysClr val="windowText" lastClr="000000"/>
-                  </a:solidFill>
-                  <a:latin typeface="Arial Black" panose="020B0A04020102090204" pitchFamily="34" charset="0"/>
-                </a:rPr>
-                <a:t>Before Improve</a:t>
-              </a:r>
-            </a:p>
-          </p:txBody>
-        </p:sp>
-        <p:sp>
-          <p:nvSpPr>
-            <p:cNvPr id="128" name="Rounded Rectangle 127"/>
-            <p:cNvSpPr/>
-            <p:nvPr/>
-          </p:nvSpPr>
-          <p:spPr>
-            <a:xfrm>
-              <a:off x="7536867" y="108902"/>
-              <a:ext cx="1476683" cy="196127"/>
-            </a:xfrm>
-            <a:prstGeom prst="roundRect">
-              <a:avLst/>
-            </a:prstGeom>
-            <a:solidFill>
-              <a:schemeClr val="tx2">
-                <a:alpha val="44000"/>
-              </a:schemeClr>
-            </a:solidFill>
-            <a:ln>
-              <a:noFill/>
-            </a:ln>
-          </p:spPr>
-          <p:style>
-            <a:lnRef idx="2">
-              <a:schemeClr val="accent1">
-                <a:shade val="50000"/>
-              </a:schemeClr>
-            </a:lnRef>
-            <a:fillRef idx="1">
-              <a:schemeClr val="accent1"/>
-            </a:fillRef>
-            <a:effectRef idx="0">
-              <a:schemeClr val="accent1"/>
-            </a:effectRef>
-            <a:fontRef idx="minor">
-              <a:schemeClr val="lt1"/>
-            </a:fontRef>
-          </p:style>
-          <p:txBody>
-            <a:bodyPr rtlCol="0" anchor="ctr"/>
-            <a:lstStyle/>
-            <a:p>
-              <a:pPr algn="ctr"/>
-              <a:r>
-                <a:rPr kumimoji="1" lang="en-US" sz="900" dirty="0">
-                  <a:solidFill>
-                    <a:sysClr val="windowText" lastClr="000000"/>
-                  </a:solidFill>
-                  <a:latin typeface="Arial Black" panose="020B0A04020102090204" pitchFamily="34" charset="0"/>
-                </a:rPr>
-                <a:t>After Improve</a:t>
-              </a:r>
-            </a:p>
-          </p:txBody>
-        </p:sp>
-        <p:sp>
-          <p:nvSpPr>
-            <p:cNvPr id="132" name="TextBox 131">
-              <a:extLst>
-                <a:ext uri="{FF2B5EF4-FFF2-40B4-BE49-F238E27FC236}">
-                  <a16:creationId xmlns:a16="http://schemas.microsoft.com/office/drawing/2014/main" id="{1F8B1810-2544-B19C-2BEF-B577A4F5AC2D}"/>
-                </a:ext>
-              </a:extLst>
-            </p:cNvPr>
-            <p:cNvSpPr txBox="1"/>
-            <p:nvPr/>
-          </p:nvSpPr>
-          <p:spPr>
-            <a:xfrm>
-              <a:off x="6435273" y="671701"/>
-              <a:ext cx="364202" cy="184666"/>
-            </a:xfrm>
-            <a:prstGeom prst="rect">
-              <a:avLst/>
-            </a:prstGeom>
-            <a:noFill/>
-          </p:spPr>
-          <p:txBody>
-            <a:bodyPr wrap="none" rtlCol="0">
-              <a:spAutoFit/>
-            </a:bodyPr>
-            <a:lstStyle/>
-            <a:p>
-              <a:r>
-                <a:rPr lang="en-US" sz="600" dirty="0"/>
-                <a:t>Form</a:t>
-              </a:r>
-            </a:p>
-          </p:txBody>
-        </p:sp>
-        <p:grpSp>
-          <p:nvGrpSpPr>
-            <p:cNvPr id="181" name="Group 180"/>
-            <p:cNvGrpSpPr/>
-            <p:nvPr/>
-          </p:nvGrpSpPr>
-          <p:grpSpPr>
-            <a:xfrm>
-              <a:off x="7618333" y="409816"/>
-              <a:ext cx="1453689" cy="418547"/>
-              <a:chOff x="7476407" y="488040"/>
-              <a:chExt cx="1707126" cy="491517"/>
-            </a:xfrm>
-          </p:grpSpPr>
-          <p:pic>
-            <p:nvPicPr>
-              <p:cNvPr id="135" name="Picture 134"/>
-              <p:cNvPicPr>
-                <a:picLocks noChangeAspect="1"/>
-              </p:cNvPicPr>
-              <p:nvPr/>
-            </p:nvPicPr>
-            <p:blipFill>
-              <a:blip r:embed="rId9">
-                <a:extLst>
-                  <a:ext uri="{28A0092B-C50C-407E-A947-70E740481C1C}">
-                    <a14:useLocalDpi xmlns:a14="http://schemas.microsoft.com/office/drawing/2010/main" val="0"/>
-                  </a:ext>
-                </a:extLst>
-              </a:blip>
-              <a:stretch>
-                <a:fillRect/>
-              </a:stretch>
-            </p:blipFill>
-            <p:spPr>
-              <a:xfrm>
-                <a:off x="8477949" y="488040"/>
-                <a:ext cx="705584" cy="491517"/>
-              </a:xfrm>
-              <a:prstGeom prst="rect">
-                <a:avLst/>
-              </a:prstGeom>
-            </p:spPr>
-          </p:pic>
-          <p:pic>
-            <p:nvPicPr>
-              <p:cNvPr id="136" name="Picture 135" descr="A green box with a black x on it&#10;&#10;Description automatically generated">
-                <a:extLst>
-                  <a:ext uri="{FF2B5EF4-FFF2-40B4-BE49-F238E27FC236}">
-                    <a16:creationId xmlns:a16="http://schemas.microsoft.com/office/drawing/2014/main" id="{C5AF21D7-E342-A1B9-3734-41035F3A6B43}"/>
-                  </a:ext>
-                </a:extLst>
-              </p:cNvPr>
-              <p:cNvPicPr>
-                <a:picLocks noChangeAspect="1"/>
-              </p:cNvPicPr>
-              <p:nvPr/>
-            </p:nvPicPr>
-            <p:blipFill>
-              <a:blip r:embed="rId10"/>
-              <a:stretch>
-                <a:fillRect/>
-              </a:stretch>
-            </p:blipFill>
-            <p:spPr>
-              <a:xfrm>
-                <a:off x="8005440" y="584459"/>
-                <a:ext cx="298682" cy="298681"/>
-              </a:xfrm>
-              <a:prstGeom prst="rect">
-                <a:avLst/>
-              </a:prstGeom>
-            </p:spPr>
-          </p:pic>
-          <p:pic>
-            <p:nvPicPr>
-              <p:cNvPr id="137" name="Picture 136" descr="A logo with a letter f&#10;&#10;Description automatically generated">
-                <a:extLst>
-                  <a:ext uri="{FF2B5EF4-FFF2-40B4-BE49-F238E27FC236}">
-                    <a16:creationId xmlns:a16="http://schemas.microsoft.com/office/drawing/2014/main" id="{D7496D32-4CF5-A256-4FD9-366D617D9A92}"/>
-                  </a:ext>
-                </a:extLst>
-              </p:cNvPr>
-              <p:cNvPicPr>
-                <a:picLocks noChangeAspect="1"/>
-              </p:cNvPicPr>
-              <p:nvPr/>
-            </p:nvPicPr>
-            <p:blipFill>
-              <a:blip r:embed="rId11"/>
-              <a:stretch>
-                <a:fillRect/>
-              </a:stretch>
-            </p:blipFill>
-            <p:spPr>
-              <a:xfrm>
-                <a:off x="7476407" y="606018"/>
-                <a:ext cx="294326" cy="256798"/>
-              </a:xfrm>
-              <a:prstGeom prst="rect">
-                <a:avLst/>
-              </a:prstGeom>
-            </p:spPr>
-          </p:pic>
-        </p:grpSp>
-        <p:cxnSp>
-          <p:nvCxnSpPr>
-            <p:cNvPr id="138" name="Straight Arrow Connector 137">
-              <a:extLst>
-                <a:ext uri="{FF2B5EF4-FFF2-40B4-BE49-F238E27FC236}">
-                  <a16:creationId xmlns:a16="http://schemas.microsoft.com/office/drawing/2014/main" id="{613D78B4-4A3A-0975-869F-6FB444066EAC}"/>
-                </a:ext>
-              </a:extLst>
-            </p:cNvPr>
-            <p:cNvCxnSpPr>
-              <a:cxnSpLocks/>
-            </p:cNvCxnSpPr>
-            <p:nvPr/>
-          </p:nvCxnSpPr>
-          <p:spPr>
-            <a:xfrm>
-              <a:off x="7892676" y="624921"/>
-              <a:ext cx="147573" cy="0"/>
-            </a:xfrm>
-            <a:prstGeom prst="straightConnector1">
-              <a:avLst/>
-            </a:prstGeom>
-            <a:ln w="19050">
-              <a:solidFill>
-                <a:schemeClr val="bg2"/>
-              </a:solidFill>
-              <a:tailEnd type="triangle"/>
-            </a:ln>
-          </p:spPr>
-          <p:style>
-            <a:lnRef idx="1">
-              <a:schemeClr val="accent1"/>
-            </a:lnRef>
-            <a:fillRef idx="0">
-              <a:schemeClr val="accent1"/>
-            </a:fillRef>
-            <a:effectRef idx="0">
-              <a:schemeClr val="accent1"/>
-            </a:effectRef>
-            <a:fontRef idx="minor">
-              <a:schemeClr val="tx1"/>
-            </a:fontRef>
-          </p:style>
-        </p:cxnSp>
-        <p:cxnSp>
-          <p:nvCxnSpPr>
-            <p:cNvPr id="139" name="Straight Arrow Connector 138">
-              <a:extLst>
-                <a:ext uri="{FF2B5EF4-FFF2-40B4-BE49-F238E27FC236}">
-                  <a16:creationId xmlns:a16="http://schemas.microsoft.com/office/drawing/2014/main" id="{613D78B4-4A3A-0975-869F-6FB444066EAC}"/>
-                </a:ext>
-              </a:extLst>
-            </p:cNvPr>
-            <p:cNvCxnSpPr>
-              <a:cxnSpLocks/>
-            </p:cNvCxnSpPr>
-            <p:nvPr/>
-          </p:nvCxnSpPr>
-          <p:spPr>
-            <a:xfrm>
-              <a:off x="8351037" y="619302"/>
-              <a:ext cx="147573" cy="0"/>
-            </a:xfrm>
-            <a:prstGeom prst="straightConnector1">
-              <a:avLst/>
-            </a:prstGeom>
-            <a:ln w="19050">
-              <a:solidFill>
-                <a:schemeClr val="bg2"/>
-              </a:solidFill>
-              <a:tailEnd type="triangle"/>
-            </a:ln>
-          </p:spPr>
-          <p:style>
-            <a:lnRef idx="1">
-              <a:schemeClr val="accent1"/>
-            </a:lnRef>
-            <a:fillRef idx="0">
-              <a:schemeClr val="accent1"/>
-            </a:fillRef>
-            <a:effectRef idx="0">
-              <a:schemeClr val="accent1"/>
-            </a:effectRef>
-            <a:fontRef idx="minor">
-              <a:schemeClr val="tx1"/>
-            </a:fontRef>
-          </p:style>
-        </p:cxnSp>
-        <p:cxnSp>
-          <p:nvCxnSpPr>
-            <p:cNvPr id="160" name="Straight Connector 159"/>
-            <p:cNvCxnSpPr/>
-            <p:nvPr/>
-          </p:nvCxnSpPr>
-          <p:spPr>
-            <a:xfrm flipV="1">
-              <a:off x="7302160" y="386922"/>
-              <a:ext cx="0" cy="1825429"/>
-            </a:xfrm>
-            <a:prstGeom prst="line">
-              <a:avLst/>
-            </a:prstGeom>
-            <a:ln w="6350">
-              <a:solidFill>
-                <a:schemeClr val="tx1"/>
-              </a:solidFill>
-            </a:ln>
-          </p:spPr>
-          <p:style>
-            <a:lnRef idx="1">
-              <a:schemeClr val="accent1"/>
-            </a:lnRef>
-            <a:fillRef idx="0">
-              <a:schemeClr val="accent1"/>
-            </a:fillRef>
-            <a:effectRef idx="0">
-              <a:schemeClr val="accent1"/>
-            </a:effectRef>
-            <a:fontRef idx="minor">
-              <a:schemeClr val="tx1"/>
-            </a:fontRef>
-          </p:style>
-        </p:cxnSp>
-        <p:sp>
-          <p:nvSpPr>
-            <p:cNvPr id="163" name="TextBox 162"/>
-            <p:cNvSpPr txBox="1"/>
-            <p:nvPr/>
-          </p:nvSpPr>
-          <p:spPr>
-            <a:xfrm>
-              <a:off x="7089602" y="52365"/>
-              <a:ext cx="425116" cy="307777"/>
-            </a:xfrm>
-            <a:prstGeom prst="rect">
-              <a:avLst/>
-            </a:prstGeom>
-            <a:noFill/>
-          </p:spPr>
-          <p:txBody>
-            <a:bodyPr wrap="none" rtlCol="0">
-              <a:spAutoFit/>
-            </a:bodyPr>
-            <a:lstStyle/>
-            <a:p>
-              <a:r>
-                <a:rPr lang="en-US" b="1" dirty="0"/>
-                <a:t>VS</a:t>
-              </a:r>
-            </a:p>
-          </p:txBody>
-        </p:sp>
-        <p:sp>
-          <p:nvSpPr>
-            <p:cNvPr id="166" name="TextBox 165"/>
-            <p:cNvSpPr txBox="1"/>
-            <p:nvPr/>
-          </p:nvSpPr>
-          <p:spPr>
-            <a:xfrm>
-              <a:off x="7785451" y="844995"/>
-              <a:ext cx="987771" cy="184666"/>
-            </a:xfrm>
-            <a:prstGeom prst="rect">
-              <a:avLst/>
-            </a:prstGeom>
-            <a:noFill/>
-          </p:spPr>
-          <p:txBody>
-            <a:bodyPr wrap="none" rtlCol="0">
-              <a:spAutoFit/>
-            </a:bodyPr>
-            <a:lstStyle/>
-            <a:p>
-              <a:r>
-                <a:rPr lang="en-US" sz="600" b="1" dirty="0"/>
-                <a:t>1 X Import File to Web</a:t>
-              </a:r>
-            </a:p>
-          </p:txBody>
-        </p:sp>
-        <p:grpSp>
-          <p:nvGrpSpPr>
-            <p:cNvPr id="171" name="Group 170"/>
-            <p:cNvGrpSpPr/>
-            <p:nvPr/>
-          </p:nvGrpSpPr>
-          <p:grpSpPr>
-            <a:xfrm>
-              <a:off x="5672719" y="1159003"/>
-              <a:ext cx="482881" cy="402948"/>
-              <a:chOff x="4186778" y="3196423"/>
-              <a:chExt cx="1100673" cy="1033750"/>
-            </a:xfrm>
-          </p:grpSpPr>
-          <p:pic>
-            <p:nvPicPr>
-              <p:cNvPr id="167" name="Picture 166"/>
-              <p:cNvPicPr>
-                <a:picLocks noChangeAspect="1"/>
-              </p:cNvPicPr>
-              <p:nvPr/>
-            </p:nvPicPr>
-            <p:blipFill>
-              <a:blip r:embed="rId12">
-                <a:extLst>
-                  <a:ext uri="{28A0092B-C50C-407E-A947-70E740481C1C}">
-                    <a14:useLocalDpi xmlns:a14="http://schemas.microsoft.com/office/drawing/2010/main" val="0"/>
-                  </a:ext>
-                </a:extLst>
-              </a:blip>
-              <a:stretch>
-                <a:fillRect/>
-              </a:stretch>
-            </p:blipFill>
-            <p:spPr>
-              <a:xfrm>
-                <a:off x="4380708" y="3196423"/>
-                <a:ext cx="670285" cy="670285"/>
-              </a:xfrm>
-              <a:prstGeom prst="rect">
-                <a:avLst/>
-              </a:prstGeom>
-            </p:spPr>
-          </p:pic>
-          <p:grpSp>
-            <p:nvGrpSpPr>
-              <p:cNvPr id="168" name="Group 167"/>
-              <p:cNvGrpSpPr/>
-              <p:nvPr/>
-            </p:nvGrpSpPr>
-            <p:grpSpPr>
-              <a:xfrm>
-                <a:off x="4186778" y="3756418"/>
-                <a:ext cx="1100673" cy="473755"/>
-                <a:chOff x="3069969" y="1741354"/>
-                <a:chExt cx="1100673" cy="473755"/>
-              </a:xfrm>
-            </p:grpSpPr>
-            <p:sp>
-              <p:nvSpPr>
-                <p:cNvPr id="169" name="Flowchart: Process 168">
-                  <a:extLst>
-                    <a:ext uri="{FF2B5EF4-FFF2-40B4-BE49-F238E27FC236}">
-                      <a16:creationId xmlns:a16="http://schemas.microsoft.com/office/drawing/2014/main" id="{247B9359-9CCD-4B36-75D1-AC7040FCE752}"/>
-                    </a:ext>
-                  </a:extLst>
-                </p:cNvPr>
-                <p:cNvSpPr/>
-                <p:nvPr/>
-              </p:nvSpPr>
-              <p:spPr>
-                <a:xfrm>
-                  <a:off x="3230970" y="1781171"/>
-                  <a:ext cx="731520" cy="365760"/>
-                </a:xfrm>
-                <a:prstGeom prst="flowChartProcess">
-                  <a:avLst/>
-                </a:prstGeom>
-                <a:solidFill>
-                  <a:schemeClr val="bg2">
-                    <a:lumMod val="60000"/>
-                    <a:lumOff val="40000"/>
-                  </a:schemeClr>
-                </a:solidFill>
-                <a:ln w="3175">
-                  <a:solidFill>
-                    <a:schemeClr val="tx1"/>
-                  </a:solidFill>
-                </a:ln>
-              </p:spPr>
-              <p:style>
-                <a:lnRef idx="2">
-                  <a:schemeClr val="accent1">
-                    <a:shade val="50000"/>
-                  </a:schemeClr>
-                </a:lnRef>
-                <a:fillRef idx="1">
-                  <a:schemeClr val="accent1"/>
-                </a:fillRef>
-                <a:effectRef idx="0">
-                  <a:schemeClr val="accent1"/>
-                </a:effectRef>
-                <a:fontRef idx="minor">
-                  <a:schemeClr val="lt1"/>
-                </a:fontRef>
-              </p:style>
-              <p:txBody>
-                <a:bodyPr rtlCol="0" anchor="ctr"/>
-                <a:lstStyle/>
-                <a:p>
-                  <a:pPr algn="ctr"/>
-                  <a:endParaRPr lang="en-US" sz="751" b="1" dirty="0">
-                    <a:latin typeface="Plus Jakarta Sans "/>
-                  </a:endParaRPr>
-                </a:p>
-              </p:txBody>
-            </p:sp>
-            <p:sp>
-              <p:nvSpPr>
-                <p:cNvPr id="170" name="TextBox 169"/>
-                <p:cNvSpPr txBox="1"/>
-                <p:nvPr/>
-              </p:nvSpPr>
-              <p:spPr>
-                <a:xfrm>
-                  <a:off x="3069969" y="1741354"/>
-                  <a:ext cx="1100673" cy="473755"/>
-                </a:xfrm>
-                <a:prstGeom prst="rect">
-                  <a:avLst/>
-                </a:prstGeom>
-                <a:noFill/>
-                <a:ln w="3175">
-                  <a:noFill/>
-                </a:ln>
-              </p:spPr>
-              <p:txBody>
-                <a:bodyPr wrap="square" rtlCol="0">
-                  <a:spAutoFit/>
-                </a:bodyPr>
-                <a:lstStyle/>
-                <a:p>
-                  <a:pPr algn="ctr"/>
-                  <a:r>
-                    <a:rPr lang="en-US" sz="300" b="1" dirty="0"/>
-                    <a:t>BANK PARTICIPANT</a:t>
-                  </a:r>
-                </a:p>
-              </p:txBody>
-            </p:sp>
-          </p:grpSp>
-        </p:grpSp>
-        <p:pic>
-          <p:nvPicPr>
-            <p:cNvPr id="172" name="Picture 171" descr="A green box with a black x on it&#10;&#10;Description automatically generated">
-              <a:extLst>
-                <a:ext uri="{FF2B5EF4-FFF2-40B4-BE49-F238E27FC236}">
-                  <a16:creationId xmlns:a16="http://schemas.microsoft.com/office/drawing/2014/main" id="{C5AF21D7-E342-A1B9-3734-41035F3A6B43}"/>
-                </a:ext>
-              </a:extLst>
-            </p:cNvPr>
-            <p:cNvPicPr>
-              <a:picLocks noChangeAspect="1"/>
-            </p:cNvPicPr>
-            <p:nvPr/>
-          </p:nvPicPr>
-          <p:blipFill>
-            <a:blip r:embed="rId10"/>
-            <a:stretch>
-              <a:fillRect/>
-            </a:stretch>
-          </p:blipFill>
-          <p:spPr>
-            <a:xfrm>
-              <a:off x="6917002" y="1242434"/>
-              <a:ext cx="310798" cy="310796"/>
-            </a:xfrm>
-            <a:prstGeom prst="rect">
-              <a:avLst/>
-            </a:prstGeom>
-          </p:spPr>
-        </p:pic>
-        <p:grpSp>
-          <p:nvGrpSpPr>
-            <p:cNvPr id="176" name="Group 175"/>
-            <p:cNvGrpSpPr/>
-            <p:nvPr/>
-          </p:nvGrpSpPr>
-          <p:grpSpPr>
-            <a:xfrm>
-              <a:off x="5751735" y="426800"/>
-              <a:ext cx="3064690" cy="685455"/>
-              <a:chOff x="5751735" y="515700"/>
-              <a:chExt cx="3384343" cy="756949"/>
-            </a:xfrm>
-          </p:grpSpPr>
-          <p:pic>
-            <p:nvPicPr>
-              <p:cNvPr id="129" name="Picture 128" descr="A green box with a black x on it&#10;&#10;Description automatically generated">
-                <a:extLst>
-                  <a:ext uri="{FF2B5EF4-FFF2-40B4-BE49-F238E27FC236}">
-                    <a16:creationId xmlns:a16="http://schemas.microsoft.com/office/drawing/2014/main" id="{C5AF21D7-E342-A1B9-3734-41035F3A6B43}"/>
-                  </a:ext>
-                </a:extLst>
-              </p:cNvPr>
-              <p:cNvPicPr>
-                <a:picLocks noChangeAspect="1"/>
-              </p:cNvPicPr>
-              <p:nvPr/>
-            </p:nvPicPr>
-            <p:blipFill>
-              <a:blip r:embed="rId10"/>
-              <a:stretch>
-                <a:fillRect/>
-              </a:stretch>
-            </p:blipFill>
-            <p:spPr>
-              <a:xfrm>
-                <a:off x="6019612" y="515700"/>
-                <a:ext cx="298682" cy="298681"/>
-              </a:xfrm>
-              <a:prstGeom prst="rect">
-                <a:avLst/>
-              </a:prstGeom>
-            </p:spPr>
-          </p:pic>
-          <p:pic>
-            <p:nvPicPr>
-              <p:cNvPr id="130" name="Picture 129" descr="A logo with a letter f&#10;&#10;Description automatically generated">
-                <a:extLst>
-                  <a:ext uri="{FF2B5EF4-FFF2-40B4-BE49-F238E27FC236}">
-                    <a16:creationId xmlns:a16="http://schemas.microsoft.com/office/drawing/2014/main" id="{D7496D32-4CF5-A256-4FD9-366D617D9A92}"/>
-                  </a:ext>
-                </a:extLst>
-              </p:cNvPr>
-              <p:cNvPicPr>
-                <a:picLocks noChangeAspect="1"/>
-              </p:cNvPicPr>
-              <p:nvPr/>
-            </p:nvPicPr>
-            <p:blipFill>
-              <a:blip r:embed="rId11"/>
-              <a:stretch>
-                <a:fillRect/>
-              </a:stretch>
-            </p:blipFill>
-            <p:spPr>
-              <a:xfrm>
-                <a:off x="6549534" y="542431"/>
-                <a:ext cx="294326" cy="256798"/>
-              </a:xfrm>
-              <a:prstGeom prst="rect">
-                <a:avLst/>
-              </a:prstGeom>
-            </p:spPr>
-          </p:pic>
-          <p:sp>
-            <p:nvSpPr>
-              <p:cNvPr id="131" name="TextBox 130">
-                <a:extLst>
-                  <a:ext uri="{FF2B5EF4-FFF2-40B4-BE49-F238E27FC236}">
-                    <a16:creationId xmlns:a16="http://schemas.microsoft.com/office/drawing/2014/main" id="{9A946FFC-8A71-D2BC-2F9F-2C84ECC720C4}"/>
-                  </a:ext>
-                </a:extLst>
-              </p:cNvPr>
-              <p:cNvSpPr txBox="1"/>
-              <p:nvPr/>
-            </p:nvSpPr>
-            <p:spPr>
-              <a:xfrm>
-                <a:off x="5964619" y="789144"/>
-                <a:ext cx="429043" cy="203927"/>
-              </a:xfrm>
-              <a:prstGeom prst="rect">
-                <a:avLst/>
-              </a:prstGeom>
-              <a:noFill/>
-            </p:spPr>
-            <p:txBody>
-              <a:bodyPr wrap="square" rtlCol="0">
-                <a:spAutoFit/>
-              </a:bodyPr>
-              <a:lstStyle/>
-              <a:p>
-                <a:r>
-                  <a:rPr lang="en-US" sz="600" dirty="0"/>
-                  <a:t>Excel</a:t>
-                </a:r>
-                <a:endParaRPr lang="en-US" sz="1200" dirty="0"/>
-              </a:p>
-            </p:txBody>
-          </p:sp>
-          <p:cxnSp>
-            <p:nvCxnSpPr>
-              <p:cNvPr id="133" name="Straight Arrow Connector 132">
-                <a:extLst>
-                  <a:ext uri="{FF2B5EF4-FFF2-40B4-BE49-F238E27FC236}">
-                    <a16:creationId xmlns:a16="http://schemas.microsoft.com/office/drawing/2014/main" id="{613D78B4-4A3A-0975-869F-6FB444066EAC}"/>
-                  </a:ext>
-                </a:extLst>
-              </p:cNvPr>
-              <p:cNvCxnSpPr>
-                <a:cxnSpLocks/>
-              </p:cNvCxnSpPr>
-              <p:nvPr/>
-            </p:nvCxnSpPr>
-            <p:spPr>
-              <a:xfrm>
-                <a:off x="6373286" y="634356"/>
-                <a:ext cx="147573" cy="0"/>
-              </a:xfrm>
-              <a:prstGeom prst="straightConnector1">
-                <a:avLst/>
-              </a:prstGeom>
-              <a:ln w="19050">
-                <a:solidFill>
-                  <a:schemeClr val="bg2"/>
-                </a:solidFill>
-                <a:tailEnd type="triangle"/>
-              </a:ln>
-            </p:spPr>
-            <p:style>
-              <a:lnRef idx="1">
-                <a:schemeClr val="accent1"/>
-              </a:lnRef>
-              <a:fillRef idx="0">
-                <a:schemeClr val="accent1"/>
-              </a:fillRef>
-              <a:effectRef idx="0">
-                <a:schemeClr val="accent1"/>
-              </a:effectRef>
-              <a:fontRef idx="minor">
-                <a:schemeClr val="tx1"/>
-              </a:fontRef>
-            </p:style>
-          </p:cxnSp>
-          <p:cxnSp>
-            <p:nvCxnSpPr>
-              <p:cNvPr id="134" name="Straight Arrow Connector 133">
-                <a:extLst>
-                  <a:ext uri="{FF2B5EF4-FFF2-40B4-BE49-F238E27FC236}">
-                    <a16:creationId xmlns:a16="http://schemas.microsoft.com/office/drawing/2014/main" id="{347EF14C-CD91-76C1-F835-D697FE246C1E}"/>
-                  </a:ext>
-                </a:extLst>
-              </p:cNvPr>
-              <p:cNvCxnSpPr>
-                <a:cxnSpLocks/>
-              </p:cNvCxnSpPr>
-              <p:nvPr/>
-            </p:nvCxnSpPr>
-            <p:spPr>
-              <a:xfrm flipH="1">
-                <a:off x="6365545" y="716619"/>
-                <a:ext cx="147573" cy="0"/>
-              </a:xfrm>
-              <a:prstGeom prst="straightConnector1">
-                <a:avLst/>
-              </a:prstGeom>
-              <a:ln w="19050">
-                <a:solidFill>
-                  <a:schemeClr val="bg2"/>
-                </a:solidFill>
-                <a:tailEnd type="triangle"/>
-              </a:ln>
-            </p:spPr>
-            <p:style>
-              <a:lnRef idx="1">
-                <a:schemeClr val="accent1"/>
-              </a:lnRef>
-              <a:fillRef idx="0">
-                <a:schemeClr val="accent1"/>
-              </a:fillRef>
-              <a:effectRef idx="0">
-                <a:schemeClr val="accent1"/>
-              </a:effectRef>
-              <a:fontRef idx="minor">
-                <a:schemeClr val="tx1"/>
-              </a:fontRef>
-            </p:style>
-          </p:cxnSp>
-          <p:cxnSp>
-            <p:nvCxnSpPr>
-              <p:cNvPr id="143" name="Curved Connector 142"/>
-              <p:cNvCxnSpPr>
-                <a:stCxn id="131" idx="2"/>
-                <a:endCxn id="132" idx="2"/>
-              </p:cNvCxnSpPr>
-              <p:nvPr/>
-            </p:nvCxnSpPr>
-            <p:spPr>
-              <a:xfrm rot="5400000" flipH="1" flipV="1">
-                <a:off x="6441901" y="727311"/>
-                <a:ext cx="2999" cy="528521"/>
-              </a:xfrm>
-              <a:prstGeom prst="curvedConnector3">
-                <a:avLst>
-                  <a:gd name="adj1" fmla="val -8416789"/>
-                </a:avLst>
-              </a:prstGeom>
-              <a:ln>
-                <a:solidFill>
-                  <a:schemeClr val="bg2"/>
-                </a:solidFill>
-                <a:tailEnd type="triangle"/>
-              </a:ln>
-            </p:spPr>
-            <p:style>
-              <a:lnRef idx="1">
-                <a:schemeClr val="accent1"/>
-              </a:lnRef>
-              <a:fillRef idx="0">
-                <a:schemeClr val="accent1"/>
-              </a:fillRef>
-              <a:effectRef idx="0">
-                <a:schemeClr val="accent1"/>
-              </a:effectRef>
-              <a:fontRef idx="minor">
-                <a:schemeClr val="tx1"/>
-              </a:fontRef>
-            </p:style>
-          </p:cxnSp>
-          <p:sp>
-            <p:nvSpPr>
-              <p:cNvPr id="164" name="TextBox 163"/>
-              <p:cNvSpPr txBox="1"/>
-              <p:nvPr/>
-            </p:nvSpPr>
-            <p:spPr>
-              <a:xfrm>
-                <a:off x="6241803" y="896642"/>
-                <a:ext cx="416350" cy="203927"/>
-              </a:xfrm>
-              <a:prstGeom prst="rect">
-                <a:avLst/>
-              </a:prstGeom>
-              <a:noFill/>
-            </p:spPr>
-            <p:txBody>
-              <a:bodyPr wrap="none" rtlCol="0">
-                <a:spAutoFit/>
-              </a:bodyPr>
-              <a:lstStyle/>
-              <a:p>
-                <a:r>
-                  <a:rPr lang="en-US" sz="600" b="1" dirty="0"/>
-                  <a:t>Copy</a:t>
-                </a:r>
-              </a:p>
-            </p:txBody>
-          </p:sp>
-          <p:sp>
-            <p:nvSpPr>
-              <p:cNvPr id="165" name="TextBox 164"/>
-              <p:cNvSpPr txBox="1"/>
-              <p:nvPr/>
-            </p:nvSpPr>
-            <p:spPr>
-              <a:xfrm>
-                <a:off x="6234589" y="1058961"/>
-                <a:ext cx="432283" cy="203927"/>
-              </a:xfrm>
-              <a:prstGeom prst="rect">
-                <a:avLst/>
-              </a:prstGeom>
-              <a:noFill/>
-            </p:spPr>
-            <p:txBody>
-              <a:bodyPr wrap="none" rtlCol="0">
-                <a:spAutoFit/>
-              </a:bodyPr>
-              <a:lstStyle/>
-              <a:p>
-                <a:r>
-                  <a:rPr lang="en-US" sz="600" b="1" dirty="0"/>
-                  <a:t>Paste</a:t>
-                </a:r>
-              </a:p>
-            </p:txBody>
-          </p:sp>
-          <p:cxnSp>
-            <p:nvCxnSpPr>
-              <p:cNvPr id="173" name="Straight Connector 172"/>
-              <p:cNvCxnSpPr/>
-              <p:nvPr/>
-            </p:nvCxnSpPr>
-            <p:spPr>
-              <a:xfrm flipV="1">
-                <a:off x="5751735" y="1269244"/>
-                <a:ext cx="3384343" cy="3405"/>
-              </a:xfrm>
-              <a:prstGeom prst="line">
-                <a:avLst/>
-              </a:prstGeom>
-              <a:ln w="6350">
-                <a:solidFill>
-                  <a:schemeClr val="tx1"/>
-                </a:solidFill>
-              </a:ln>
-            </p:spPr>
-            <p:style>
-              <a:lnRef idx="1">
-                <a:schemeClr val="accent1"/>
-              </a:lnRef>
-              <a:fillRef idx="0">
-                <a:schemeClr val="accent1"/>
-              </a:fillRef>
-              <a:effectRef idx="0">
-                <a:schemeClr val="accent1"/>
-              </a:effectRef>
-              <a:fontRef idx="minor">
-                <a:schemeClr val="tx1"/>
-              </a:fontRef>
-            </p:style>
-          </p:cxnSp>
-        </p:grpSp>
-        <p:pic>
-          <p:nvPicPr>
-            <p:cNvPr id="183" name="Picture 182"/>
-            <p:cNvPicPr>
-              <a:picLocks noChangeAspect="1"/>
-            </p:cNvPicPr>
-            <p:nvPr/>
-          </p:nvPicPr>
-          <p:blipFill>
-            <a:blip r:embed="rId13">
-              <a:extLst>
-                <a:ext uri="{28A0092B-C50C-407E-A947-70E740481C1C}">
-                  <a14:useLocalDpi xmlns:a14="http://schemas.microsoft.com/office/drawing/2010/main" val="0"/>
-                </a:ext>
-              </a:extLst>
-            </a:blip>
-            <a:stretch>
-              <a:fillRect/>
-            </a:stretch>
-          </p:blipFill>
-          <p:spPr>
-            <a:xfrm>
-              <a:off x="8393541" y="1194868"/>
-              <a:ext cx="511936" cy="378833"/>
-            </a:xfrm>
-            <a:prstGeom prst="rect">
-              <a:avLst/>
-            </a:prstGeom>
-          </p:spPr>
-        </p:pic>
-        <p:grpSp>
-          <p:nvGrpSpPr>
-            <p:cNvPr id="184" name="Group 183"/>
-            <p:cNvGrpSpPr/>
-            <p:nvPr/>
-          </p:nvGrpSpPr>
-          <p:grpSpPr>
-            <a:xfrm>
-              <a:off x="8636809" y="1242434"/>
-              <a:ext cx="179616" cy="219693"/>
-              <a:chOff x="4186778" y="3196423"/>
-              <a:chExt cx="1100673" cy="1515223"/>
-            </a:xfrm>
-          </p:grpSpPr>
-          <p:pic>
-            <p:nvPicPr>
-              <p:cNvPr id="185" name="Picture 184"/>
-              <p:cNvPicPr>
-                <a:picLocks noChangeAspect="1"/>
-              </p:cNvPicPr>
-              <p:nvPr/>
-            </p:nvPicPr>
-            <p:blipFill>
-              <a:blip r:embed="rId12">
-                <a:extLst>
-                  <a:ext uri="{28A0092B-C50C-407E-A947-70E740481C1C}">
-                    <a14:useLocalDpi xmlns:a14="http://schemas.microsoft.com/office/drawing/2010/main" val="0"/>
-                  </a:ext>
-                </a:extLst>
-              </a:blip>
-              <a:stretch>
-                <a:fillRect/>
-              </a:stretch>
-            </p:blipFill>
-            <p:spPr>
-              <a:xfrm>
-                <a:off x="4380708" y="3196423"/>
-                <a:ext cx="670285" cy="670285"/>
-              </a:xfrm>
-              <a:prstGeom prst="rect">
-                <a:avLst/>
-              </a:prstGeom>
-            </p:spPr>
-          </p:pic>
-          <p:grpSp>
-            <p:nvGrpSpPr>
-              <p:cNvPr id="186" name="Group 185"/>
-              <p:cNvGrpSpPr/>
-              <p:nvPr/>
-            </p:nvGrpSpPr>
-            <p:grpSpPr>
-              <a:xfrm>
-                <a:off x="4186778" y="3756418"/>
-                <a:ext cx="1100673" cy="955228"/>
-                <a:chOff x="3069969" y="1741354"/>
-                <a:chExt cx="1100673" cy="955228"/>
-              </a:xfrm>
-            </p:grpSpPr>
-            <p:sp>
-              <p:nvSpPr>
-                <p:cNvPr id="187" name="Flowchart: Process 186">
-                  <a:extLst>
-                    <a:ext uri="{FF2B5EF4-FFF2-40B4-BE49-F238E27FC236}">
-                      <a16:creationId xmlns:a16="http://schemas.microsoft.com/office/drawing/2014/main" id="{247B9359-9CCD-4B36-75D1-AC7040FCE752}"/>
-                    </a:ext>
-                  </a:extLst>
-                </p:cNvPr>
-                <p:cNvSpPr/>
-                <p:nvPr/>
-              </p:nvSpPr>
-              <p:spPr>
-                <a:xfrm>
-                  <a:off x="3230970" y="1781171"/>
-                  <a:ext cx="731520" cy="365760"/>
-                </a:xfrm>
-                <a:prstGeom prst="flowChartProcess">
-                  <a:avLst/>
-                </a:prstGeom>
-                <a:solidFill>
-                  <a:schemeClr val="bg2">
-                    <a:lumMod val="60000"/>
-                    <a:lumOff val="40000"/>
-                  </a:schemeClr>
-                </a:solidFill>
-                <a:ln w="3175">
-                  <a:solidFill>
-                    <a:schemeClr val="tx1"/>
-                  </a:solidFill>
-                </a:ln>
-              </p:spPr>
-              <p:style>
-                <a:lnRef idx="2">
-                  <a:schemeClr val="accent1">
-                    <a:shade val="50000"/>
-                  </a:schemeClr>
-                </a:lnRef>
-                <a:fillRef idx="1">
-                  <a:schemeClr val="accent1"/>
-                </a:fillRef>
-                <a:effectRef idx="0">
-                  <a:schemeClr val="accent1"/>
-                </a:effectRef>
-                <a:fontRef idx="minor">
-                  <a:schemeClr val="lt1"/>
-                </a:fontRef>
-              </p:style>
-              <p:txBody>
-                <a:bodyPr rtlCol="0" anchor="ctr"/>
-                <a:lstStyle/>
-                <a:p>
-                  <a:pPr algn="ctr"/>
-                  <a:endParaRPr lang="en-US" sz="751" b="1" dirty="0">
-                    <a:latin typeface="Plus Jakarta Sans "/>
-                  </a:endParaRPr>
-                </a:p>
-              </p:txBody>
-            </p:sp>
-            <p:sp>
-              <p:nvSpPr>
-                <p:cNvPr id="188" name="TextBox 187"/>
-                <p:cNvSpPr txBox="1"/>
-                <p:nvPr/>
-              </p:nvSpPr>
-              <p:spPr>
-                <a:xfrm>
-                  <a:off x="3069969" y="1741354"/>
-                  <a:ext cx="1100673" cy="955228"/>
-                </a:xfrm>
-                <a:prstGeom prst="rect">
-                  <a:avLst/>
-                </a:prstGeom>
-                <a:noFill/>
-                <a:ln w="3175">
-                  <a:noFill/>
-                </a:ln>
-              </p:spPr>
-              <p:txBody>
-                <a:bodyPr wrap="square" rtlCol="0">
-                  <a:spAutoFit/>
-                </a:bodyPr>
-                <a:lstStyle/>
-                <a:p>
-                  <a:pPr algn="ctr"/>
-                  <a:endParaRPr lang="en-US" sz="300" b="1" dirty="0"/>
-                </a:p>
-              </p:txBody>
-            </p:sp>
-          </p:grpSp>
-        </p:grpSp>
-        <p:cxnSp>
-          <p:nvCxnSpPr>
-            <p:cNvPr id="190" name="Straight Arrow Connector 189"/>
-            <p:cNvCxnSpPr/>
-            <p:nvPr/>
-          </p:nvCxnSpPr>
-          <p:spPr>
-            <a:xfrm>
-              <a:off x="6195516" y="1435133"/>
-              <a:ext cx="618629" cy="0"/>
-            </a:xfrm>
-            <a:prstGeom prst="straightConnector1">
-              <a:avLst/>
-            </a:prstGeom>
-            <a:ln>
-              <a:solidFill>
-                <a:schemeClr val="bg2"/>
-              </a:solidFill>
-              <a:tailEnd type="triangle"/>
-            </a:ln>
-          </p:spPr>
-          <p:style>
-            <a:lnRef idx="1">
-              <a:schemeClr val="accent1"/>
-            </a:lnRef>
-            <a:fillRef idx="0">
-              <a:schemeClr val="accent1"/>
-            </a:fillRef>
-            <a:effectRef idx="0">
-              <a:schemeClr val="accent1"/>
-            </a:effectRef>
-            <a:fontRef idx="minor">
-              <a:schemeClr val="tx1"/>
-            </a:fontRef>
-          </p:style>
-        </p:cxnSp>
-        <p:sp>
-          <p:nvSpPr>
-            <p:cNvPr id="196" name="TextBox 195"/>
-            <p:cNvSpPr txBox="1"/>
-            <p:nvPr/>
-          </p:nvSpPr>
-          <p:spPr>
-            <a:xfrm>
-              <a:off x="6085510" y="1237937"/>
-              <a:ext cx="792205" cy="184666"/>
-            </a:xfrm>
-            <a:prstGeom prst="rect">
-              <a:avLst/>
-            </a:prstGeom>
-            <a:noFill/>
-          </p:spPr>
-          <p:txBody>
-            <a:bodyPr wrap="none" rtlCol="0">
-              <a:spAutoFit/>
-            </a:bodyPr>
-            <a:lstStyle/>
-            <a:p>
-              <a:r>
-                <a:rPr lang="en-US" sz="600" b="1" dirty="0"/>
-                <a:t>Copy from Excel</a:t>
-              </a:r>
-            </a:p>
-          </p:txBody>
-        </p:sp>
-        <p:sp>
-          <p:nvSpPr>
-            <p:cNvPr id="197" name="TextBox 196"/>
-            <p:cNvSpPr txBox="1"/>
-            <p:nvPr/>
-          </p:nvSpPr>
-          <p:spPr>
-            <a:xfrm>
-              <a:off x="7363419" y="1208141"/>
-              <a:ext cx="710599" cy="369332"/>
-            </a:xfrm>
-            <a:prstGeom prst="rect">
-              <a:avLst/>
-            </a:prstGeom>
-            <a:noFill/>
-          </p:spPr>
-          <p:txBody>
-            <a:bodyPr wrap="square" rtlCol="0">
-              <a:spAutoFit/>
-            </a:bodyPr>
-            <a:lstStyle/>
-            <a:p>
-              <a:r>
-                <a:rPr lang="en-US" sz="600" b="1" dirty="0"/>
-                <a:t>There is bank participant in Dashboard </a:t>
-              </a:r>
-            </a:p>
-          </p:txBody>
-        </p:sp>
-        <p:pic>
-          <p:nvPicPr>
-            <p:cNvPr id="198" name="Picture 197"/>
-            <p:cNvPicPr>
-              <a:picLocks noChangeAspect="1"/>
-            </p:cNvPicPr>
-            <p:nvPr/>
-          </p:nvPicPr>
-          <p:blipFill>
-            <a:blip r:embed="rId14">
-              <a:extLst>
-                <a:ext uri="{28A0092B-C50C-407E-A947-70E740481C1C}">
-                  <a14:useLocalDpi xmlns:a14="http://schemas.microsoft.com/office/drawing/2010/main" val="0"/>
-                </a:ext>
-              </a:extLst>
-            </a:blip>
-            <a:stretch>
-              <a:fillRect/>
-            </a:stretch>
-          </p:blipFill>
-          <p:spPr>
-            <a:xfrm>
-              <a:off x="8014678" y="1255872"/>
-              <a:ext cx="332950" cy="233920"/>
-            </a:xfrm>
-            <a:prstGeom prst="rect">
-              <a:avLst/>
-            </a:prstGeom>
-          </p:spPr>
-        </p:pic>
-        <p:cxnSp>
-          <p:nvCxnSpPr>
-            <p:cNvPr id="200" name="Straight Connector 199"/>
-            <p:cNvCxnSpPr/>
-            <p:nvPr/>
-          </p:nvCxnSpPr>
-          <p:spPr>
-            <a:xfrm flipV="1">
-              <a:off x="5751735" y="1669176"/>
-              <a:ext cx="3064690" cy="3083"/>
-            </a:xfrm>
-            <a:prstGeom prst="line">
-              <a:avLst/>
-            </a:prstGeom>
-            <a:ln w="6350">
-              <a:solidFill>
-                <a:schemeClr val="tx1"/>
-              </a:solidFill>
-            </a:ln>
-          </p:spPr>
-          <p:style>
-            <a:lnRef idx="1">
-              <a:schemeClr val="accent1"/>
-            </a:lnRef>
-            <a:fillRef idx="0">
-              <a:schemeClr val="accent1"/>
-            </a:fillRef>
-            <a:effectRef idx="0">
-              <a:schemeClr val="accent1"/>
-            </a:effectRef>
-            <a:fontRef idx="minor">
-              <a:schemeClr val="tx1"/>
-            </a:fontRef>
-          </p:style>
-        </p:cxnSp>
-        <p:pic>
-          <p:nvPicPr>
-            <p:cNvPr id="203" name="Picture 202"/>
-            <p:cNvPicPr>
-              <a:picLocks noChangeAspect="1"/>
-            </p:cNvPicPr>
-            <p:nvPr/>
-          </p:nvPicPr>
-          <p:blipFill>
-            <a:blip r:embed="rId15">
-              <a:extLst>
-                <a:ext uri="{28A0092B-C50C-407E-A947-70E740481C1C}">
-                  <a14:useLocalDpi xmlns:a14="http://schemas.microsoft.com/office/drawing/2010/main" val="0"/>
-                </a:ext>
-              </a:extLst>
-            </a:blip>
-            <a:srcRect l="2324" t="2668" r="2417" b="3893"/>
-            <a:stretch>
-              <a:fillRect/>
-            </a:stretch>
-          </p:blipFill>
-          <p:spPr>
-            <a:xfrm>
-              <a:off x="5944393" y="1836801"/>
-              <a:ext cx="294553" cy="267298"/>
-            </a:xfrm>
-            <a:custGeom>
-              <a:avLst/>
-              <a:gdLst>
-                <a:gd name="connsiteX0" fmla="*/ 969859 w 1939718"/>
-                <a:gd name="connsiteY0" fmla="*/ 0 h 1760236"/>
-                <a:gd name="connsiteX1" fmla="*/ 1939718 w 1939718"/>
-                <a:gd name="connsiteY1" fmla="*/ 880118 h 1760236"/>
-                <a:gd name="connsiteX2" fmla="*/ 969859 w 1939718"/>
-                <a:gd name="connsiteY2" fmla="*/ 1760236 h 1760236"/>
-                <a:gd name="connsiteX3" fmla="*/ 0 w 1939718"/>
-                <a:gd name="connsiteY3" fmla="*/ 880118 h 1760236"/>
-                <a:gd name="connsiteX4" fmla="*/ 969859 w 1939718"/>
-                <a:gd name="connsiteY4" fmla="*/ 0 h 1760236"/>
-              </a:gdLst>
-              <a:ahLst/>
-              <a:cxnLst>
-                <a:cxn ang="0">
-                  <a:pos x="connsiteX0" y="connsiteY0"/>
-                </a:cxn>
-                <a:cxn ang="0">
-                  <a:pos x="connsiteX1" y="connsiteY1"/>
-                </a:cxn>
-                <a:cxn ang="0">
-                  <a:pos x="connsiteX2" y="connsiteY2"/>
-                </a:cxn>
-                <a:cxn ang="0">
-                  <a:pos x="connsiteX3" y="connsiteY3"/>
-                </a:cxn>
-                <a:cxn ang="0">
-                  <a:pos x="connsiteX4" y="connsiteY4"/>
-                </a:cxn>
-              </a:cxnLst>
-              <a:rect l="l" t="t" r="r" b="b"/>
-              <a:pathLst>
-                <a:path w="1939718" h="1760236">
-                  <a:moveTo>
-                    <a:pt x="969859" y="0"/>
-                  </a:moveTo>
-                  <a:cubicBezTo>
-                    <a:pt x="1505497" y="0"/>
-                    <a:pt x="1939718" y="394042"/>
-                    <a:pt x="1939718" y="880118"/>
-                  </a:cubicBezTo>
-                  <a:cubicBezTo>
-                    <a:pt x="1939718" y="1366194"/>
-                    <a:pt x="1505497" y="1760236"/>
-                    <a:pt x="969859" y="1760236"/>
-                  </a:cubicBezTo>
-                  <a:cubicBezTo>
-                    <a:pt x="434221" y="1760236"/>
-                    <a:pt x="0" y="1366194"/>
-                    <a:pt x="0" y="880118"/>
-                  </a:cubicBezTo>
-                  <a:cubicBezTo>
-                    <a:pt x="0" y="394042"/>
-                    <a:pt x="434221" y="0"/>
-                    <a:pt x="969859" y="0"/>
-                  </a:cubicBezTo>
-                  <a:close/>
-                </a:path>
-              </a:pathLst>
-            </a:custGeom>
-            <a:effectLst>
-              <a:outerShdw blurRad="63500" sx="102000" sy="102000" algn="ctr" rotWithShape="0">
-                <a:prstClr val="black">
-                  <a:alpha val="40000"/>
-                </a:prstClr>
-              </a:outerShdw>
-            </a:effectLst>
-          </p:spPr>
-        </p:pic>
-        <p:pic>
-          <p:nvPicPr>
-            <p:cNvPr id="204" name="Picture 203"/>
-            <p:cNvPicPr>
-              <a:picLocks noChangeAspect="1"/>
-            </p:cNvPicPr>
-            <p:nvPr/>
-          </p:nvPicPr>
-          <p:blipFill>
-            <a:blip r:embed="rId9">
-              <a:extLst>
-                <a:ext uri="{28A0092B-C50C-407E-A947-70E740481C1C}">
-                  <a14:useLocalDpi xmlns:a14="http://schemas.microsoft.com/office/drawing/2010/main" val="0"/>
-                </a:ext>
-              </a:extLst>
-            </a:blip>
-            <a:stretch>
-              <a:fillRect/>
-            </a:stretch>
-          </p:blipFill>
-          <p:spPr>
-            <a:xfrm>
-              <a:off x="7922199" y="1812359"/>
-              <a:ext cx="502624" cy="350133"/>
-            </a:xfrm>
-            <a:prstGeom prst="rect">
-              <a:avLst/>
-            </a:prstGeom>
-          </p:spPr>
-        </p:pic>
-        <p:pic>
-          <p:nvPicPr>
-            <p:cNvPr id="205" name="Picture 204"/>
-            <p:cNvPicPr>
-              <a:picLocks noChangeAspect="1"/>
-            </p:cNvPicPr>
-            <p:nvPr/>
-          </p:nvPicPr>
-          <p:blipFill>
-            <a:blip r:embed="rId15">
-              <a:extLst>
-                <a:ext uri="{28A0092B-C50C-407E-A947-70E740481C1C}">
-                  <a14:useLocalDpi xmlns:a14="http://schemas.microsoft.com/office/drawing/2010/main" val="0"/>
-                </a:ext>
-              </a:extLst>
-            </a:blip>
-            <a:srcRect l="2324" t="2668" r="2417" b="3893"/>
-            <a:stretch>
-              <a:fillRect/>
-            </a:stretch>
-          </p:blipFill>
-          <p:spPr>
-            <a:xfrm>
-              <a:off x="7377524" y="1849244"/>
-              <a:ext cx="294553" cy="267298"/>
-            </a:xfrm>
-            <a:custGeom>
-              <a:avLst/>
-              <a:gdLst>
-                <a:gd name="connsiteX0" fmla="*/ 969859 w 1939718"/>
-                <a:gd name="connsiteY0" fmla="*/ 0 h 1760236"/>
-                <a:gd name="connsiteX1" fmla="*/ 1939718 w 1939718"/>
-                <a:gd name="connsiteY1" fmla="*/ 880118 h 1760236"/>
-                <a:gd name="connsiteX2" fmla="*/ 969859 w 1939718"/>
-                <a:gd name="connsiteY2" fmla="*/ 1760236 h 1760236"/>
-                <a:gd name="connsiteX3" fmla="*/ 0 w 1939718"/>
-                <a:gd name="connsiteY3" fmla="*/ 880118 h 1760236"/>
-                <a:gd name="connsiteX4" fmla="*/ 969859 w 1939718"/>
-                <a:gd name="connsiteY4" fmla="*/ 0 h 1760236"/>
-              </a:gdLst>
-              <a:ahLst/>
-              <a:cxnLst>
-                <a:cxn ang="0">
-                  <a:pos x="connsiteX0" y="connsiteY0"/>
-                </a:cxn>
-                <a:cxn ang="0">
-                  <a:pos x="connsiteX1" y="connsiteY1"/>
-                </a:cxn>
-                <a:cxn ang="0">
-                  <a:pos x="connsiteX2" y="connsiteY2"/>
-                </a:cxn>
-                <a:cxn ang="0">
-                  <a:pos x="connsiteX3" y="connsiteY3"/>
-                </a:cxn>
-                <a:cxn ang="0">
-                  <a:pos x="connsiteX4" y="connsiteY4"/>
-                </a:cxn>
-              </a:cxnLst>
-              <a:rect l="l" t="t" r="r" b="b"/>
-              <a:pathLst>
-                <a:path w="1939718" h="1760236">
-                  <a:moveTo>
-                    <a:pt x="969859" y="0"/>
-                  </a:moveTo>
-                  <a:cubicBezTo>
-                    <a:pt x="1505497" y="0"/>
-                    <a:pt x="1939718" y="394042"/>
-                    <a:pt x="1939718" y="880118"/>
-                  </a:cubicBezTo>
-                  <a:cubicBezTo>
-                    <a:pt x="1939718" y="1366194"/>
-                    <a:pt x="1505497" y="1760236"/>
-                    <a:pt x="969859" y="1760236"/>
-                  </a:cubicBezTo>
-                  <a:cubicBezTo>
-                    <a:pt x="434221" y="1760236"/>
-                    <a:pt x="0" y="1366194"/>
-                    <a:pt x="0" y="880118"/>
-                  </a:cubicBezTo>
-                  <a:cubicBezTo>
-                    <a:pt x="0" y="394042"/>
-                    <a:pt x="434221" y="0"/>
-                    <a:pt x="969859" y="0"/>
-                  </a:cubicBezTo>
-                  <a:close/>
-                </a:path>
-              </a:pathLst>
-            </a:custGeom>
-            <a:effectLst>
-              <a:outerShdw blurRad="63500" sx="102000" sy="102000" algn="ctr" rotWithShape="0">
-                <a:prstClr val="black">
-                  <a:alpha val="40000"/>
-                </a:prstClr>
-              </a:outerShdw>
-            </a:effectLst>
-          </p:spPr>
-        </p:pic>
-        <p:sp>
-          <p:nvSpPr>
-            <p:cNvPr id="206" name="TextBox 205"/>
-            <p:cNvSpPr txBox="1"/>
-            <p:nvPr/>
-          </p:nvSpPr>
-          <p:spPr>
-            <a:xfrm>
-              <a:off x="6186697" y="1670999"/>
-              <a:ext cx="683200" cy="184666"/>
-            </a:xfrm>
-            <a:prstGeom prst="rect">
-              <a:avLst/>
-            </a:prstGeom>
-            <a:noFill/>
-          </p:spPr>
-          <p:txBody>
-            <a:bodyPr wrap="none" rtlCol="0">
-              <a:spAutoFit/>
-            </a:bodyPr>
-            <a:lstStyle/>
-            <a:p>
-              <a:r>
-                <a:rPr lang="en-US" sz="600" b="1" dirty="0"/>
-                <a:t>Transfer Data</a:t>
-              </a:r>
-            </a:p>
-          </p:txBody>
-        </p:sp>
-        <p:pic>
-          <p:nvPicPr>
-            <p:cNvPr id="207" name="Picture 206"/>
-            <p:cNvPicPr>
-              <a:picLocks noChangeAspect="1"/>
-            </p:cNvPicPr>
-            <p:nvPr/>
-          </p:nvPicPr>
-          <p:blipFill>
-            <a:blip r:embed="rId16">
-              <a:extLst>
-                <a:ext uri="{28A0092B-C50C-407E-A947-70E740481C1C}">
-                  <a14:useLocalDpi xmlns:a14="http://schemas.microsoft.com/office/drawing/2010/main" val="0"/>
-                </a:ext>
-              </a:extLst>
-            </a:blip>
-            <a:stretch>
-              <a:fillRect/>
-            </a:stretch>
-          </p:blipFill>
-          <p:spPr>
-            <a:xfrm>
-              <a:off x="6920424" y="1807243"/>
-              <a:ext cx="275456" cy="275456"/>
-            </a:xfrm>
-            <a:prstGeom prst="rect">
-              <a:avLst/>
-            </a:prstGeom>
-          </p:spPr>
-        </p:pic>
-        <p:cxnSp>
-          <p:nvCxnSpPr>
-            <p:cNvPr id="208" name="Straight Arrow Connector 207">
-              <a:extLst>
-                <a:ext uri="{FF2B5EF4-FFF2-40B4-BE49-F238E27FC236}">
-                  <a16:creationId xmlns:a16="http://schemas.microsoft.com/office/drawing/2014/main" id="{347EF14C-CD91-76C1-F835-D697FE246C1E}"/>
-                </a:ext>
-              </a:extLst>
-            </p:cNvPr>
-            <p:cNvCxnSpPr>
-              <a:cxnSpLocks/>
-            </p:cNvCxnSpPr>
-            <p:nvPr/>
-          </p:nvCxnSpPr>
-          <p:spPr>
-            <a:xfrm flipH="1">
-              <a:off x="6333033" y="2001516"/>
-              <a:ext cx="487336" cy="0"/>
-            </a:xfrm>
-            <a:prstGeom prst="straightConnector1">
-              <a:avLst/>
-            </a:prstGeom>
-            <a:ln w="19050">
-              <a:solidFill>
-                <a:schemeClr val="bg2"/>
-              </a:solidFill>
-              <a:tailEnd type="triangle"/>
-            </a:ln>
-          </p:spPr>
-          <p:style>
-            <a:lnRef idx="1">
-              <a:schemeClr val="accent1"/>
-            </a:lnRef>
-            <a:fillRef idx="0">
-              <a:schemeClr val="accent1"/>
-            </a:fillRef>
-            <a:effectRef idx="0">
-              <a:schemeClr val="accent1"/>
-            </a:effectRef>
-            <a:fontRef idx="minor">
-              <a:schemeClr val="tx1"/>
-            </a:fontRef>
-          </p:style>
-        </p:cxnSp>
-        <p:cxnSp>
-          <p:nvCxnSpPr>
-            <p:cNvPr id="211" name="Straight Arrow Connector 210">
-              <a:extLst>
-                <a:ext uri="{FF2B5EF4-FFF2-40B4-BE49-F238E27FC236}">
-                  <a16:creationId xmlns:a16="http://schemas.microsoft.com/office/drawing/2014/main" id="{613D78B4-4A3A-0975-869F-6FB444066EAC}"/>
-                </a:ext>
-              </a:extLst>
-            </p:cNvPr>
-            <p:cNvCxnSpPr>
-              <a:cxnSpLocks/>
-            </p:cNvCxnSpPr>
-            <p:nvPr/>
-          </p:nvCxnSpPr>
-          <p:spPr>
-            <a:xfrm>
-              <a:off x="6381397" y="1921751"/>
-              <a:ext cx="432748" cy="0"/>
-            </a:xfrm>
-            <a:prstGeom prst="straightConnector1">
-              <a:avLst/>
-            </a:prstGeom>
-            <a:ln w="19050">
-              <a:solidFill>
-                <a:schemeClr val="bg2"/>
-              </a:solidFill>
-              <a:tailEnd type="triangle"/>
-            </a:ln>
-          </p:spPr>
-          <p:style>
-            <a:lnRef idx="1">
-              <a:schemeClr val="accent1"/>
-            </a:lnRef>
-            <a:fillRef idx="0">
-              <a:schemeClr val="accent1"/>
-            </a:fillRef>
-            <a:effectRef idx="0">
-              <a:schemeClr val="accent1"/>
-            </a:effectRef>
-            <a:fontRef idx="minor">
-              <a:schemeClr val="tx1"/>
-            </a:fontRef>
-          </p:style>
-        </p:cxnSp>
-        <p:sp>
-          <p:nvSpPr>
-            <p:cNvPr id="213" name="TextBox 212"/>
-            <p:cNvSpPr txBox="1"/>
-            <p:nvPr/>
-          </p:nvSpPr>
-          <p:spPr>
-            <a:xfrm>
-              <a:off x="5914159" y="2096068"/>
-              <a:ext cx="354584" cy="184666"/>
-            </a:xfrm>
-            <a:prstGeom prst="rect">
-              <a:avLst/>
-            </a:prstGeom>
-            <a:noFill/>
-          </p:spPr>
-          <p:txBody>
-            <a:bodyPr wrap="none" rtlCol="0">
-              <a:spAutoFit/>
-            </a:bodyPr>
-            <a:lstStyle/>
-            <a:p>
-              <a:r>
-                <a:rPr lang="en-US" sz="600" b="1" dirty="0"/>
-                <a:t>Dojo</a:t>
-              </a:r>
-            </a:p>
-          </p:txBody>
-        </p:sp>
-        <p:sp>
-          <p:nvSpPr>
-            <p:cNvPr id="214" name="TextBox 213"/>
-            <p:cNvSpPr txBox="1"/>
-            <p:nvPr/>
-          </p:nvSpPr>
-          <p:spPr>
-            <a:xfrm>
-              <a:off x="6887921" y="2096068"/>
-              <a:ext cx="352982" cy="184666"/>
-            </a:xfrm>
-            <a:prstGeom prst="rect">
-              <a:avLst/>
-            </a:prstGeom>
-            <a:noFill/>
-          </p:spPr>
-          <p:txBody>
-            <a:bodyPr wrap="none" rtlCol="0">
-              <a:spAutoFit/>
-            </a:bodyPr>
-            <a:lstStyle/>
-            <a:p>
-              <a:r>
-                <a:rPr lang="en-US" sz="600" b="1" dirty="0"/>
-                <a:t>HRD</a:t>
-              </a:r>
-            </a:p>
-          </p:txBody>
-        </p:sp>
-        <p:pic>
-          <p:nvPicPr>
-            <p:cNvPr id="215" name="Picture 214"/>
-            <p:cNvPicPr>
-              <a:picLocks noChangeAspect="1"/>
-            </p:cNvPicPr>
-            <p:nvPr/>
-          </p:nvPicPr>
-          <p:blipFill>
-            <a:blip r:embed="rId16">
-              <a:extLst>
-                <a:ext uri="{28A0092B-C50C-407E-A947-70E740481C1C}">
-                  <a14:useLocalDpi xmlns:a14="http://schemas.microsoft.com/office/drawing/2010/main" val="0"/>
-                </a:ext>
-              </a:extLst>
-            </a:blip>
-            <a:stretch>
-              <a:fillRect/>
-            </a:stretch>
-          </p:blipFill>
-          <p:spPr>
-            <a:xfrm>
-              <a:off x="8760235" y="1857331"/>
-              <a:ext cx="275456" cy="275456"/>
-            </a:xfrm>
-            <a:prstGeom prst="rect">
-              <a:avLst/>
-            </a:prstGeom>
-          </p:spPr>
-        </p:pic>
-        <p:sp>
-          <p:nvSpPr>
-            <p:cNvPr id="216" name="TextBox 215"/>
-            <p:cNvSpPr txBox="1"/>
-            <p:nvPr/>
-          </p:nvSpPr>
-          <p:spPr>
-            <a:xfrm>
-              <a:off x="7344181" y="2103979"/>
-              <a:ext cx="354584" cy="184666"/>
-            </a:xfrm>
-            <a:prstGeom prst="rect">
-              <a:avLst/>
-            </a:prstGeom>
-            <a:noFill/>
-          </p:spPr>
-          <p:txBody>
-            <a:bodyPr wrap="none" rtlCol="0">
-              <a:spAutoFit/>
-            </a:bodyPr>
-            <a:lstStyle/>
-            <a:p>
-              <a:r>
-                <a:rPr lang="en-US" sz="600" b="1" dirty="0"/>
-                <a:t>Dojo</a:t>
-              </a:r>
-            </a:p>
-          </p:txBody>
-        </p:sp>
-        <p:sp>
-          <p:nvSpPr>
-            <p:cNvPr id="218" name="TextBox 217"/>
-            <p:cNvSpPr txBox="1"/>
-            <p:nvPr/>
-          </p:nvSpPr>
-          <p:spPr>
-            <a:xfrm>
-              <a:off x="8722769" y="2125748"/>
-              <a:ext cx="352982" cy="184666"/>
-            </a:xfrm>
-            <a:prstGeom prst="rect">
-              <a:avLst/>
-            </a:prstGeom>
-            <a:noFill/>
-          </p:spPr>
-          <p:txBody>
-            <a:bodyPr wrap="none" rtlCol="0">
-              <a:spAutoFit/>
-            </a:bodyPr>
-            <a:lstStyle/>
-            <a:p>
-              <a:r>
-                <a:rPr lang="en-US" sz="600" b="1" dirty="0"/>
-                <a:t>HRD</a:t>
-              </a:r>
-            </a:p>
-          </p:txBody>
-        </p:sp>
-        <p:cxnSp>
-          <p:nvCxnSpPr>
-            <p:cNvPr id="219" name="Straight Arrow Connector 218">
-              <a:extLst>
-                <a:ext uri="{FF2B5EF4-FFF2-40B4-BE49-F238E27FC236}">
-                  <a16:creationId xmlns:a16="http://schemas.microsoft.com/office/drawing/2014/main" id="{613D78B4-4A3A-0975-869F-6FB444066EAC}"/>
-                </a:ext>
-              </a:extLst>
-            </p:cNvPr>
-            <p:cNvCxnSpPr>
-              <a:cxnSpLocks/>
-            </p:cNvCxnSpPr>
-            <p:nvPr/>
-          </p:nvCxnSpPr>
-          <p:spPr>
-            <a:xfrm>
-              <a:off x="7743648" y="1982893"/>
-              <a:ext cx="195816" cy="0"/>
-            </a:xfrm>
-            <a:prstGeom prst="straightConnector1">
-              <a:avLst/>
-            </a:prstGeom>
-            <a:ln w="19050">
-              <a:solidFill>
-                <a:schemeClr val="bg2"/>
-              </a:solidFill>
-              <a:tailEnd type="triangle"/>
-            </a:ln>
-          </p:spPr>
-          <p:style>
-            <a:lnRef idx="1">
-              <a:schemeClr val="accent1"/>
-            </a:lnRef>
-            <a:fillRef idx="0">
-              <a:schemeClr val="accent1"/>
-            </a:fillRef>
-            <a:effectRef idx="0">
-              <a:schemeClr val="accent1"/>
-            </a:effectRef>
-            <a:fontRef idx="minor">
-              <a:schemeClr val="tx1"/>
-            </a:fontRef>
-          </p:style>
-        </p:cxnSp>
-        <p:cxnSp>
-          <p:nvCxnSpPr>
-            <p:cNvPr id="223" name="Straight Arrow Connector 222">
-              <a:extLst>
-                <a:ext uri="{FF2B5EF4-FFF2-40B4-BE49-F238E27FC236}">
-                  <a16:creationId xmlns:a16="http://schemas.microsoft.com/office/drawing/2014/main" id="{347EF14C-CD91-76C1-F835-D697FE246C1E}"/>
-                </a:ext>
-              </a:extLst>
-            </p:cNvPr>
-            <p:cNvCxnSpPr>
-              <a:cxnSpLocks/>
-            </p:cNvCxnSpPr>
-            <p:nvPr/>
-          </p:nvCxnSpPr>
-          <p:spPr>
-            <a:xfrm flipH="1">
-              <a:off x="8416513" y="2002782"/>
-              <a:ext cx="232996" cy="0"/>
-            </a:xfrm>
-            <a:prstGeom prst="straightConnector1">
-              <a:avLst/>
-            </a:prstGeom>
-            <a:ln w="19050">
-              <a:solidFill>
-                <a:schemeClr val="bg2"/>
-              </a:solidFill>
-              <a:tailEnd type="triangle"/>
-            </a:ln>
-          </p:spPr>
-          <p:style>
-            <a:lnRef idx="1">
-              <a:schemeClr val="accent1"/>
-            </a:lnRef>
-            <a:fillRef idx="0">
-              <a:schemeClr val="accent1"/>
-            </a:fillRef>
-            <a:effectRef idx="0">
-              <a:schemeClr val="accent1"/>
-            </a:effectRef>
-            <a:fontRef idx="minor">
-              <a:schemeClr val="tx1"/>
-            </a:fontRef>
-          </p:style>
-        </p:cxnSp>
-        <p:sp>
-          <p:nvSpPr>
-            <p:cNvPr id="225" name="TextBox 224"/>
-            <p:cNvSpPr txBox="1"/>
-            <p:nvPr/>
-          </p:nvSpPr>
-          <p:spPr>
-            <a:xfrm>
-              <a:off x="7948887" y="2152582"/>
-              <a:ext cx="643125" cy="184666"/>
-            </a:xfrm>
-            <a:prstGeom prst="rect">
-              <a:avLst/>
-            </a:prstGeom>
-            <a:noFill/>
-          </p:spPr>
-          <p:txBody>
-            <a:bodyPr wrap="none" rtlCol="0">
-              <a:spAutoFit/>
-            </a:bodyPr>
-            <a:lstStyle/>
-            <a:p>
-              <a:r>
-                <a:rPr lang="en-US" sz="600" b="1" dirty="0"/>
-                <a:t>Web System</a:t>
-              </a:r>
-            </a:p>
-          </p:txBody>
-        </p:sp>
-        <p:sp>
-          <p:nvSpPr>
-            <p:cNvPr id="226" name="TextBox 225"/>
-            <p:cNvSpPr txBox="1"/>
-            <p:nvPr/>
-          </p:nvSpPr>
-          <p:spPr>
-            <a:xfrm>
-              <a:off x="7734426" y="1664578"/>
-              <a:ext cx="883575" cy="184666"/>
-            </a:xfrm>
-            <a:prstGeom prst="rect">
-              <a:avLst/>
-            </a:prstGeom>
-            <a:noFill/>
-          </p:spPr>
-          <p:txBody>
-            <a:bodyPr wrap="none" rtlCol="0">
-              <a:spAutoFit/>
-            </a:bodyPr>
-            <a:lstStyle/>
-            <a:p>
-              <a:r>
-                <a:rPr lang="en-US" sz="600" b="1" dirty="0"/>
-                <a:t>Monitoring Directly</a:t>
-              </a:r>
-            </a:p>
-          </p:txBody>
-        </p:sp>
-      </p:grpSp>
-      <p:sp>
-        <p:nvSpPr>
-          <p:cNvPr id="297" name="Parallelogram 296"/>
-          <p:cNvSpPr/>
-          <p:nvPr/>
-        </p:nvSpPr>
-        <p:spPr>
-          <a:xfrm>
-            <a:off x="3402913" y="4686301"/>
-            <a:ext cx="5972091" cy="457200"/>
-          </a:xfrm>
-          <a:prstGeom prst="parallelogram">
-            <a:avLst>
-              <a:gd name="adj" fmla="val 43750"/>
-            </a:avLst>
-          </a:prstGeom>
-          <a:solidFill>
-            <a:schemeClr val="tx1">
-              <a:lumMod val="50000"/>
-              <a:lumOff val="50000"/>
-            </a:schemeClr>
-          </a:solidFill>
-          <a:ln w="12700">
-            <a:solidFill>
-              <a:schemeClr val="bg2"/>
-            </a:solidFill>
-          </a:ln>
-        </p:spPr>
-        <p:style>
-          <a:lnRef idx="2">
-            <a:schemeClr val="accent1">
-              <a:shade val="50000"/>
-            </a:schemeClr>
-          </a:lnRef>
-          <a:fillRef idx="1">
-            <a:schemeClr val="accent1"/>
-          </a:fillRef>
-          <a:effectRef idx="0">
-            <a:schemeClr val="accent1"/>
-          </a:effectRef>
-          <a:fontRef idx="minor">
-            <a:schemeClr val="lt1"/>
-          </a:fontRef>
-        </p:style>
-        <p:txBody>
-          <a:bodyPr rtlCol="0" anchor="ctr"/>
-          <a:lstStyle/>
-          <a:p>
-            <a:pPr algn="ctr"/>
-            <a:endParaRPr kumimoji="1" lang="en-US"/>
-          </a:p>
-        </p:txBody>
-      </p:sp>
-      <p:sp>
-        <p:nvSpPr>
-          <p:cNvPr id="217" name="TextBox 216"/>
-          <p:cNvSpPr txBox="1"/>
-          <p:nvPr/>
-        </p:nvSpPr>
-        <p:spPr>
-          <a:xfrm>
-            <a:off x="3461614" y="4781722"/>
-            <a:ext cx="5795265" cy="276999"/>
-          </a:xfrm>
-          <a:prstGeom prst="rect">
-            <a:avLst/>
-          </a:prstGeom>
-          <a:noFill/>
-        </p:spPr>
-        <p:txBody>
-          <a:bodyPr wrap="square" rtlCol="0">
-            <a:spAutoFit/>
-          </a:bodyPr>
-          <a:lstStyle/>
-          <a:p>
-            <a:r>
-              <a:rPr lang="en-US" sz="1200" dirty="0">
-                <a:solidFill>
-                  <a:schemeClr val="bg1"/>
-                </a:solidFill>
-              </a:rPr>
-              <a:t>Identifying </a:t>
-            </a:r>
-            <a:r>
-              <a:rPr lang="en-US" sz="1200" dirty="0">
-                <a:solidFill>
-                  <a:schemeClr val="bg1"/>
-                </a:solidFill>
-              </a:rPr>
-              <a:t>User Needs that Align </a:t>
-            </a:r>
-            <a:r>
-              <a:rPr lang="en-US" sz="1200" dirty="0">
-                <a:solidFill>
-                  <a:schemeClr val="bg1"/>
-                </a:solidFill>
-              </a:rPr>
-              <a:t>W</a:t>
-            </a:r>
-            <a:r>
-              <a:rPr lang="en-US" sz="1200" dirty="0">
-                <a:solidFill>
-                  <a:schemeClr val="bg1"/>
-                </a:solidFill>
-              </a:rPr>
-              <a:t>ith </a:t>
-            </a:r>
-            <a:r>
-              <a:rPr lang="en-US" sz="1200" dirty="0">
-                <a:solidFill>
-                  <a:schemeClr val="bg1"/>
-                </a:solidFill>
-              </a:rPr>
-              <a:t>O</a:t>
-            </a:r>
-            <a:r>
-              <a:rPr lang="en-US" sz="1200" dirty="0">
-                <a:solidFill>
-                  <a:schemeClr val="bg1"/>
-                </a:solidFill>
-              </a:rPr>
-              <a:t>ur</a:t>
-            </a:r>
-            <a:r>
-              <a:rPr lang="en-US" sz="1200" dirty="0">
-                <a:solidFill>
-                  <a:schemeClr val="bg1"/>
-                </a:solidFill>
-              </a:rPr>
-              <a:t> C</a:t>
-            </a:r>
-            <a:r>
-              <a:rPr lang="en-US" sz="1200" dirty="0">
-                <a:solidFill>
-                  <a:schemeClr val="bg1"/>
-                </a:solidFill>
-              </a:rPr>
-              <a:t>apabilities </a:t>
-            </a:r>
-            <a:r>
-              <a:rPr lang="en-US" sz="1200" dirty="0">
-                <a:solidFill>
-                  <a:schemeClr val="bg1"/>
-                </a:solidFill>
-              </a:rPr>
-              <a:t>C</a:t>
-            </a:r>
-            <a:r>
-              <a:rPr lang="en-US" sz="1200" dirty="0">
-                <a:solidFill>
-                  <a:schemeClr val="bg1"/>
-                </a:solidFill>
-              </a:rPr>
-              <a:t>an be a Challenging </a:t>
-            </a:r>
-            <a:r>
-              <a:rPr lang="en-US" sz="1200" dirty="0">
-                <a:solidFill>
-                  <a:schemeClr val="bg1"/>
-                </a:solidFill>
-              </a:rPr>
-              <a:t>T</a:t>
-            </a:r>
-            <a:r>
-              <a:rPr lang="en-US" sz="1200" dirty="0">
-                <a:solidFill>
-                  <a:schemeClr val="bg1"/>
-                </a:solidFill>
-              </a:rPr>
-              <a:t>ask.</a:t>
-            </a:r>
-            <a:endParaRPr lang="en-US" sz="1200" dirty="0">
-              <a:solidFill>
-                <a:schemeClr val="bg1"/>
-              </a:solidFill>
-            </a:endParaRPr>
-          </a:p>
-        </p:txBody>
-      </p:sp>
-      <p:sp>
-        <p:nvSpPr>
-          <p:cNvPr id="13" name="Rounded Rectangular Callout 12"/>
-          <p:cNvSpPr/>
-          <p:nvPr/>
-        </p:nvSpPr>
-        <p:spPr>
-          <a:xfrm>
-            <a:off x="7684580" y="-1984548"/>
-            <a:ext cx="1913832" cy="559821"/>
-          </a:xfrm>
-          <a:prstGeom prst="wedgeRoundRectCallout">
-            <a:avLst>
-              <a:gd name="adj1" fmla="val -63799"/>
-              <a:gd name="adj2" fmla="val -43547"/>
-              <a:gd name="adj3" fmla="val 16667"/>
-            </a:avLst>
-          </a:prstGeom>
-          <a:solidFill>
-            <a:schemeClr val="bg2">
-              <a:lumMod val="40000"/>
-              <a:lumOff val="60000"/>
-            </a:schemeClr>
-          </a:solidFill>
-          <a:ln w="12700">
-            <a:solidFill>
-              <a:schemeClr val="bg2"/>
-            </a:solidFill>
-            <a:prstDash val="dash"/>
-          </a:ln>
-          <a:effectLst>
-            <a:outerShdw blurRad="63500" sx="102000" sy="102000" algn="ctr" rotWithShape="0">
-              <a:prstClr val="black">
-                <a:alpha val="40000"/>
-              </a:prstClr>
-            </a:outerShdw>
-          </a:effectLst>
-        </p:spPr>
-        <p:style>
-          <a:lnRef idx="2">
-            <a:schemeClr val="accent1">
-              <a:shade val="50000"/>
-            </a:schemeClr>
-          </a:lnRef>
-          <a:fillRef idx="1">
-            <a:schemeClr val="accent1"/>
-          </a:fillRef>
-          <a:effectRef idx="0">
-            <a:schemeClr val="accent1"/>
-          </a:effectRef>
-          <a:fontRef idx="minor">
-            <a:schemeClr val="lt1"/>
-          </a:fontRef>
-        </p:style>
-        <p:txBody>
-          <a:bodyPr rtlCol="0" anchor="ctr"/>
-          <a:lstStyle/>
-          <a:p>
-            <a:pPr algn="ctr"/>
-            <a:endParaRPr kumimoji="1" lang="en-US"/>
-          </a:p>
-        </p:txBody>
-      </p:sp>
-      <p:sp>
-        <p:nvSpPr>
-          <p:cNvPr id="224" name="Rounded Rectangular Callout 223"/>
-          <p:cNvSpPr/>
-          <p:nvPr/>
-        </p:nvSpPr>
-        <p:spPr>
-          <a:xfrm>
-            <a:off x="7678467" y="-1095158"/>
-            <a:ext cx="1913832" cy="559821"/>
-          </a:xfrm>
-          <a:prstGeom prst="wedgeRoundRectCallout">
-            <a:avLst>
-              <a:gd name="adj1" fmla="val -63799"/>
-              <a:gd name="adj2" fmla="val -43547"/>
-              <a:gd name="adj3" fmla="val 16667"/>
-            </a:avLst>
-          </a:prstGeom>
-          <a:solidFill>
-            <a:schemeClr val="bg2">
-              <a:lumMod val="40000"/>
-              <a:lumOff val="60000"/>
-            </a:schemeClr>
-          </a:solidFill>
-          <a:ln w="12700">
-            <a:solidFill>
-              <a:schemeClr val="bg2"/>
-            </a:solidFill>
-            <a:prstDash val="dash"/>
-          </a:ln>
-          <a:effectLst>
-            <a:outerShdw blurRad="63500" sx="102000" sy="102000" algn="ctr" rotWithShape="0">
-              <a:prstClr val="black">
-                <a:alpha val="40000"/>
-              </a:prstClr>
-            </a:outerShdw>
-          </a:effectLst>
-        </p:spPr>
-        <p:style>
-          <a:lnRef idx="2">
-            <a:schemeClr val="accent1">
-              <a:shade val="50000"/>
-            </a:schemeClr>
-          </a:lnRef>
-          <a:fillRef idx="1">
-            <a:schemeClr val="accent1"/>
-          </a:fillRef>
-          <a:effectRef idx="0">
-            <a:schemeClr val="accent1"/>
-          </a:effectRef>
-          <a:fontRef idx="minor">
-            <a:schemeClr val="lt1"/>
-          </a:fontRef>
-        </p:style>
-        <p:txBody>
-          <a:bodyPr rtlCol="0" anchor="ctr"/>
-          <a:lstStyle/>
-          <a:p>
-            <a:pPr algn="ctr"/>
-            <a:endParaRPr kumimoji="1" lang="en-US"/>
-          </a:p>
-        </p:txBody>
-      </p:sp>
-      <p:pic>
-        <p:nvPicPr>
-          <p:cNvPr id="14" name="Picture 13"/>
-          <p:cNvPicPr>
-            <a:picLocks noChangeAspect="1"/>
-          </p:cNvPicPr>
-          <p:nvPr/>
-        </p:nvPicPr>
-        <p:blipFill>
-          <a:blip r:embed="rId17">
-            <a:extLst>
-              <a:ext uri="{28A0092B-C50C-407E-A947-70E740481C1C}">
-                <a14:useLocalDpi xmlns:a14="http://schemas.microsoft.com/office/drawing/2010/main" val="0"/>
-              </a:ext>
-            </a:extLst>
-          </a:blip>
-          <a:stretch>
-            <a:fillRect/>
-          </a:stretch>
-        </p:blipFill>
-        <p:spPr>
-          <a:xfrm>
-            <a:off x="7589038" y="-2160331"/>
-            <a:ext cx="274320" cy="274320"/>
-          </a:xfrm>
-          <a:prstGeom prst="rect">
-            <a:avLst/>
-          </a:prstGeom>
-          <a:effectLst>
-            <a:outerShdw blurRad="50800" dist="38100" dir="2700000" algn="tl" rotWithShape="0">
-              <a:prstClr val="black">
-                <a:alpha val="40000"/>
-              </a:prstClr>
-            </a:outerShdw>
-          </a:effectLst>
-        </p:spPr>
-      </p:pic>
-      <p:pic>
-        <p:nvPicPr>
-          <p:cNvPr id="228" name="Picture 227"/>
-          <p:cNvPicPr>
-            <a:picLocks noChangeAspect="1"/>
-          </p:cNvPicPr>
-          <p:nvPr/>
-        </p:nvPicPr>
-        <p:blipFill>
-          <a:blip r:embed="rId17">
-            <a:extLst>
-              <a:ext uri="{28A0092B-C50C-407E-A947-70E740481C1C}">
-                <a14:useLocalDpi xmlns:a14="http://schemas.microsoft.com/office/drawing/2010/main" val="0"/>
-              </a:ext>
-            </a:extLst>
-          </a:blip>
-          <a:stretch>
-            <a:fillRect/>
-          </a:stretch>
-        </p:blipFill>
-        <p:spPr>
-          <a:xfrm>
-            <a:off x="7607528" y="-1261399"/>
-            <a:ext cx="274320" cy="274320"/>
-          </a:xfrm>
-          <a:prstGeom prst="rect">
-            <a:avLst/>
-          </a:prstGeom>
-          <a:effectLst>
-            <a:outerShdw blurRad="50800" dist="38100" dir="2700000" algn="tl" rotWithShape="0">
-              <a:prstClr val="black">
-                <a:alpha val="40000"/>
-              </a:prstClr>
-            </a:outerShdw>
-          </a:effectLst>
-        </p:spPr>
-      </p:pic>
-      <p:sp>
-        <p:nvSpPr>
-          <p:cNvPr id="220" name="TextBox 219"/>
-          <p:cNvSpPr txBox="1"/>
-          <p:nvPr/>
-        </p:nvSpPr>
-        <p:spPr>
-          <a:xfrm>
-            <a:off x="7769832" y="-1097838"/>
-            <a:ext cx="1811199" cy="553998"/>
-          </a:xfrm>
-          <a:prstGeom prst="rect">
-            <a:avLst/>
-          </a:prstGeom>
-          <a:noFill/>
-        </p:spPr>
-        <p:txBody>
-          <a:bodyPr wrap="square" rtlCol="0">
-            <a:spAutoFit/>
-          </a:bodyPr>
-          <a:lstStyle/>
-          <a:p>
-            <a:r>
-              <a:rPr lang="en-US" sz="1000" dirty="0"/>
-              <a:t>"Efficiently managing participant data transfers to participant banks."</a:t>
-            </a:r>
-          </a:p>
-        </p:txBody>
-      </p:sp>
-      <p:sp>
-        <p:nvSpPr>
-          <p:cNvPr id="9" name="TextBox 8"/>
-          <p:cNvSpPr txBox="1"/>
-          <p:nvPr/>
-        </p:nvSpPr>
-        <p:spPr>
-          <a:xfrm>
-            <a:off x="7796550" y="-1986046"/>
-            <a:ext cx="2478495" cy="553998"/>
-          </a:xfrm>
-          <a:prstGeom prst="rect">
-            <a:avLst/>
-          </a:prstGeom>
-          <a:noFill/>
-        </p:spPr>
-        <p:txBody>
-          <a:bodyPr wrap="square" rtlCol="0">
-            <a:spAutoFit/>
-          </a:bodyPr>
-          <a:lstStyle/>
-          <a:p>
-            <a:r>
-              <a:rPr lang="en-US" sz="1000" dirty="0"/>
-              <a:t>"Accurately </a:t>
-            </a:r>
-            <a:r>
-              <a:rPr lang="en-US" sz="1000" dirty="0"/>
-              <a:t>assessing</a:t>
-            </a:r>
-          </a:p>
-          <a:p>
-            <a:r>
-              <a:rPr lang="en-US" sz="1000" dirty="0"/>
-              <a:t> </a:t>
-            </a:r>
-            <a:r>
-              <a:rPr lang="en-US" sz="1000" dirty="0"/>
-              <a:t>scores from </a:t>
-            </a:r>
-            <a:endParaRPr lang="en-US" sz="1000" dirty="0"/>
-          </a:p>
-          <a:p>
-            <a:r>
-              <a:rPr lang="en-US" sz="1000" dirty="0"/>
-              <a:t>Microsoft </a:t>
-            </a:r>
-            <a:r>
-              <a:rPr lang="en-US" sz="1000" dirty="0"/>
-              <a:t>Forms."</a:t>
-            </a:r>
-          </a:p>
-        </p:txBody>
-      </p:sp>
-      <p:pic>
-        <p:nvPicPr>
-          <p:cNvPr id="17" name="Picture 16"/>
-          <p:cNvPicPr>
-            <a:picLocks noChangeAspect="1"/>
-          </p:cNvPicPr>
-          <p:nvPr/>
-        </p:nvPicPr>
-        <p:blipFill>
-          <a:blip r:embed="rId18">
-            <a:extLst>
-              <a:ext uri="{28A0092B-C50C-407E-A947-70E740481C1C}">
-                <a14:useLocalDpi xmlns:a14="http://schemas.microsoft.com/office/drawing/2010/main" val="0"/>
-              </a:ext>
-            </a:extLst>
-          </a:blip>
-          <a:stretch>
-            <a:fillRect/>
-          </a:stretch>
-        </p:blipFill>
-        <p:spPr>
-          <a:xfrm>
-            <a:off x="9208910" y="-1758991"/>
-            <a:ext cx="274320" cy="274320"/>
-          </a:xfrm>
-          <a:prstGeom prst="rect">
-            <a:avLst/>
-          </a:prstGeom>
-          <a:effectLst>
-            <a:outerShdw blurRad="50800" dist="38100" dir="2700000" algn="tl" rotWithShape="0">
-              <a:prstClr val="black">
-                <a:alpha val="40000"/>
-              </a:prstClr>
-            </a:outerShdw>
-          </a:effectLst>
-        </p:spPr>
-      </p:pic>
-      <p:sp>
-        <p:nvSpPr>
-          <p:cNvPr id="11" name="Parallelogram 10"/>
-          <p:cNvSpPr/>
-          <p:nvPr/>
-        </p:nvSpPr>
-        <p:spPr>
-          <a:xfrm>
-            <a:off x="3901441" y="1380048"/>
-            <a:ext cx="1870710" cy="286901"/>
-          </a:xfrm>
-          <a:prstGeom prst="parallelogram">
-            <a:avLst/>
-          </a:prstGeom>
-          <a:solidFill>
-            <a:schemeClr val="bg2"/>
-          </a:solidFill>
-          <a:ln>
-            <a:noFill/>
-          </a:ln>
-        </p:spPr>
-        <p:style>
-          <a:lnRef idx="2">
-            <a:schemeClr val="accent1">
-              <a:shade val="50000"/>
-            </a:schemeClr>
-          </a:lnRef>
-          <a:fillRef idx="1">
-            <a:schemeClr val="accent1"/>
-          </a:fillRef>
-          <a:effectRef idx="0">
-            <a:schemeClr val="accent1"/>
-          </a:effectRef>
-          <a:fontRef idx="minor">
-            <a:schemeClr val="lt1"/>
-          </a:fontRef>
-        </p:style>
-        <p:txBody>
-          <a:bodyPr rtlCol="0" anchor="ctr"/>
-          <a:lstStyle/>
-          <a:p>
-            <a:pPr algn="ctr"/>
-            <a:endParaRPr kumimoji="1" lang="en-US"/>
-          </a:p>
-        </p:txBody>
-      </p:sp>
-      <p:sp>
-        <p:nvSpPr>
-          <p:cNvPr id="18" name="Rectangle 17"/>
-          <p:cNvSpPr/>
-          <p:nvPr/>
-        </p:nvSpPr>
-        <p:spPr>
-          <a:xfrm>
-            <a:off x="3901440" y="1380047"/>
-            <a:ext cx="102103" cy="408379"/>
-          </a:xfrm>
-          <a:prstGeom prst="rect">
-            <a:avLst/>
-          </a:prstGeom>
-          <a:solidFill>
-            <a:srgbClr val="E6E6E6"/>
-          </a:solidFill>
-          <a:ln w="6350">
-            <a:solidFill>
-              <a:schemeClr val="tx1"/>
-            </a:solidFill>
-          </a:ln>
-        </p:spPr>
-        <p:style>
-          <a:lnRef idx="2">
-            <a:schemeClr val="accent1">
-              <a:shade val="50000"/>
-            </a:schemeClr>
-          </a:lnRef>
-          <a:fillRef idx="1">
-            <a:schemeClr val="accent1"/>
-          </a:fillRef>
-          <a:effectRef idx="0">
-            <a:schemeClr val="accent1"/>
-          </a:effectRef>
-          <a:fontRef idx="minor">
-            <a:schemeClr val="lt1"/>
-          </a:fontRef>
-        </p:style>
-        <p:txBody>
-          <a:bodyPr rtlCol="0" anchor="ctr"/>
-          <a:lstStyle/>
-          <a:p>
-            <a:pPr algn="ctr"/>
-            <a:endParaRPr kumimoji="1" lang="en-US"/>
-          </a:p>
-        </p:txBody>
-      </p:sp>
-      <p:pic>
-        <p:nvPicPr>
-          <p:cNvPr id="231" name="Picture 230"/>
-          <p:cNvPicPr>
-            <a:picLocks noChangeAspect="1"/>
-          </p:cNvPicPr>
-          <p:nvPr/>
-        </p:nvPicPr>
-        <p:blipFill>
-          <a:blip r:embed="rId19">
-            <a:extLst>
-              <a:ext uri="{28A0092B-C50C-407E-A947-70E740481C1C}">
-                <a14:useLocalDpi xmlns:a14="http://schemas.microsoft.com/office/drawing/2010/main" val="0"/>
-              </a:ext>
-            </a:extLst>
-          </a:blip>
-          <a:stretch>
-            <a:fillRect/>
-          </a:stretch>
-        </p:blipFill>
-        <p:spPr>
-          <a:xfrm>
-            <a:off x="4551226" y="2583732"/>
-            <a:ext cx="274320" cy="274320"/>
-          </a:xfrm>
-          <a:prstGeom prst="rect">
-            <a:avLst/>
-          </a:prstGeom>
-        </p:spPr>
-      </p:pic>
-      <p:pic>
-        <p:nvPicPr>
-          <p:cNvPr id="232" name="Picture 231"/>
-          <p:cNvPicPr>
-            <a:picLocks noChangeAspect="1"/>
-          </p:cNvPicPr>
-          <p:nvPr/>
-        </p:nvPicPr>
-        <p:blipFill>
-          <a:blip r:embed="rId20">
-            <a:extLst>
-              <a:ext uri="{28A0092B-C50C-407E-A947-70E740481C1C}">
-                <a14:useLocalDpi xmlns:a14="http://schemas.microsoft.com/office/drawing/2010/main" val="0"/>
-              </a:ext>
-            </a:extLst>
-          </a:blip>
-          <a:stretch>
-            <a:fillRect/>
-          </a:stretch>
-        </p:blipFill>
-        <p:spPr>
-          <a:xfrm>
-            <a:off x="3891976" y="2582807"/>
-            <a:ext cx="274320" cy="274320"/>
-          </a:xfrm>
-          <a:prstGeom prst="rect">
-            <a:avLst/>
-          </a:prstGeom>
-        </p:spPr>
-      </p:pic>
-      <p:sp>
-        <p:nvSpPr>
-          <p:cNvPr id="235" name="TextBox 234"/>
-          <p:cNvSpPr txBox="1"/>
-          <p:nvPr/>
-        </p:nvSpPr>
-        <p:spPr>
-          <a:xfrm>
-            <a:off x="3637436" y="2858585"/>
-            <a:ext cx="785360" cy="369332"/>
-          </a:xfrm>
-          <a:prstGeom prst="rect">
-            <a:avLst/>
-          </a:prstGeom>
-          <a:noFill/>
-        </p:spPr>
-        <p:txBody>
-          <a:bodyPr wrap="square" rtlCol="0">
-            <a:spAutoFit/>
-          </a:bodyPr>
-          <a:lstStyle/>
-          <a:p>
-            <a:pPr algn="ctr"/>
-            <a:r>
-              <a:rPr lang="en-US" sz="600" dirty="0" smtClean="0"/>
-              <a:t>Registration user </a:t>
-            </a:r>
-          </a:p>
-          <a:p>
-            <a:pPr algn="ctr"/>
-            <a:r>
-              <a:rPr lang="en-US" sz="600" dirty="0" smtClean="0"/>
-              <a:t>account with </a:t>
-            </a:r>
-          </a:p>
-          <a:p>
-            <a:pPr algn="ctr"/>
-            <a:r>
-              <a:rPr lang="en-US" sz="600" dirty="0" smtClean="0"/>
-              <a:t>admin code</a:t>
-            </a:r>
-            <a:endParaRPr lang="en-US" sz="600" dirty="0"/>
-          </a:p>
-        </p:txBody>
-      </p:sp>
-      <p:pic>
-        <p:nvPicPr>
-          <p:cNvPr id="237" name="Picture 236"/>
-          <p:cNvPicPr>
-            <a:picLocks noChangeAspect="1"/>
-          </p:cNvPicPr>
-          <p:nvPr/>
-        </p:nvPicPr>
-        <p:blipFill>
-          <a:blip r:embed="rId21">
-            <a:extLst>
-              <a:ext uri="{28A0092B-C50C-407E-A947-70E740481C1C}">
-                <a14:useLocalDpi xmlns:a14="http://schemas.microsoft.com/office/drawing/2010/main" val="0"/>
-              </a:ext>
-            </a:extLst>
-          </a:blip>
-          <a:stretch>
-            <a:fillRect/>
-          </a:stretch>
-        </p:blipFill>
-        <p:spPr>
-          <a:xfrm>
-            <a:off x="4187975" y="2599586"/>
-            <a:ext cx="274320" cy="274320"/>
-          </a:xfrm>
-          <a:prstGeom prst="rect">
-            <a:avLst/>
-          </a:prstGeom>
-        </p:spPr>
-      </p:pic>
-      <p:sp>
-        <p:nvSpPr>
-          <p:cNvPr id="192" name="TextBox 191"/>
-          <p:cNvSpPr txBox="1"/>
-          <p:nvPr/>
-        </p:nvSpPr>
-        <p:spPr>
-          <a:xfrm>
-            <a:off x="4335145" y="2860852"/>
-            <a:ext cx="785360" cy="276999"/>
-          </a:xfrm>
-          <a:prstGeom prst="rect">
-            <a:avLst/>
-          </a:prstGeom>
-          <a:noFill/>
-        </p:spPr>
-        <p:txBody>
-          <a:bodyPr wrap="square" rtlCol="0">
-            <a:spAutoFit/>
-          </a:bodyPr>
-          <a:lstStyle/>
-          <a:p>
-            <a:pPr algn="ctr"/>
-            <a:r>
-              <a:rPr lang="en-US" sz="600" dirty="0" smtClean="0"/>
-              <a:t>Login based on registered</a:t>
-            </a:r>
-            <a:endParaRPr lang="en-US" sz="600" dirty="0"/>
-          </a:p>
-        </p:txBody>
-      </p:sp>
-      <p:pic>
-        <p:nvPicPr>
-          <p:cNvPr id="238" name="Picture 237"/>
-          <p:cNvPicPr>
-            <a:picLocks noChangeAspect="1"/>
-          </p:cNvPicPr>
-          <p:nvPr/>
-        </p:nvPicPr>
-        <p:blipFill>
-          <a:blip r:embed="rId22">
-            <a:extLst>
-              <a:ext uri="{28A0092B-C50C-407E-A947-70E740481C1C}">
-                <a14:useLocalDpi xmlns:a14="http://schemas.microsoft.com/office/drawing/2010/main" val="0"/>
-              </a:ext>
-            </a:extLst>
-          </a:blip>
-          <a:stretch>
-            <a:fillRect/>
-          </a:stretch>
-        </p:blipFill>
-        <p:spPr>
-          <a:xfrm>
-            <a:off x="4816534" y="3112510"/>
-            <a:ext cx="318516" cy="318516"/>
-          </a:xfrm>
-          <a:prstGeom prst="rect">
-            <a:avLst/>
-          </a:prstGeom>
-        </p:spPr>
-      </p:pic>
-      <p:pic>
-        <p:nvPicPr>
-          <p:cNvPr id="239" name="Picture 238"/>
-          <p:cNvPicPr>
-            <a:picLocks noChangeAspect="1"/>
-          </p:cNvPicPr>
-          <p:nvPr/>
-        </p:nvPicPr>
-        <p:blipFill>
-          <a:blip r:embed="rId23">
-            <a:extLst>
-              <a:ext uri="{28A0092B-C50C-407E-A947-70E740481C1C}">
-                <a14:useLocalDpi xmlns:a14="http://schemas.microsoft.com/office/drawing/2010/main" val="0"/>
-              </a:ext>
-            </a:extLst>
-          </a:blip>
-          <a:stretch>
-            <a:fillRect/>
-          </a:stretch>
-        </p:blipFill>
-        <p:spPr>
-          <a:xfrm flipH="1">
-            <a:off x="4837740" y="2333793"/>
-            <a:ext cx="274320" cy="274320"/>
-          </a:xfrm>
-          <a:prstGeom prst="rect">
-            <a:avLst/>
-          </a:prstGeom>
-        </p:spPr>
-      </p:pic>
-      <p:sp>
-        <p:nvSpPr>
-          <p:cNvPr id="240" name="Rounded Rectangle 239"/>
-          <p:cNvSpPr/>
-          <p:nvPr/>
-        </p:nvSpPr>
-        <p:spPr>
-          <a:xfrm>
-            <a:off x="5167459" y="2151158"/>
-            <a:ext cx="3093234" cy="523210"/>
-          </a:xfrm>
-          <a:prstGeom prst="roundRect">
-            <a:avLst/>
-          </a:prstGeom>
-          <a:solidFill>
-            <a:schemeClr val="bg1">
-              <a:lumMod val="95000"/>
-            </a:schemeClr>
-          </a:solidFill>
-          <a:ln w="12700">
-            <a:solidFill>
-              <a:schemeClr val="bg2"/>
-            </a:solidFill>
-            <a:prstDash val="dash"/>
-          </a:ln>
-          <a:effectLst>
-            <a:outerShdw blurRad="63500" sx="102000" sy="102000" algn="ctr" rotWithShape="0">
-              <a:prstClr val="black">
-                <a:alpha val="40000"/>
-              </a:prstClr>
-            </a:outerShdw>
-          </a:effectLst>
-        </p:spPr>
-        <p:style>
-          <a:lnRef idx="2">
-            <a:schemeClr val="accent1">
-              <a:shade val="50000"/>
-            </a:schemeClr>
-          </a:lnRef>
-          <a:fillRef idx="1">
-            <a:schemeClr val="accent1"/>
-          </a:fillRef>
-          <a:effectRef idx="0">
-            <a:schemeClr val="accent1"/>
-          </a:effectRef>
-          <a:fontRef idx="minor">
-            <a:schemeClr val="lt1"/>
-          </a:fontRef>
-        </p:style>
-        <p:txBody>
-          <a:bodyPr rtlCol="0" anchor="ctr"/>
-          <a:lstStyle/>
-          <a:p>
-            <a:pPr algn="ctr"/>
-            <a:endParaRPr kumimoji="1" lang="en-US"/>
-          </a:p>
-        </p:txBody>
-      </p:sp>
-      <p:sp>
-        <p:nvSpPr>
-          <p:cNvPr id="199" name="Rounded Rectangle 198"/>
-          <p:cNvSpPr/>
-          <p:nvPr/>
-        </p:nvSpPr>
-        <p:spPr>
-          <a:xfrm>
-            <a:off x="5167459" y="3087830"/>
-            <a:ext cx="3093234" cy="523210"/>
-          </a:xfrm>
-          <a:prstGeom prst="roundRect">
-            <a:avLst/>
-          </a:prstGeom>
-          <a:solidFill>
-            <a:schemeClr val="bg1">
-              <a:lumMod val="95000"/>
-            </a:schemeClr>
-          </a:solidFill>
-          <a:ln w="12700">
-            <a:solidFill>
-              <a:schemeClr val="bg2"/>
-            </a:solidFill>
-            <a:prstDash val="dash"/>
-          </a:ln>
-          <a:effectLst>
-            <a:outerShdw blurRad="63500" sx="102000" sy="102000" algn="ctr" rotWithShape="0">
-              <a:prstClr val="black">
-                <a:alpha val="40000"/>
-              </a:prstClr>
-            </a:outerShdw>
-          </a:effectLst>
-        </p:spPr>
-        <p:style>
-          <a:lnRef idx="2">
-            <a:schemeClr val="accent1">
-              <a:shade val="50000"/>
-            </a:schemeClr>
-          </a:lnRef>
-          <a:fillRef idx="1">
-            <a:schemeClr val="accent1"/>
-          </a:fillRef>
-          <a:effectRef idx="0">
-            <a:schemeClr val="accent1"/>
-          </a:effectRef>
-          <a:fontRef idx="minor">
-            <a:schemeClr val="lt1"/>
-          </a:fontRef>
-        </p:style>
-        <p:txBody>
-          <a:bodyPr rtlCol="0" anchor="ctr"/>
-          <a:lstStyle/>
-          <a:p>
-            <a:pPr algn="ctr"/>
-            <a:endParaRPr kumimoji="1" lang="en-US"/>
-          </a:p>
-        </p:txBody>
-      </p:sp>
-      <p:pic>
-        <p:nvPicPr>
-          <p:cNvPr id="241" name="Picture 240"/>
-          <p:cNvPicPr>
-            <a:picLocks noChangeAspect="1"/>
-          </p:cNvPicPr>
-          <p:nvPr/>
-        </p:nvPicPr>
-        <p:blipFill>
-          <a:blip r:embed="rId24">
-            <a:extLst>
-              <a:ext uri="{28A0092B-C50C-407E-A947-70E740481C1C}">
-                <a14:useLocalDpi xmlns:a14="http://schemas.microsoft.com/office/drawing/2010/main" val="0"/>
-              </a:ext>
-            </a:extLst>
-          </a:blip>
-          <a:stretch>
-            <a:fillRect/>
-          </a:stretch>
-        </p:blipFill>
-        <p:spPr>
-          <a:xfrm>
-            <a:off x="5205085" y="2942548"/>
-            <a:ext cx="274320" cy="274320"/>
-          </a:xfrm>
-          <a:prstGeom prst="rect">
-            <a:avLst/>
-          </a:prstGeom>
-          <a:effectLst>
-            <a:outerShdw blurRad="63500" sx="102000" sy="102000" algn="ctr" rotWithShape="0">
-              <a:prstClr val="black">
-                <a:alpha val="40000"/>
-              </a:prstClr>
-            </a:outerShdw>
-          </a:effectLst>
-        </p:spPr>
-      </p:pic>
-      <p:grpSp>
-        <p:nvGrpSpPr>
-          <p:cNvPr id="244" name="Group 243"/>
-          <p:cNvGrpSpPr/>
-          <p:nvPr/>
-        </p:nvGrpSpPr>
-        <p:grpSpPr>
-          <a:xfrm>
-            <a:off x="5216479" y="2012038"/>
-            <a:ext cx="251532" cy="251532"/>
-            <a:chOff x="5879335" y="1758997"/>
-            <a:chExt cx="251532" cy="251532"/>
-          </a:xfrm>
-          <a:effectLst>
-            <a:outerShdw blurRad="63500" sx="102000" sy="102000" algn="ctr" rotWithShape="0">
-              <a:prstClr val="black">
-                <a:alpha val="40000"/>
-              </a:prstClr>
-            </a:outerShdw>
-          </a:effectLst>
-        </p:grpSpPr>
-        <p:sp>
-          <p:nvSpPr>
-            <p:cNvPr id="201" name="Oval 200"/>
-            <p:cNvSpPr/>
-            <p:nvPr/>
-          </p:nvSpPr>
-          <p:spPr>
-            <a:xfrm>
-              <a:off x="5879335" y="1758997"/>
-              <a:ext cx="251532" cy="251532"/>
-            </a:xfrm>
-            <a:prstGeom prst="ellipse">
-              <a:avLst/>
-            </a:prstGeom>
-            <a:solidFill>
-              <a:schemeClr val="accent5">
-                <a:lumMod val="20000"/>
-                <a:lumOff val="80000"/>
-              </a:schemeClr>
-            </a:solidFill>
-            <a:ln w="9525">
-              <a:noFill/>
-            </a:ln>
-          </p:spPr>
-          <p:style>
-            <a:lnRef idx="2">
-              <a:schemeClr val="accent1">
-                <a:shade val="50000"/>
-              </a:schemeClr>
-            </a:lnRef>
-            <a:fillRef idx="1">
-              <a:schemeClr val="accent1"/>
-            </a:fillRef>
-            <a:effectRef idx="0">
-              <a:schemeClr val="accent1"/>
-            </a:effectRef>
-            <a:fontRef idx="minor">
-              <a:schemeClr val="lt1"/>
-            </a:fontRef>
-          </p:style>
-          <p:txBody>
-            <a:bodyPr rtlCol="0" anchor="ctr"/>
-            <a:lstStyle/>
-            <a:p>
-              <a:pPr algn="ctr"/>
-              <a:endParaRPr kumimoji="1" lang="en-US"/>
-            </a:p>
-          </p:txBody>
-        </p:sp>
-        <p:pic>
-          <p:nvPicPr>
-            <p:cNvPr id="209" name="Picture 208"/>
-            <p:cNvPicPr>
-              <a:picLocks noChangeAspect="1"/>
-            </p:cNvPicPr>
-            <p:nvPr/>
-          </p:nvPicPr>
-          <p:blipFill>
-            <a:blip r:embed="rId25">
-              <a:extLst>
-                <a:ext uri="{28A0092B-C50C-407E-A947-70E740481C1C}">
-                  <a14:useLocalDpi xmlns:a14="http://schemas.microsoft.com/office/drawing/2010/main" val="0"/>
-                </a:ext>
-              </a:extLst>
-            </a:blip>
-            <a:srcRect l="3859" t="4154" r="4448" b="4154"/>
-            <a:stretch>
-              <a:fillRect/>
-            </a:stretch>
-          </p:blipFill>
-          <p:spPr>
-            <a:xfrm>
-              <a:off x="5879335" y="1758997"/>
-              <a:ext cx="251532" cy="251532"/>
-            </a:xfrm>
-            <a:custGeom>
-              <a:avLst/>
-              <a:gdLst>
-                <a:gd name="connsiteX0" fmla="*/ 125766 w 251532"/>
-                <a:gd name="connsiteY0" fmla="*/ 0 h 251532"/>
-                <a:gd name="connsiteX1" fmla="*/ 251532 w 251532"/>
-                <a:gd name="connsiteY1" fmla="*/ 125766 h 251532"/>
-                <a:gd name="connsiteX2" fmla="*/ 125766 w 251532"/>
-                <a:gd name="connsiteY2" fmla="*/ 251532 h 251532"/>
-                <a:gd name="connsiteX3" fmla="*/ 0 w 251532"/>
-                <a:gd name="connsiteY3" fmla="*/ 125766 h 251532"/>
-                <a:gd name="connsiteX4" fmla="*/ 125766 w 251532"/>
-                <a:gd name="connsiteY4" fmla="*/ 0 h 251532"/>
-              </a:gdLst>
-              <a:ahLst/>
-              <a:cxnLst>
-                <a:cxn ang="0">
-                  <a:pos x="connsiteX0" y="connsiteY0"/>
-                </a:cxn>
-                <a:cxn ang="0">
-                  <a:pos x="connsiteX1" y="connsiteY1"/>
-                </a:cxn>
-                <a:cxn ang="0">
-                  <a:pos x="connsiteX2" y="connsiteY2"/>
-                </a:cxn>
-                <a:cxn ang="0">
-                  <a:pos x="connsiteX3" y="connsiteY3"/>
-                </a:cxn>
-                <a:cxn ang="0">
-                  <a:pos x="connsiteX4" y="connsiteY4"/>
-                </a:cxn>
-              </a:cxnLst>
-              <a:rect l="l" t="t" r="r" b="b"/>
-              <a:pathLst>
-                <a:path w="251532" h="251532">
-                  <a:moveTo>
-                    <a:pt x="125766" y="0"/>
-                  </a:moveTo>
-                  <a:cubicBezTo>
-                    <a:pt x="195225" y="0"/>
-                    <a:pt x="251532" y="56307"/>
-                    <a:pt x="251532" y="125766"/>
-                  </a:cubicBezTo>
-                  <a:cubicBezTo>
-                    <a:pt x="251532" y="195225"/>
-                    <a:pt x="195225" y="251532"/>
-                    <a:pt x="125766" y="251532"/>
-                  </a:cubicBezTo>
-                  <a:cubicBezTo>
-                    <a:pt x="56307" y="251532"/>
-                    <a:pt x="0" y="195225"/>
-                    <a:pt x="0" y="125766"/>
-                  </a:cubicBezTo>
-                  <a:cubicBezTo>
-                    <a:pt x="0" y="56307"/>
-                    <a:pt x="56307" y="0"/>
-                    <a:pt x="125766" y="0"/>
-                  </a:cubicBezTo>
-                  <a:close/>
-                </a:path>
-              </a:pathLst>
-            </a:custGeom>
-          </p:spPr>
-        </p:pic>
-      </p:grpSp>
-      <p:sp>
-        <p:nvSpPr>
-          <p:cNvPr id="210" name="TextBox 209"/>
-          <p:cNvSpPr txBox="1"/>
-          <p:nvPr/>
-        </p:nvSpPr>
-        <p:spPr>
-          <a:xfrm>
-            <a:off x="5123680" y="2224506"/>
-            <a:ext cx="428885" cy="153888"/>
-          </a:xfrm>
-          <a:prstGeom prst="rect">
-            <a:avLst/>
-          </a:prstGeom>
-          <a:noFill/>
-        </p:spPr>
-        <p:txBody>
-          <a:bodyPr wrap="square" rtlCol="0">
-            <a:spAutoFit/>
-          </a:bodyPr>
-          <a:lstStyle/>
-          <a:p>
-            <a:pPr algn="ctr"/>
-            <a:r>
-              <a:rPr lang="en-US" sz="400" dirty="0" smtClean="0">
-                <a:latin typeface="Arial Black" panose="020B0A04020102020204" pitchFamily="34" charset="0"/>
-              </a:rPr>
-              <a:t>DOJO</a:t>
-            </a:r>
-            <a:endParaRPr lang="en-US" sz="400" dirty="0">
-              <a:latin typeface="Arial Black" panose="020B0A04020102020204" pitchFamily="34" charset="0"/>
-            </a:endParaRPr>
-          </a:p>
-        </p:txBody>
-      </p:sp>
-      <p:sp>
-        <p:nvSpPr>
-          <p:cNvPr id="212" name="TextBox 211"/>
-          <p:cNvSpPr txBox="1"/>
-          <p:nvPr/>
-        </p:nvSpPr>
-        <p:spPr>
-          <a:xfrm>
-            <a:off x="5127802" y="3191196"/>
-            <a:ext cx="428885" cy="153888"/>
-          </a:xfrm>
-          <a:prstGeom prst="rect">
-            <a:avLst/>
-          </a:prstGeom>
-          <a:noFill/>
-        </p:spPr>
-        <p:txBody>
-          <a:bodyPr wrap="square" rtlCol="0">
-            <a:spAutoFit/>
-          </a:bodyPr>
-          <a:lstStyle/>
-          <a:p>
-            <a:pPr algn="ctr"/>
-            <a:r>
-              <a:rPr lang="en-US" sz="400" dirty="0" smtClean="0">
-                <a:latin typeface="Arial Black" panose="020B0A04020102020204" pitchFamily="34" charset="0"/>
-              </a:rPr>
-              <a:t>HR</a:t>
-            </a:r>
-            <a:endParaRPr lang="en-US" sz="400" dirty="0">
-              <a:latin typeface="Arial Black" panose="020B0A04020102020204" pitchFamily="34" charset="0"/>
-            </a:endParaRPr>
-          </a:p>
-        </p:txBody>
-      </p:sp>
-      <p:pic>
-        <p:nvPicPr>
-          <p:cNvPr id="27" name="Picture 26"/>
-          <p:cNvPicPr>
-            <a:picLocks noChangeAspect="1"/>
-          </p:cNvPicPr>
-          <p:nvPr/>
-        </p:nvPicPr>
-        <p:blipFill>
-          <a:blip r:embed="rId26">
-            <a:extLst>
-              <a:ext uri="{28A0092B-C50C-407E-A947-70E740481C1C}">
-                <a14:useLocalDpi xmlns:a14="http://schemas.microsoft.com/office/drawing/2010/main" val="0"/>
-              </a:ext>
-            </a:extLst>
-          </a:blip>
-          <a:stretch>
-            <a:fillRect/>
-          </a:stretch>
-        </p:blipFill>
-        <p:spPr>
-          <a:xfrm>
-            <a:off x="6462803" y="3215834"/>
-            <a:ext cx="182880" cy="182880"/>
-          </a:xfrm>
-          <a:prstGeom prst="rect">
-            <a:avLst/>
-          </a:prstGeom>
-        </p:spPr>
-      </p:pic>
-      <p:pic>
-        <p:nvPicPr>
-          <p:cNvPr id="28" name="Picture 27"/>
-          <p:cNvPicPr>
-            <a:picLocks noChangeAspect="1"/>
-          </p:cNvPicPr>
-          <p:nvPr/>
-        </p:nvPicPr>
-        <p:blipFill>
-          <a:blip r:embed="rId27">
-            <a:extLst>
-              <a:ext uri="{28A0092B-C50C-407E-A947-70E740481C1C}">
-                <a14:useLocalDpi xmlns:a14="http://schemas.microsoft.com/office/drawing/2010/main" val="0"/>
-              </a:ext>
-            </a:extLst>
-          </a:blip>
-          <a:stretch>
-            <a:fillRect/>
-          </a:stretch>
-        </p:blipFill>
-        <p:spPr>
-          <a:xfrm>
-            <a:off x="5989501" y="3199546"/>
-            <a:ext cx="182880" cy="182880"/>
-          </a:xfrm>
-          <a:prstGeom prst="rect">
-            <a:avLst/>
-          </a:prstGeom>
-        </p:spPr>
-      </p:pic>
-      <p:pic>
-        <p:nvPicPr>
-          <p:cNvPr id="29" name="Picture 28"/>
-          <p:cNvPicPr>
-            <a:picLocks noChangeAspect="1"/>
-          </p:cNvPicPr>
-          <p:nvPr/>
-        </p:nvPicPr>
-        <p:blipFill>
-          <a:blip r:embed="rId28">
-            <a:extLst>
-              <a:ext uri="{28A0092B-C50C-407E-A947-70E740481C1C}">
-                <a14:useLocalDpi xmlns:a14="http://schemas.microsoft.com/office/drawing/2010/main" val="0"/>
-              </a:ext>
-            </a:extLst>
-          </a:blip>
-          <a:stretch>
-            <a:fillRect/>
-          </a:stretch>
-        </p:blipFill>
-        <p:spPr>
-          <a:xfrm>
-            <a:off x="7923599" y="2254761"/>
-            <a:ext cx="182880" cy="182880"/>
-          </a:xfrm>
-          <a:prstGeom prst="rect">
-            <a:avLst/>
-          </a:prstGeom>
-        </p:spPr>
-      </p:pic>
-      <p:pic>
-        <p:nvPicPr>
-          <p:cNvPr id="227" name="Picture 226"/>
-          <p:cNvPicPr>
-            <a:picLocks noChangeAspect="1"/>
-          </p:cNvPicPr>
-          <p:nvPr/>
-        </p:nvPicPr>
-        <p:blipFill>
-          <a:blip r:embed="rId29">
-            <a:extLst>
-              <a:ext uri="{28A0092B-C50C-407E-A947-70E740481C1C}">
-                <a14:useLocalDpi xmlns:a14="http://schemas.microsoft.com/office/drawing/2010/main" val="0"/>
-              </a:ext>
-            </a:extLst>
-          </a:blip>
-          <a:stretch>
-            <a:fillRect/>
-          </a:stretch>
-        </p:blipFill>
-        <p:spPr>
-          <a:xfrm>
-            <a:off x="7436457" y="2248148"/>
-            <a:ext cx="182880" cy="182880"/>
-          </a:xfrm>
-          <a:prstGeom prst="rect">
-            <a:avLst/>
-          </a:prstGeom>
-        </p:spPr>
-      </p:pic>
-      <p:pic>
-        <p:nvPicPr>
-          <p:cNvPr id="229" name="Picture 228"/>
-          <p:cNvPicPr>
-            <a:picLocks noChangeAspect="1"/>
-          </p:cNvPicPr>
-          <p:nvPr/>
-        </p:nvPicPr>
-        <p:blipFill>
-          <a:blip r:embed="rId30">
-            <a:extLst>
-              <a:ext uri="{28A0092B-C50C-407E-A947-70E740481C1C}">
-                <a14:useLocalDpi xmlns:a14="http://schemas.microsoft.com/office/drawing/2010/main" val="0"/>
-              </a:ext>
-            </a:extLst>
-          </a:blip>
-          <a:stretch>
-            <a:fillRect/>
-          </a:stretch>
-        </p:blipFill>
-        <p:spPr>
-          <a:xfrm>
-            <a:off x="6949316" y="2248148"/>
-            <a:ext cx="182880" cy="182880"/>
-          </a:xfrm>
-          <a:prstGeom prst="rect">
-            <a:avLst/>
-          </a:prstGeom>
-        </p:spPr>
-      </p:pic>
-      <p:pic>
-        <p:nvPicPr>
-          <p:cNvPr id="230" name="Picture 229"/>
-          <p:cNvPicPr>
-            <a:picLocks noChangeAspect="1"/>
-          </p:cNvPicPr>
-          <p:nvPr/>
-        </p:nvPicPr>
-        <p:blipFill>
-          <a:blip r:embed="rId31">
-            <a:extLst>
-              <a:ext uri="{28A0092B-C50C-407E-A947-70E740481C1C}">
-                <a14:useLocalDpi xmlns:a14="http://schemas.microsoft.com/office/drawing/2010/main" val="0"/>
-              </a:ext>
-            </a:extLst>
-          </a:blip>
-          <a:stretch>
-            <a:fillRect/>
-          </a:stretch>
-        </p:blipFill>
-        <p:spPr>
-          <a:xfrm>
-            <a:off x="5975034" y="2248148"/>
-            <a:ext cx="182880" cy="182880"/>
-          </a:xfrm>
-          <a:prstGeom prst="rect">
-            <a:avLst/>
-          </a:prstGeom>
-        </p:spPr>
-      </p:pic>
-      <p:pic>
-        <p:nvPicPr>
-          <p:cNvPr id="234" name="Picture 233"/>
-          <p:cNvPicPr>
-            <a:picLocks noChangeAspect="1"/>
-          </p:cNvPicPr>
-          <p:nvPr/>
-        </p:nvPicPr>
-        <p:blipFill>
-          <a:blip r:embed="rId32">
-            <a:extLst>
-              <a:ext uri="{28A0092B-C50C-407E-A947-70E740481C1C}">
-                <a14:useLocalDpi xmlns:a14="http://schemas.microsoft.com/office/drawing/2010/main" val="0"/>
-              </a:ext>
-            </a:extLst>
-          </a:blip>
-          <a:stretch>
-            <a:fillRect/>
-          </a:stretch>
-        </p:blipFill>
-        <p:spPr>
-          <a:xfrm>
-            <a:off x="5487893" y="2248148"/>
-            <a:ext cx="182880" cy="182880"/>
-          </a:xfrm>
-          <a:prstGeom prst="rect">
-            <a:avLst/>
-          </a:prstGeom>
-        </p:spPr>
-      </p:pic>
-      <p:sp>
-        <p:nvSpPr>
-          <p:cNvPr id="221" name="TextBox 220"/>
-          <p:cNvSpPr txBox="1"/>
-          <p:nvPr/>
-        </p:nvSpPr>
-        <p:spPr>
-          <a:xfrm>
-            <a:off x="5186653" y="2436834"/>
-            <a:ext cx="785360" cy="246221"/>
-          </a:xfrm>
-          <a:prstGeom prst="rect">
-            <a:avLst/>
-          </a:prstGeom>
-          <a:noFill/>
-        </p:spPr>
-        <p:txBody>
-          <a:bodyPr wrap="square" rtlCol="0">
-            <a:spAutoFit/>
-          </a:bodyPr>
-          <a:lstStyle/>
-          <a:p>
-            <a:pPr algn="ctr"/>
-            <a:r>
-              <a:rPr lang="en-US" sz="500" dirty="0" smtClean="0"/>
-              <a:t>Dashboard </a:t>
-            </a:r>
-          </a:p>
-          <a:p>
-            <a:pPr algn="ctr"/>
-            <a:r>
-              <a:rPr lang="en-US" sz="500" dirty="0" smtClean="0"/>
-              <a:t>with Current </a:t>
-            </a:r>
-          </a:p>
-        </p:txBody>
-      </p:sp>
-      <p:pic>
-        <p:nvPicPr>
-          <p:cNvPr id="222" name="Picture 221"/>
-          <p:cNvPicPr>
-            <a:picLocks noChangeAspect="1"/>
-          </p:cNvPicPr>
-          <p:nvPr/>
-        </p:nvPicPr>
-        <p:blipFill>
-          <a:blip r:embed="rId32">
-            <a:extLst>
-              <a:ext uri="{28A0092B-C50C-407E-A947-70E740481C1C}">
-                <a14:useLocalDpi xmlns:a14="http://schemas.microsoft.com/office/drawing/2010/main" val="0"/>
-              </a:ext>
-            </a:extLst>
-          </a:blip>
-          <a:stretch>
-            <a:fillRect/>
-          </a:stretch>
-        </p:blipFill>
-        <p:spPr>
-          <a:xfrm>
-            <a:off x="5487893" y="3199546"/>
-            <a:ext cx="182880" cy="182880"/>
-          </a:xfrm>
-          <a:prstGeom prst="rect">
-            <a:avLst/>
-          </a:prstGeom>
-        </p:spPr>
-      </p:pic>
-      <p:sp>
-        <p:nvSpPr>
-          <p:cNvPr id="245" name="TextBox 244"/>
-          <p:cNvSpPr txBox="1"/>
-          <p:nvPr/>
-        </p:nvSpPr>
-        <p:spPr>
-          <a:xfrm>
-            <a:off x="5186653" y="3355522"/>
-            <a:ext cx="785360" cy="246221"/>
-          </a:xfrm>
-          <a:prstGeom prst="rect">
-            <a:avLst/>
-          </a:prstGeom>
-          <a:noFill/>
-        </p:spPr>
-        <p:txBody>
-          <a:bodyPr wrap="square" rtlCol="0">
-            <a:spAutoFit/>
-          </a:bodyPr>
-          <a:lstStyle/>
-          <a:p>
-            <a:pPr algn="ctr"/>
-            <a:r>
-              <a:rPr lang="en-US" sz="500" dirty="0" smtClean="0"/>
-              <a:t>Dashboard with </a:t>
-            </a:r>
-          </a:p>
-          <a:p>
-            <a:pPr algn="ctr"/>
-            <a:r>
-              <a:rPr lang="en-US" sz="500" dirty="0" smtClean="0"/>
-              <a:t>Current Condition</a:t>
-            </a:r>
-            <a:endParaRPr lang="en-US" sz="500" dirty="0"/>
-          </a:p>
-        </p:txBody>
-      </p:sp>
-      <p:pic>
-        <p:nvPicPr>
-          <p:cNvPr id="246" name="Picture 245"/>
-          <p:cNvPicPr>
-            <a:picLocks noChangeAspect="1"/>
-          </p:cNvPicPr>
-          <p:nvPr/>
-        </p:nvPicPr>
-        <p:blipFill>
-          <a:blip r:embed="rId33">
-            <a:extLst>
-              <a:ext uri="{28A0092B-C50C-407E-A947-70E740481C1C}">
-                <a14:useLocalDpi xmlns:a14="http://schemas.microsoft.com/office/drawing/2010/main" val="0"/>
-              </a:ext>
-            </a:extLst>
-          </a:blip>
-          <a:stretch>
-            <a:fillRect/>
-          </a:stretch>
-        </p:blipFill>
-        <p:spPr>
-          <a:xfrm rot="5400000">
-            <a:off x="5730024" y="2252329"/>
-            <a:ext cx="182880" cy="182880"/>
-          </a:xfrm>
-          <a:prstGeom prst="rect">
-            <a:avLst/>
-          </a:prstGeom>
-        </p:spPr>
-      </p:pic>
-      <p:pic>
-        <p:nvPicPr>
-          <p:cNvPr id="247" name="Picture 246"/>
-          <p:cNvPicPr>
-            <a:picLocks noChangeAspect="1"/>
-          </p:cNvPicPr>
-          <p:nvPr/>
-        </p:nvPicPr>
-        <p:blipFill>
-          <a:blip r:embed="rId33">
-            <a:extLst>
-              <a:ext uri="{28A0092B-C50C-407E-A947-70E740481C1C}">
-                <a14:useLocalDpi xmlns:a14="http://schemas.microsoft.com/office/drawing/2010/main" val="0"/>
-              </a:ext>
-            </a:extLst>
-          </a:blip>
-          <a:stretch>
-            <a:fillRect/>
-          </a:stretch>
-        </p:blipFill>
-        <p:spPr>
-          <a:xfrm rot="5400000">
-            <a:off x="5733288" y="3216372"/>
-            <a:ext cx="182880" cy="182880"/>
-          </a:xfrm>
-          <a:prstGeom prst="rect">
-            <a:avLst/>
-          </a:prstGeom>
-        </p:spPr>
-      </p:pic>
-      <p:pic>
-        <p:nvPicPr>
-          <p:cNvPr id="248" name="Picture 247">
-            <a:extLst>
-              <a:ext uri="{FF2B5EF4-FFF2-40B4-BE49-F238E27FC236}">
-                <a16:creationId xmlns:a16="http://schemas.microsoft.com/office/drawing/2014/main" id="{BCABDC1D-C0DD-C49E-3E15-897F7818A116}"/>
-              </a:ext>
-            </a:extLst>
-          </p:cNvPr>
-          <p:cNvPicPr>
-            <a:picLocks noChangeAspect="1"/>
-          </p:cNvPicPr>
-          <p:nvPr/>
-        </p:nvPicPr>
-        <p:blipFill>
-          <a:blip r:embed="rId34">
-            <a:extLst>
-              <a:ext uri="{28A0092B-C50C-407E-A947-70E740481C1C}">
-                <a14:useLocalDpi xmlns:a14="http://schemas.microsoft.com/office/drawing/2010/main" val="0"/>
-              </a:ext>
-            </a:extLst>
-          </a:blip>
-          <a:stretch>
-            <a:fillRect/>
-          </a:stretch>
-        </p:blipFill>
-        <p:spPr>
-          <a:xfrm>
-            <a:off x="6462175" y="2248148"/>
-            <a:ext cx="182880" cy="182880"/>
-          </a:xfrm>
-          <a:prstGeom prst="rect">
-            <a:avLst/>
-          </a:prstGeom>
-        </p:spPr>
-      </p:pic>
-      <p:pic>
-        <p:nvPicPr>
-          <p:cNvPr id="249" name="Picture 248"/>
-          <p:cNvPicPr>
-            <a:picLocks noChangeAspect="1"/>
-          </p:cNvPicPr>
-          <p:nvPr/>
-        </p:nvPicPr>
-        <p:blipFill>
-          <a:blip r:embed="rId33">
-            <a:extLst>
-              <a:ext uri="{28A0092B-C50C-407E-A947-70E740481C1C}">
-                <a14:useLocalDpi xmlns:a14="http://schemas.microsoft.com/office/drawing/2010/main" val="0"/>
-              </a:ext>
-            </a:extLst>
-          </a:blip>
-          <a:stretch>
-            <a:fillRect/>
-          </a:stretch>
-        </p:blipFill>
-        <p:spPr>
-          <a:xfrm rot="5400000">
-            <a:off x="6203765" y="3215834"/>
-            <a:ext cx="182880" cy="182880"/>
-          </a:xfrm>
-          <a:prstGeom prst="rect">
-            <a:avLst/>
-          </a:prstGeom>
-        </p:spPr>
-      </p:pic>
-      <p:sp>
-        <p:nvSpPr>
-          <p:cNvPr id="250" name="TextBox 249"/>
-          <p:cNvSpPr txBox="1"/>
-          <p:nvPr/>
-        </p:nvSpPr>
-        <p:spPr>
-          <a:xfrm>
-            <a:off x="5839234" y="3360170"/>
-            <a:ext cx="470477" cy="246221"/>
-          </a:xfrm>
-          <a:prstGeom prst="rect">
-            <a:avLst/>
-          </a:prstGeom>
-          <a:noFill/>
-        </p:spPr>
-        <p:txBody>
-          <a:bodyPr wrap="square" rtlCol="0">
-            <a:spAutoFit/>
-          </a:bodyPr>
-          <a:lstStyle/>
-          <a:p>
-            <a:pPr algn="ctr"/>
-            <a:r>
-              <a:rPr lang="en-US" sz="500" dirty="0" smtClean="0"/>
-              <a:t>Export </a:t>
-            </a:r>
-          </a:p>
-          <a:p>
-            <a:pPr algn="ctr"/>
-            <a:r>
-              <a:rPr lang="en-US" sz="500" dirty="0" smtClean="0"/>
-              <a:t>Result</a:t>
-            </a:r>
-            <a:endParaRPr lang="en-US" sz="500" dirty="0"/>
-          </a:p>
-        </p:txBody>
-      </p:sp>
-      <p:sp>
-        <p:nvSpPr>
-          <p:cNvPr id="252" name="TextBox 251"/>
-          <p:cNvSpPr txBox="1"/>
-          <p:nvPr/>
-        </p:nvSpPr>
-        <p:spPr>
-          <a:xfrm>
-            <a:off x="6286920" y="3360169"/>
-            <a:ext cx="534646" cy="246221"/>
-          </a:xfrm>
-          <a:prstGeom prst="rect">
-            <a:avLst/>
-          </a:prstGeom>
-          <a:noFill/>
-        </p:spPr>
-        <p:txBody>
-          <a:bodyPr wrap="square" rtlCol="0">
-            <a:spAutoFit/>
-          </a:bodyPr>
-          <a:lstStyle/>
-          <a:p>
-            <a:pPr algn="ctr"/>
-            <a:r>
-              <a:rPr lang="en-US" sz="500" dirty="0" smtClean="0"/>
-              <a:t>Update </a:t>
-            </a:r>
-          </a:p>
-          <a:p>
-            <a:pPr algn="ctr"/>
-            <a:r>
-              <a:rPr lang="en-US" sz="500" dirty="0" smtClean="0"/>
-              <a:t>MCU Result</a:t>
-            </a:r>
-            <a:endParaRPr lang="en-US" sz="500" dirty="0"/>
-          </a:p>
-        </p:txBody>
-      </p:sp>
-      <p:pic>
-        <p:nvPicPr>
-          <p:cNvPr id="253" name="Picture 252"/>
-          <p:cNvPicPr>
-            <a:picLocks noChangeAspect="1"/>
-          </p:cNvPicPr>
-          <p:nvPr/>
-        </p:nvPicPr>
-        <p:blipFill>
-          <a:blip r:embed="rId33">
-            <a:extLst>
-              <a:ext uri="{28A0092B-C50C-407E-A947-70E740481C1C}">
-                <a14:useLocalDpi xmlns:a14="http://schemas.microsoft.com/office/drawing/2010/main" val="0"/>
-              </a:ext>
-            </a:extLst>
-          </a:blip>
-          <a:stretch>
-            <a:fillRect/>
-          </a:stretch>
-        </p:blipFill>
-        <p:spPr>
-          <a:xfrm rot="5400000">
-            <a:off x="6212594" y="2252329"/>
-            <a:ext cx="182880" cy="182880"/>
-          </a:xfrm>
-          <a:prstGeom prst="rect">
-            <a:avLst/>
-          </a:prstGeom>
-        </p:spPr>
-      </p:pic>
-      <p:pic>
-        <p:nvPicPr>
-          <p:cNvPr id="254" name="Picture 253"/>
-          <p:cNvPicPr>
-            <a:picLocks noChangeAspect="1"/>
-          </p:cNvPicPr>
-          <p:nvPr/>
-        </p:nvPicPr>
-        <p:blipFill>
-          <a:blip r:embed="rId33">
-            <a:extLst>
-              <a:ext uri="{28A0092B-C50C-407E-A947-70E740481C1C}">
-                <a14:useLocalDpi xmlns:a14="http://schemas.microsoft.com/office/drawing/2010/main" val="0"/>
-              </a:ext>
-            </a:extLst>
-          </a:blip>
-          <a:stretch>
-            <a:fillRect/>
-          </a:stretch>
-        </p:blipFill>
-        <p:spPr>
-          <a:xfrm rot="5400000">
-            <a:off x="6710573" y="2252329"/>
-            <a:ext cx="182880" cy="182880"/>
-          </a:xfrm>
-          <a:prstGeom prst="rect">
-            <a:avLst/>
-          </a:prstGeom>
-        </p:spPr>
-      </p:pic>
-      <p:pic>
-        <p:nvPicPr>
-          <p:cNvPr id="255" name="Picture 254"/>
-          <p:cNvPicPr>
-            <a:picLocks noChangeAspect="1"/>
-          </p:cNvPicPr>
-          <p:nvPr/>
-        </p:nvPicPr>
-        <p:blipFill>
-          <a:blip r:embed="rId33">
-            <a:extLst>
-              <a:ext uri="{28A0092B-C50C-407E-A947-70E740481C1C}">
-                <a14:useLocalDpi xmlns:a14="http://schemas.microsoft.com/office/drawing/2010/main" val="0"/>
-              </a:ext>
-            </a:extLst>
-          </a:blip>
-          <a:stretch>
-            <a:fillRect/>
-          </a:stretch>
-        </p:blipFill>
-        <p:spPr>
-          <a:xfrm rot="5400000">
-            <a:off x="7178533" y="2252329"/>
-            <a:ext cx="182880" cy="182880"/>
-          </a:xfrm>
-          <a:prstGeom prst="rect">
-            <a:avLst/>
-          </a:prstGeom>
-        </p:spPr>
-      </p:pic>
-      <p:pic>
-        <p:nvPicPr>
-          <p:cNvPr id="256" name="Picture 255"/>
-          <p:cNvPicPr>
-            <a:picLocks noChangeAspect="1"/>
-          </p:cNvPicPr>
-          <p:nvPr/>
-        </p:nvPicPr>
-        <p:blipFill>
-          <a:blip r:embed="rId33">
-            <a:extLst>
-              <a:ext uri="{28A0092B-C50C-407E-A947-70E740481C1C}">
-                <a14:useLocalDpi xmlns:a14="http://schemas.microsoft.com/office/drawing/2010/main" val="0"/>
-              </a:ext>
-            </a:extLst>
-          </a:blip>
-          <a:stretch>
-            <a:fillRect/>
-          </a:stretch>
-        </p:blipFill>
-        <p:spPr>
-          <a:xfrm rot="5400000">
-            <a:off x="7689636" y="2252329"/>
-            <a:ext cx="182880" cy="182880"/>
-          </a:xfrm>
-          <a:prstGeom prst="rect">
-            <a:avLst/>
-          </a:prstGeom>
-        </p:spPr>
-      </p:pic>
-      <p:sp>
-        <p:nvSpPr>
-          <p:cNvPr id="257" name="TextBox 256"/>
-          <p:cNvSpPr txBox="1"/>
-          <p:nvPr/>
-        </p:nvSpPr>
-        <p:spPr>
-          <a:xfrm>
-            <a:off x="5681318" y="2436834"/>
-            <a:ext cx="785360" cy="246221"/>
-          </a:xfrm>
-          <a:prstGeom prst="rect">
-            <a:avLst/>
-          </a:prstGeom>
-          <a:noFill/>
-        </p:spPr>
-        <p:txBody>
-          <a:bodyPr wrap="square" rtlCol="0">
-            <a:spAutoFit/>
-          </a:bodyPr>
-          <a:lstStyle/>
-          <a:p>
-            <a:pPr algn="ctr"/>
-            <a:r>
-              <a:rPr lang="en-US" sz="500" dirty="0" smtClean="0"/>
-              <a:t>Add Batch,</a:t>
-            </a:r>
-          </a:p>
-          <a:p>
-            <a:pPr algn="ctr"/>
-            <a:r>
-              <a:rPr lang="en-US" sz="500" dirty="0" smtClean="0"/>
-              <a:t>Import Participants</a:t>
-            </a:r>
-            <a:endParaRPr lang="en-US" sz="500" dirty="0"/>
-          </a:p>
-        </p:txBody>
-      </p:sp>
-      <p:sp>
-        <p:nvSpPr>
-          <p:cNvPr id="258" name="TextBox 257"/>
-          <p:cNvSpPr txBox="1"/>
-          <p:nvPr/>
-        </p:nvSpPr>
-        <p:spPr>
-          <a:xfrm>
-            <a:off x="6166509" y="2436834"/>
-            <a:ext cx="785360" cy="246221"/>
-          </a:xfrm>
-          <a:prstGeom prst="rect">
-            <a:avLst/>
-          </a:prstGeom>
-          <a:noFill/>
-        </p:spPr>
-        <p:txBody>
-          <a:bodyPr wrap="square" rtlCol="0">
-            <a:spAutoFit/>
-          </a:bodyPr>
-          <a:lstStyle/>
-          <a:p>
-            <a:pPr algn="ctr"/>
-            <a:r>
-              <a:rPr lang="en-US" sz="500" dirty="0" smtClean="0"/>
-              <a:t>Import All</a:t>
-            </a:r>
-            <a:br>
-              <a:rPr lang="en-US" sz="500" dirty="0" smtClean="0"/>
-            </a:br>
-            <a:r>
-              <a:rPr lang="en-US" sz="500" dirty="0" smtClean="0"/>
-              <a:t>Score</a:t>
-            </a:r>
-            <a:endParaRPr lang="en-US" sz="500" dirty="0"/>
-          </a:p>
-        </p:txBody>
-      </p:sp>
-      <p:sp>
-        <p:nvSpPr>
-          <p:cNvPr id="259" name="TextBox 258"/>
-          <p:cNvSpPr txBox="1"/>
-          <p:nvPr/>
-        </p:nvSpPr>
-        <p:spPr>
-          <a:xfrm>
-            <a:off x="6648420" y="2436834"/>
-            <a:ext cx="785360" cy="246221"/>
-          </a:xfrm>
-          <a:prstGeom prst="rect">
-            <a:avLst/>
-          </a:prstGeom>
-          <a:noFill/>
-        </p:spPr>
-        <p:txBody>
-          <a:bodyPr wrap="square" rtlCol="0">
-            <a:spAutoFit/>
-          </a:bodyPr>
-          <a:lstStyle/>
-          <a:p>
-            <a:pPr algn="ctr"/>
-            <a:r>
-              <a:rPr lang="en-US" sz="500" dirty="0" smtClean="0"/>
-              <a:t>Input IK</a:t>
-            </a:r>
-          </a:p>
-          <a:p>
-            <a:pPr algn="ctr"/>
-            <a:r>
-              <a:rPr lang="en-US" sz="500" dirty="0" smtClean="0"/>
-              <a:t>&amp; SCW</a:t>
-            </a:r>
-            <a:endParaRPr lang="en-US" sz="500" dirty="0"/>
-          </a:p>
-        </p:txBody>
-      </p:sp>
-      <p:sp>
-        <p:nvSpPr>
-          <p:cNvPr id="260" name="TextBox 259"/>
-          <p:cNvSpPr txBox="1"/>
-          <p:nvPr/>
-        </p:nvSpPr>
-        <p:spPr>
-          <a:xfrm>
-            <a:off x="7135292" y="2436834"/>
-            <a:ext cx="785360" cy="246221"/>
-          </a:xfrm>
-          <a:prstGeom prst="rect">
-            <a:avLst/>
-          </a:prstGeom>
-          <a:noFill/>
-        </p:spPr>
-        <p:txBody>
-          <a:bodyPr wrap="square" rtlCol="0">
-            <a:spAutoFit/>
-          </a:bodyPr>
-          <a:lstStyle/>
-          <a:p>
-            <a:pPr algn="ctr"/>
-            <a:r>
-              <a:rPr lang="en-US" sz="500" dirty="0" smtClean="0"/>
-              <a:t>Send to </a:t>
-            </a:r>
-          </a:p>
-          <a:p>
-            <a:pPr algn="ctr"/>
-            <a:r>
-              <a:rPr lang="en-US" sz="500" dirty="0" smtClean="0"/>
-              <a:t>Bank Participant</a:t>
-            </a:r>
-            <a:endParaRPr lang="en-US" sz="500" dirty="0"/>
-          </a:p>
-        </p:txBody>
-      </p:sp>
-      <p:sp>
-        <p:nvSpPr>
-          <p:cNvPr id="261" name="TextBox 260"/>
-          <p:cNvSpPr txBox="1"/>
-          <p:nvPr/>
-        </p:nvSpPr>
-        <p:spPr>
-          <a:xfrm>
-            <a:off x="7618564" y="2436834"/>
-            <a:ext cx="785360" cy="246221"/>
-          </a:xfrm>
-          <a:prstGeom prst="rect">
-            <a:avLst/>
-          </a:prstGeom>
-          <a:noFill/>
-        </p:spPr>
-        <p:txBody>
-          <a:bodyPr wrap="square" rtlCol="0">
-            <a:spAutoFit/>
-          </a:bodyPr>
-          <a:lstStyle/>
-          <a:p>
-            <a:pPr algn="ctr"/>
-            <a:r>
-              <a:rPr lang="en-US" sz="500" dirty="0" smtClean="0"/>
-              <a:t>Bank Participant</a:t>
-            </a:r>
-          </a:p>
-          <a:p>
-            <a:pPr algn="ctr"/>
-            <a:r>
-              <a:rPr lang="en-US" sz="500" dirty="0" smtClean="0"/>
-              <a:t>Distribution</a:t>
-            </a:r>
-            <a:endParaRPr lang="en-US" sz="500" dirty="0"/>
-          </a:p>
-        </p:txBody>
-      </p:sp>
-      <p:sp>
-        <p:nvSpPr>
-          <p:cNvPr id="35" name="Title 34"/>
-          <p:cNvSpPr>
-            <a:spLocks noGrp="1"/>
-          </p:cNvSpPr>
-          <p:nvPr>
-            <p:ph type="title"/>
-          </p:nvPr>
-        </p:nvSpPr>
-        <p:spPr/>
-        <p:txBody>
-          <a:bodyPr/>
-          <a:lstStyle/>
-          <a:p>
-            <a:endParaRPr lang="en-US"/>
-          </a:p>
-        </p:txBody>
-      </p:sp>
-    </p:spTree>
-    <p:extLst>
-      <p:ext uri="{BB962C8B-B14F-4D97-AF65-F5344CB8AC3E}">
-        <p14:creationId xmlns:p14="http://schemas.microsoft.com/office/powerpoint/2010/main" val="1915593285"/>
-      </p:ext>
-    </p:extLst>
-  </p:cSld>
-  <p:clrMapOvr>
-    <a:masterClrMapping/>
-  </p:clrMapOvr>
-  <p:timing>
-    <p:tnLst>
-      <p:par>
-        <p:cTn id="1" dur="indefinite" restart="never" nodeType="tmRoot"/>
-      </p:par>
-    </p:tnLst>
-  </p:timing>
-</p:sld>
-</file>
-
-<file path=ppt/slides/slide2.xml><?xml version="1.0" encoding="utf-8"?>
-<p:sld xmlns:a="http://schemas.openxmlformats.org/drawingml/2006/main" xmlns:r="http://schemas.openxmlformats.org/officeDocument/2006/relationships" xmlns:p="http://schemas.openxmlformats.org/presentationml/2006/main">
-  <p:cSld>
-    <p:bg>
-      <p:bgPr>
-        <a:solidFill>
-          <a:srgbClr val="C0DCF9">
-            <a:alpha val="70000"/>
-          </a:srgbClr>
-        </a:solidFill>
-        <a:effectLst/>
-      </p:bgPr>
-    </p:bg>
-    <p:spTree>
-      <p:nvGrpSpPr>
-        <p:cNvPr id="1" name=""/>
-        <p:cNvGrpSpPr/>
-        <p:nvPr/>
-      </p:nvGrpSpPr>
-      <p:grpSpPr>
-        <a:xfrm>
-          <a:off x="0" y="0"/>
-          <a:ext cx="0" cy="0"/>
-          <a:chOff x="0" y="0"/>
-          <a:chExt cx="0" cy="0"/>
-        </a:xfrm>
-      </p:grpSpPr>
-      <p:sp>
-        <p:nvSpPr>
           <p:cNvPr id="6" name="Parallelogram 5">
             <a:extLst>
               <a:ext uri="{FF2B5EF4-FFF2-40B4-BE49-F238E27FC236}">
@@ -8665,35 +4018,6 @@
           <a:p>
             <a:pPr algn="ctr"/>
             <a:endParaRPr kumimoji="1" lang="en-US"/>
-          </a:p>
-        </p:txBody>
-      </p:sp>
-      <p:sp>
-        <p:nvSpPr>
-          <p:cNvPr id="2" name="Title 1"/>
-          <p:cNvSpPr>
-            <a:spLocks noGrp="1"/>
-          </p:cNvSpPr>
-          <p:nvPr>
-            <p:ph type="title"/>
-          </p:nvPr>
-        </p:nvSpPr>
-        <p:spPr>
-          <a:xfrm>
-            <a:off x="-56229" y="141807"/>
-            <a:ext cx="5060197" cy="434907"/>
-          </a:xfrm>
-        </p:spPr>
-        <p:txBody>
-          <a:bodyPr/>
-          <a:lstStyle/>
-          <a:p>
-            <a:r>
-              <a:rPr lang="en-US" sz="2000" spc="300" dirty="0">
-                <a:latin typeface="Arial Black" panose="020B0A04020102020204" pitchFamily="34" charset="0"/>
-              </a:rPr>
-              <a:t>IMPLEMENTATION</a:t>
-            </a:r>
           </a:p>
         </p:txBody>
       </p:sp>
@@ -8960,13 +4284,7 @@
               <a:rPr lang="en-US" sz="700" dirty="0">
                 <a:latin typeface="Arial Black" panose="020B0A04020102020204" pitchFamily="34" charset="0"/>
               </a:rPr>
-              <a:t>Input </a:t>
-            </a:r>
-            <a:r>
-              <a:rPr lang="en-US" sz="700" dirty="0">
-                <a:latin typeface="Arial Black" panose="020B0A04020102020204" pitchFamily="34" charset="0"/>
-              </a:rPr>
-              <a:t>data </a:t>
+              <a:t>Input data </a:t>
             </a:r>
             <a:r>
               <a:rPr lang="en-US" sz="700" dirty="0">
@@ -8977,12 +4295,6 @@
               </a:rPr>
               <a:t>directly</a:t>
             </a:r>
-            <a:endParaRPr lang="en-US" sz="700" dirty="0">
-              <a:solidFill>
-                <a:srgbClr val="FF0000"/>
-              </a:solidFill>
-              <a:latin typeface="Arial Black" panose="020B0A04020102020204" pitchFamily="34" charset="0"/>
-            </a:endParaRPr>
           </a:p>
         </p:txBody>
       </p:sp>
@@ -9035,7 +4347,7 @@
       </p:sp>
       <p:sp>
         <p:nvSpPr>
-          <p:cNvPr id="28" name="Rectangle 27">
+          <p:cNvPr id="28" name="Parallelogram 27">
             <a:extLst>
               <a:ext uri="{FF2B5EF4-FFF2-40B4-BE49-F238E27FC236}">
                 <a16:creationId xmlns:a16="http://schemas.microsoft.com/office/drawing/2014/main" id="{A2F4719B-AC32-738B-555C-639C7D73D11C}"/>
@@ -9047,11 +4359,13 @@
         </p:nvSpPr>
         <p:spPr>
           <a:xfrm>
-            <a:off x="4300141" y="1"/>
-            <a:ext cx="4773907" cy="4640715"/>
+            <a:off x="3592804" y="3331"/>
+            <a:ext cx="6774879" cy="4640715"/>
           </a:xfrm>
-          <a:prstGeom prst="rect">
-            <a:avLst/>
+          <a:prstGeom prst="parallelogram">
+            <a:avLst>
+              <a:gd name="adj" fmla="val 25438"/>
+            </a:avLst>
           </a:prstGeom>
           <a:solidFill>
             <a:schemeClr val="bg1">
@@ -11763,12 +7077,6 @@
                   </a:rPr>
                   <a:t> </a:t>
                 </a:r>
-                <a:endParaRPr lang="en-US" sz="500" noProof="1">
-                  <a:solidFill>
-                    <a:schemeClr val="accent5"/>
-                  </a:solidFill>
-                  <a:latin typeface="Arial "/>
-                </a:endParaRPr>
               </a:p>
               <a:p>
                 <a:pPr algn="r"/>
@@ -11776,13 +7084,7 @@
                   <a:rPr lang="en-US" sz="500" noProof="1">
                     <a:latin typeface="Arial "/>
                   </a:rPr>
-                  <a:t>Personal </a:t>
-                </a:r>
-                <a:r>
-                  <a:rPr lang="en-US" sz="500" noProof="1">
-                    <a:latin typeface="Arial "/>
-                  </a:rPr>
-                  <a:t>Data</a:t>
+                  <a:t>Personal Data</a:t>
                 </a:r>
               </a:p>
             </p:txBody>
@@ -12229,9 +7531,6 @@
                   </a:rPr>
                   <a:t> to </a:t>
                 </a:r>
-                <a:endParaRPr lang="en-US" sz="500" noProof="1">
-                  <a:latin typeface="Arial "/>
-                </a:endParaRPr>
               </a:p>
               <a:p>
                 <a:pPr algn="r"/>
@@ -12239,13 +7538,7 @@
                   <a:rPr lang="en-US" sz="500" noProof="1">
                     <a:latin typeface="Arial "/>
                   </a:rPr>
-                  <a:t>Bank </a:t>
-                </a:r>
-                <a:r>
-                  <a:rPr lang="en-US" sz="500" noProof="1">
-                    <a:latin typeface="Arial "/>
-                  </a:rPr>
-                  <a:t>Participant</a:t>
+                  <a:t>Bank Participant</a:t>
                 </a:r>
               </a:p>
             </p:txBody>
@@ -12386,13 +7679,7 @@
                   <a:rPr lang="en-US" sz="500" noProof="1">
                     <a:latin typeface="Arial "/>
                   </a:rPr>
-                  <a:t>Summary score by </a:t>
-                </a:r>
-                <a:r>
-                  <a:rPr lang="en-US" sz="500" noProof="1">
-                    <a:latin typeface="Arial "/>
-                  </a:rPr>
-                  <a:t>HR </a:t>
+                  <a:t>Summary score by HR </a:t>
                 </a:r>
                 <a:r>
                   <a:rPr lang="en-US" sz="500" noProof="1">
@@ -12403,12 +7690,6 @@
                   </a:rPr>
                   <a:t>directly</a:t>
                 </a:r>
-                <a:endParaRPr lang="en-US" sz="500" noProof="1">
-                  <a:solidFill>
-                    <a:schemeClr val="accent5"/>
-                  </a:solidFill>
-                  <a:latin typeface="Arial Black" panose="020B0A04020102020204" pitchFamily="34" charset="0"/>
-                </a:endParaRPr>
               </a:p>
             </p:txBody>
           </p:sp>
@@ -12698,9 +7979,6 @@
                   </a:rPr>
                   <a:t>Summary Score to </a:t>
                 </a:r>
-                <a:endParaRPr lang="en-US" sz="500" noProof="1">
-                  <a:latin typeface="Arial "/>
-                </a:endParaRPr>
               </a:p>
               <a:p>
                 <a:r>
@@ -12710,16 +7988,7 @@
                     </a:solidFill>
                     <a:latin typeface="Arial Black" panose="020B0A04020102020204" pitchFamily="34" charset="0"/>
                   </a:rPr>
-                  <a:t>HR </a:t>
-                </a:r>
-                <a:r>
-                  <a:rPr lang="en-US" sz="500" noProof="1">
-                    <a:solidFill>
-                      <a:srgbClr val="FF0000"/>
-                    </a:solidFill>
-                    <a:latin typeface="Arial Black" panose="020B0A04020102020204" pitchFamily="34" charset="0"/>
-                  </a:rPr>
-                  <a:t>by E-Mail</a:t>
+                  <a:t>HR by E-Mail</a:t>
                 </a:r>
               </a:p>
             </p:txBody>
@@ -15218,12 +10487,6 @@
                   </a:rPr>
                   <a:t>HR directly </a:t>
                 </a:r>
-                <a:endParaRPr lang="en-US" sz="500" noProof="1">
-                  <a:solidFill>
-                    <a:schemeClr val="accent5"/>
-                  </a:solidFill>
-                  <a:latin typeface="Arial Black" panose="020B0A04020102020204" pitchFamily="34" charset="0"/>
-                </a:endParaRPr>
               </a:p>
             </p:txBody>
           </p:sp>
@@ -15479,11 +10742,6 @@
                   </a:rPr>
                   <a:t>BEFORE</a:t>
                 </a:r>
-                <a:endParaRPr lang="en-US" sz="700" b="1" noProof="1">
-                  <a:solidFill>
-                    <a:schemeClr val="tx1"/>
-                  </a:solidFill>
-                </a:endParaRPr>
               </a:p>
             </p:txBody>
           </p:sp>
@@ -15524,11 +10782,6 @@
                   </a:rPr>
                   <a:t>AFTER</a:t>
                 </a:r>
-                <a:endParaRPr lang="en-US" sz="700" b="1" noProof="1">
-                  <a:solidFill>
-                    <a:schemeClr val="tx1"/>
-                  </a:solidFill>
-                </a:endParaRPr>
               </a:p>
             </p:txBody>
           </p:sp>
@@ -15678,7 +10931,17 @@
                 </a:solidFill>
                 <a:latin typeface="Arial Black" panose="020B0A04020102020204" pitchFamily="34" charset="0"/>
               </a:rPr>
-              <a:t> work time </a:t>
+              <a:t> </a:t>
+            </a:r>
+            <a:r>
+              <a:rPr lang="en-US" sz="1100" dirty="0">
+                <a:solidFill>
+                  <a:schemeClr val="tx1"/>
+                </a:solidFill>
+                <a:latin typeface="Arial" panose="020B0604020202020204" pitchFamily="34" charset="0"/>
+                <a:cs typeface="Arial" panose="020B0604020202020204" pitchFamily="34" charset="0"/>
+              </a:rPr>
+              <a:t>work time up to</a:t>
             </a:r>
             <a:r>
               <a:rPr lang="en-US" sz="1100" dirty="0">
@@ -15687,7 +10950,16 @@
                 </a:solidFill>
                 <a:latin typeface="Arial Black" panose="020B0A04020102020204" pitchFamily="34" charset="0"/>
               </a:rPr>
-              <a:t>up to </a:t>
+              <a:t> </a:t>
+            </a:r>
+            <a:r>
+              <a:rPr lang="en-US" sz="1100" dirty="0">
+                <a:solidFill>
+                  <a:srgbClr val="FF0000"/>
+                </a:solidFill>
+                <a:latin typeface="Arial Black" panose="020B0A04020102020204" pitchFamily="34" charset="0"/>
+              </a:rPr>
+              <a:t>5</a:t>
             </a:r>
             <a:r>
               <a:rPr lang="en-US" sz="1100" dirty="0">
@@ -15696,7 +10968,7 @@
                 </a:solidFill>
                 <a:latin typeface="Arial Black" panose="020B0A04020102020204" pitchFamily="34" charset="0"/>
               </a:rPr>
-              <a:t>5 minutes</a:t>
+              <a:t> minutes</a:t>
             </a:r>
             <a:endParaRPr lang="en-US" sz="1100" dirty="0">
               <a:solidFill>
@@ -15715,7 +10987,7 @@
         </p:nvSpPr>
         <p:spPr>
           <a:xfrm>
-            <a:off x="4466965" y="3801637"/>
+            <a:off x="4040247" y="3801637"/>
             <a:ext cx="883016" cy="461665"/>
           </a:xfrm>
           <a:prstGeom prst="rect">
@@ -15765,7 +11037,7 @@
         </p:nvCxnSpPr>
         <p:spPr>
           <a:xfrm>
-            <a:off x="5320193" y="4492601"/>
+            <a:off x="4893475" y="4492601"/>
             <a:ext cx="1264728" cy="0"/>
           </a:xfrm>
           <a:prstGeom prst="line">
@@ -15796,7 +11068,7 @@
         </p:nvSpPr>
         <p:spPr>
           <a:xfrm>
-            <a:off x="5401449" y="3647024"/>
+            <a:off x="4974731" y="3647024"/>
             <a:ext cx="410791" cy="842404"/>
           </a:xfrm>
           <a:prstGeom prst="rect">
@@ -15849,7 +11121,7 @@
         </p:nvSpPr>
         <p:spPr>
           <a:xfrm>
-            <a:off x="6090717" y="4066041"/>
+            <a:off x="5663999" y="4066041"/>
             <a:ext cx="410791" cy="421200"/>
           </a:xfrm>
           <a:prstGeom prst="rect">
@@ -16086,7 +11358,7 @@
         </p:nvSpPr>
         <p:spPr>
           <a:xfrm>
-            <a:off x="5275045" y="3459181"/>
+            <a:off x="4848327" y="3459181"/>
             <a:ext cx="689267" cy="184666"/>
           </a:xfrm>
           <a:prstGeom prst="rect">
@@ -16126,7 +11398,7 @@
         </p:nvSpPr>
         <p:spPr>
           <a:xfrm>
-            <a:off x="6176855" y="3861920"/>
+            <a:off x="5750137" y="3861920"/>
             <a:ext cx="665045" cy="184666"/>
           </a:xfrm>
           <a:prstGeom prst="rect">
@@ -16169,7 +11441,7 @@
         </p:nvCxnSpPr>
         <p:spPr>
           <a:xfrm>
-            <a:off x="5606845" y="3647024"/>
+            <a:off x="5180127" y="3647024"/>
             <a:ext cx="689268" cy="419020"/>
           </a:xfrm>
           <a:prstGeom prst="line">
@@ -17447,7 +12719,7 @@
         </p:nvSpPr>
         <p:spPr>
           <a:xfrm>
-            <a:off x="5358144" y="4471216"/>
+            <a:off x="4931426" y="4471216"/>
             <a:ext cx="529459" cy="200055"/>
           </a:xfrm>
           <a:prstGeom prst="rect">
@@ -17484,7 +12756,7 @@
         </p:nvSpPr>
         <p:spPr>
           <a:xfrm>
-            <a:off x="6093560" y="4470291"/>
+            <a:off x="5666842" y="4470291"/>
             <a:ext cx="529459" cy="200055"/>
           </a:xfrm>
           <a:prstGeom prst="rect">
@@ -17521,19 +12793,16 @@
         </p:nvSpPr>
         <p:spPr>
           <a:xfrm>
-            <a:off x="3402913" y="4686301"/>
-            <a:ext cx="5972091" cy="457200"/>
+            <a:off x="3441331" y="4699706"/>
+            <a:ext cx="5909517" cy="457200"/>
           </a:xfrm>
           <a:prstGeom prst="parallelogram">
             <a:avLst>
-              <a:gd name="adj" fmla="val 43750"/>
+              <a:gd name="adj" fmla="val 31899"/>
             </a:avLst>
           </a:prstGeom>
           <a:solidFill>
-            <a:schemeClr val="tx1">
-              <a:lumMod val="50000"/>
-              <a:lumOff val="50000"/>
-            </a:schemeClr>
+            <a:srgbClr val="F9D5A1"/>
           </a:solidFill>
           <a:ln w="12700">
             <a:solidFill>
@@ -17574,7 +12843,7 @@
         </p:nvSpPr>
         <p:spPr>
           <a:xfrm>
-            <a:off x="3719749" y="4770811"/>
+            <a:off x="4034061" y="4777104"/>
             <a:ext cx="5795265" cy="276999"/>
           </a:xfrm>
           <a:prstGeom prst="rect">
@@ -17589,17 +12858,28 @@
           <a:lstStyle/>
           <a:p>
             <a:r>
+              <a:rPr lang="en-US" sz="1200" b="1" dirty="0" smtClean="0">
+                <a:solidFill>
+                  <a:schemeClr val="tx1"/>
+                </a:solidFill>
+                <a:latin typeface="Arial "/>
+              </a:rPr>
+              <a:t>CAN REDUCE SIGNIFICANT CYCLE TIME </a:t>
+            </a:r>
+            <a:r>
               <a:rPr lang="en-US" sz="1200" dirty="0" smtClean="0">
                 <a:solidFill>
-                  <a:schemeClr val="bg1"/>
+                  <a:srgbClr val="FF0000"/>
                 </a:solidFill>
+                <a:latin typeface="Arial Black" panose="020B0A04020102090204" pitchFamily="34" charset="0"/>
               </a:rPr>
-              <a:t>CAN REDUCE SIGNIFICANT CYCLE TIME 9 MINUTES</a:t>
+              <a:t>9 MINUTES</a:t>
             </a:r>
             <a:endParaRPr lang="en-US" sz="1200" dirty="0">
               <a:solidFill>
-                <a:schemeClr val="bg1"/>
+                <a:srgbClr val="FF0000"/>
               </a:solidFill>
+              <a:latin typeface="Arial Black" panose="020B0A04020102090204" pitchFamily="34" charset="0"/>
             </a:endParaRPr>
           </a:p>
         </p:txBody>
@@ -17645,12 +12925,6 @@
               </a:rPr>
               <a:t>99%</a:t>
             </a:r>
-            <a:endParaRPr lang="en-US" sz="700" dirty="0">
-              <a:solidFill>
-                <a:srgbClr val="FF0000"/>
-              </a:solidFill>
-              <a:latin typeface="Arial Black" panose="020B0A04020102020204" pitchFamily="34" charset="0"/>
-            </a:endParaRPr>
           </a:p>
         </p:txBody>
       </p:sp>
@@ -17699,7 +12973,7 @@
         </p:nvSpPr>
         <p:spPr>
           <a:xfrm>
-            <a:off x="5821555" y="3669269"/>
+            <a:off x="5394837" y="3669269"/>
             <a:ext cx="819751" cy="184666"/>
           </a:xfrm>
           <a:prstGeom prst="rect">
@@ -17740,12 +13014,6 @@
               </a:rPr>
               <a:t>)</a:t>
             </a:r>
-            <a:endParaRPr lang="en-US" sz="600" dirty="0">
-              <a:solidFill>
-                <a:schemeClr val="tx1"/>
-              </a:solidFill>
-              <a:latin typeface="Arial Black" panose="020B0A04020102020204" pitchFamily="34" charset="0"/>
-            </a:endParaRPr>
           </a:p>
         </p:txBody>
       </p:sp>
@@ -17781,12 +13049,6 @@
               </a:rPr>
               <a:t>with</a:t>
             </a:r>
-            <a:endParaRPr lang="en-US" sz="800" dirty="0">
-              <a:solidFill>
-                <a:schemeClr val="accent5"/>
-              </a:solidFill>
-              <a:latin typeface="Arial Black" panose="020B0A04020102020204" pitchFamily="34" charset="0"/>
-            </a:endParaRPr>
           </a:p>
         </p:txBody>
       </p:sp>
@@ -18085,15 +13347,6 @@
               </a:rPr>
               <a:t>1</a:t>
             </a:r>
-            <a:endParaRPr kumimoji="1" lang="en-US" sz="700" dirty="0">
-              <a:solidFill>
-                <a:schemeClr val="tx1">
-                  <a:lumMod val="65000"/>
-                  <a:lumOff val="35000"/>
-                </a:schemeClr>
-              </a:solidFill>
-              <a:latin typeface="Arial Black" panose="020B0A04020102020204" pitchFamily="34" charset="0"/>
-            </a:endParaRPr>
           </a:p>
         </p:txBody>
       </p:sp>
@@ -18916,19 +14169,79 @@
               </a:rPr>
               <a:t>Actual Cycle Time</a:t>
             </a:r>
-            <a:endParaRPr lang="en-US" sz="1000" dirty="0">
-              <a:solidFill>
-                <a:schemeClr val="tx1"/>
-              </a:solidFill>
+          </a:p>
+        </p:txBody>
+      </p:sp>
+      <p:sp>
+        <p:nvSpPr>
+          <p:cNvPr id="99" name="TextBox 98"/>
+          <p:cNvSpPr txBox="1"/>
+          <p:nvPr/>
+        </p:nvSpPr>
+        <p:spPr>
+          <a:xfrm>
+            <a:off x="6459510" y="3835201"/>
+            <a:ext cx="222090" cy="307777"/>
+          </a:xfrm>
+          <a:prstGeom prst="rect">
+            <a:avLst/>
+          </a:prstGeom>
+          <a:noFill/>
+        </p:spPr>
+        <p:txBody>
+          <a:bodyPr wrap="square" rtlCol="0">
+            <a:spAutoFit/>
+          </a:bodyPr>
+          <a:lstStyle/>
+          <a:p>
+            <a:r>
+              <a:rPr lang="en-US" dirty="0" smtClean="0">
+                <a:latin typeface="Arial Black" panose="020B0A04020102020204" pitchFamily="34" charset="0"/>
+              </a:rPr>
+              <a:t>=</a:t>
+            </a:r>
+            <a:endParaRPr lang="en-US" dirty="0">
               <a:latin typeface="Arial Black" panose="020B0A04020102020204" pitchFamily="34" charset="0"/>
             </a:endParaRPr>
+          </a:p>
+        </p:txBody>
+      </p:sp>
+      <p:sp>
+        <p:nvSpPr>
+          <p:cNvPr id="2" name="Title 1"/>
+          <p:cNvSpPr>
+            <a:spLocks noGrp="1"/>
+          </p:cNvSpPr>
+          <p:nvPr>
+            <p:ph type="title"/>
+          </p:nvPr>
+        </p:nvSpPr>
+        <p:spPr>
+          <a:xfrm>
+            <a:off x="158339" y="103646"/>
+            <a:ext cx="5060197" cy="434907"/>
+          </a:xfrm>
+        </p:spPr>
+        <p:txBody>
+          <a:bodyPr/>
+          <a:lstStyle/>
+          <a:p>
+            <a:r>
+              <a:rPr lang="en-US" sz="1800" spc="300" dirty="0">
+                <a:solidFill>
+                  <a:schemeClr val="tx1"/>
+                </a:solidFill>
+                <a:latin typeface="Arial Black" panose="020B0A04020102020204" pitchFamily="34" charset="0"/>
+              </a:rPr>
+              <a:t>IMPLEMENTATION</a:t>
+            </a:r>
           </a:p>
         </p:txBody>
       </p:sp>
     </p:spTree>
     <p:extLst>
       <p:ext uri="{BB962C8B-B14F-4D97-AF65-F5344CB8AC3E}">
-        <p14:creationId xmlns:p14="http://schemas.microsoft.com/office/powerpoint/2010/main" val="1533668719"/>
+        <p14:creationId xmlns:p14="http://schemas.microsoft.com/office/powerpoint/2010/main" val="3460854581"/>
       </p:ext>
     </p:extLst>
   </p:cSld>
@@ -18945,7 +14258,7 @@
 </p:sld>
 </file>
 
-<file path=ppt/slides/slide3.xml><?xml version="1.0" encoding="utf-8"?>
+<file path=ppt/slides/slide2.xml><?xml version="1.0" encoding="utf-8"?>
 <p:sld xmlns:a="http://schemas.openxmlformats.org/drawingml/2006/main" xmlns:r="http://schemas.openxmlformats.org/officeDocument/2006/relationships" xmlns:p="http://schemas.openxmlformats.org/presentationml/2006/main">
   <p:cSld>
     <p:spTree>
@@ -18962,6 +14275,122 @@
           <a:chExt cx="0" cy="0"/>
         </a:xfrm>
       </p:grpSpPr>
+      <p:sp>
+        <p:nvSpPr>
+          <p:cNvPr id="107" name="Rounded Rectangle 106"/>
+          <p:cNvSpPr/>
+          <p:nvPr/>
+        </p:nvSpPr>
+        <p:spPr>
+          <a:xfrm>
+            <a:off x="5542436" y="3061673"/>
+            <a:ext cx="1410822" cy="1590659"/>
+          </a:xfrm>
+          <a:prstGeom prst="roundRect">
+            <a:avLst>
+              <a:gd name="adj" fmla="val 18587"/>
+            </a:avLst>
+          </a:prstGeom>
+          <a:solidFill>
+            <a:schemeClr val="bg1"/>
+          </a:solidFill>
+          <a:ln w="12700">
+            <a:solidFill>
+              <a:schemeClr val="tx1"/>
+            </a:solidFill>
+            <a:prstDash val="dash"/>
+          </a:ln>
+          <a:effectLst>
+            <a:outerShdw blurRad="63500" sx="102000" sy="102000" algn="ctr" rotWithShape="0">
+              <a:prstClr val="black">
+                <a:alpha val="40000"/>
+              </a:prstClr>
+            </a:outerShdw>
+          </a:effectLst>
+        </p:spPr>
+        <p:style>
+          <a:lnRef idx="2">
+            <a:schemeClr val="accent1">
+              <a:shade val="50000"/>
+            </a:schemeClr>
+          </a:lnRef>
+          <a:fillRef idx="1">
+            <a:schemeClr val="accent1"/>
+          </a:fillRef>
+          <a:effectRef idx="0">
+            <a:schemeClr val="accent1"/>
+          </a:effectRef>
+          <a:fontRef idx="minor">
+            <a:schemeClr val="lt1"/>
+          </a:fontRef>
+        </p:style>
+        <p:txBody>
+          <a:bodyPr rtlCol="0" anchor="ctr"/>
+          <a:lstStyle/>
+          <a:p>
+            <a:pPr algn="ctr"/>
+            <a:endParaRPr kumimoji="1" lang="en-US"/>
+          </a:p>
+        </p:txBody>
+      </p:sp>
+      <p:sp>
+        <p:nvSpPr>
+          <p:cNvPr id="7" name="Rounded Rectangle 6"/>
+          <p:cNvSpPr/>
+          <p:nvPr/>
+        </p:nvSpPr>
+        <p:spPr>
+          <a:xfrm>
+            <a:off x="7472228" y="3045897"/>
+            <a:ext cx="1410822" cy="1590659"/>
+          </a:xfrm>
+          <a:prstGeom prst="roundRect">
+            <a:avLst>
+              <a:gd name="adj" fmla="val 18587"/>
+            </a:avLst>
+          </a:prstGeom>
+          <a:solidFill>
+            <a:schemeClr val="bg1"/>
+          </a:solidFill>
+          <a:ln w="12700">
+            <a:solidFill>
+              <a:schemeClr val="bg2"/>
+            </a:solidFill>
+            <a:prstDash val="dash"/>
+          </a:ln>
+          <a:effectLst>
+            <a:outerShdw blurRad="63500" sx="102000" sy="102000" algn="ctr" rotWithShape="0">
+              <a:prstClr val="black">
+                <a:alpha val="40000"/>
+              </a:prstClr>
+            </a:outerShdw>
+          </a:effectLst>
+        </p:spPr>
+        <p:style>
+          <a:lnRef idx="2">
+            <a:schemeClr val="accent1">
+              <a:shade val="50000"/>
+            </a:schemeClr>
+          </a:lnRef>
+          <a:fillRef idx="1">
+            <a:schemeClr val="accent1"/>
+          </a:fillRef>
+          <a:effectRef idx="0">
+            <a:schemeClr val="accent1"/>
+          </a:effectRef>
+          <a:fontRef idx="minor">
+            <a:schemeClr val="lt1"/>
+          </a:fontRef>
+        </p:style>
+        <p:txBody>
+          <a:bodyPr rtlCol="0" anchor="ctr"/>
+          <a:lstStyle/>
+          <a:p>
+            <a:pPr algn="ctr"/>
+            <a:endParaRPr kumimoji="1" lang="en-US"/>
+          </a:p>
+        </p:txBody>
+      </p:sp>
       <p:sp>
         <p:nvSpPr>
           <p:cNvPr id="103" name="Freeform 102"/>
@@ -19050,6 +14479,13 @@
           <a:ln w="76200">
             <a:noFill/>
           </a:ln>
+          <a:effectLst>
+            <a:outerShdw blurRad="63500" sx="102000" sy="102000" algn="ctr" rotWithShape="0">
+              <a:prstClr val="black">
+                <a:alpha val="23000"/>
+              </a:prstClr>
+            </a:outerShdw>
+          </a:effectLst>
         </p:spPr>
         <p:style>
           <a:lnRef idx="2">
@@ -19076,70 +14512,6 @@
           </a:p>
         </p:txBody>
       </p:sp>
-      <p:sp>
-        <p:nvSpPr>
-          <p:cNvPr id="83" name="Title 1">
-            <a:extLst>
-              <a:ext uri="{FF2B5EF4-FFF2-40B4-BE49-F238E27FC236}">
-                <a16:creationId xmlns:a16="http://schemas.microsoft.com/office/drawing/2014/main" id="{195AF593-8E43-54AC-A878-708897F36509}"/>
-              </a:ext>
-            </a:extLst>
-          </p:cNvPr>
-          <p:cNvSpPr txBox="1">
-            <a:spLocks/>
-          </p:cNvSpPr>
-          <p:nvPr/>
-        </p:nvSpPr>
-        <p:spPr>
-          <a:xfrm>
-            <a:off x="-153869" y="-2813"/>
-            <a:ext cx="4954031" cy="635809"/>
-          </a:xfrm>
-          <a:prstGeom prst="rect">
-            <a:avLst/>
-          </a:prstGeom>
-        </p:spPr>
-        <p:txBody>
-          <a:bodyPr vert="horz" wrap="square" lIns="360000" tIns="0" rIns="1440000" bIns="0" rtlCol="0" anchor="ctr">
-            <a:noAutofit/>
-          </a:bodyPr>
-          <a:lstStyle>
-            <a:lvl1pPr eaLnBrk="1" hangingPunct="1">
-              <a:defRPr kumimoji="1" sz="2500" b="1">
-                <a:latin typeface="Meiryo UI" panose="020B0604030504040204" pitchFamily="50" charset="-128"/>
-                <a:ea typeface="+mj-ea"/>
-                <a:cs typeface="+mj-cs"/>
-              </a:defRPr>
-            </a:lvl1pPr>
-          </a:lstStyle>
-          <a:p>
-            <a:pPr>
-              <a:buClrTx/>
-              <a:buFontTx/>
-            </a:pPr>
-            <a:r>
-              <a:rPr lang="en-US" dirty="0">
-                <a:solidFill>
-                  <a:schemeClr val="tx2">
-                    <a:lumMod val="50000"/>
-                  </a:schemeClr>
-                </a:solidFill>
-                <a:latin typeface="Arial Black" panose="020B0A04020102020204" pitchFamily="34" charset="0"/>
-              </a:rPr>
-              <a:t>LEARNING</a:t>
-            </a:r>
-            <a:r>
-              <a:rPr lang="en-US" dirty="0">
-                <a:solidFill>
-                  <a:sysClr val="windowText" lastClr="000000"/>
-                </a:solidFill>
-                <a:latin typeface="Arial Black" panose="020B0A04020102020204" pitchFamily="34" charset="0"/>
-              </a:rPr>
-              <a:t> POINT</a:t>
-            </a:r>
-          </a:p>
-        </p:txBody>
-      </p:sp>
       <p:grpSp>
         <p:nvGrpSpPr>
           <p:cNvPr id="2" name="Group 1">
@@ -19154,10 +14526,10 @@
         </p:nvGrpSpPr>
         <p:grpSpPr>
           <a:xfrm>
-            <a:off x="82081" y="854944"/>
-            <a:ext cx="5321967" cy="3833524"/>
-            <a:chOff x="215033" y="824888"/>
-            <a:chExt cx="5590137" cy="4026693"/>
+            <a:off x="82081" y="859863"/>
+            <a:ext cx="5321967" cy="3828604"/>
+            <a:chOff x="215033" y="830058"/>
+            <a:chExt cx="5590139" cy="4021534"/>
           </a:xfrm>
         </p:grpSpPr>
         <p:grpSp>
@@ -19174,7 +14546,7 @@
           </p:nvGrpSpPr>
           <p:grpSpPr>
             <a:xfrm rot="3600000">
-              <a:off x="4278822" y="1626225"/>
+              <a:off x="4278823" y="1626229"/>
               <a:ext cx="45719" cy="597881"/>
               <a:chOff x="6091533" y="836740"/>
               <a:chExt cx="45719" cy="597881"/>
@@ -19292,7 +14664,7 @@
           </p:nvGrpSpPr>
           <p:grpSpPr>
             <a:xfrm rot="17100000">
-              <a:off x="1642907" y="1766223"/>
+              <a:off x="1642907" y="1766228"/>
               <a:ext cx="45719" cy="597881"/>
               <a:chOff x="6091533" y="836740"/>
               <a:chExt cx="45719" cy="597881"/>
@@ -19410,8 +14782,8 @@
           </p:nvGrpSpPr>
           <p:grpSpPr>
             <a:xfrm rot="10800000">
-              <a:off x="2975785" y="3828273"/>
-              <a:ext cx="45719" cy="597881"/>
+              <a:off x="2975786" y="3828281"/>
+              <a:ext cx="45719" cy="597882"/>
               <a:chOff x="6091533" y="836740"/>
               <a:chExt cx="45719" cy="597881"/>
             </a:xfrm>
@@ -19528,7 +14900,7 @@
           </p:nvGrpSpPr>
           <p:grpSpPr>
             <a:xfrm rot="6663274">
-              <a:off x="4285172" y="2981876"/>
+              <a:off x="4285173" y="2981884"/>
               <a:ext cx="45719" cy="597881"/>
               <a:chOff x="6091533" y="836740"/>
               <a:chExt cx="45719" cy="597881"/>
@@ -19646,7 +15018,7 @@
           </p:nvGrpSpPr>
           <p:grpSpPr>
             <a:xfrm rot="14400000">
-              <a:off x="1693203" y="3110605"/>
+              <a:off x="1693203" y="3110612"/>
               <a:ext cx="45719" cy="597881"/>
               <a:chOff x="6091533" y="836740"/>
               <a:chExt cx="45719" cy="597881"/>
@@ -19766,8 +15138,8 @@
           </p:nvGrpSpPr>
           <p:grpSpPr>
             <a:xfrm>
-              <a:off x="2982458" y="1026401"/>
-              <a:ext cx="45719" cy="622400"/>
+              <a:off x="2982459" y="1026404"/>
+              <a:ext cx="45719" cy="622401"/>
               <a:chOff x="6373840" y="875558"/>
               <a:chExt cx="45719" cy="622400"/>
             </a:xfrm>
@@ -19886,8 +15258,8 @@
           </p:nvGrpSpPr>
           <p:grpSpPr>
             <a:xfrm>
-              <a:off x="1774304" y="1376621"/>
-              <a:ext cx="2450873" cy="2581381"/>
+              <a:off x="1774305" y="1376624"/>
+              <a:ext cx="2450874" cy="2581387"/>
               <a:chOff x="4679208" y="735307"/>
               <a:chExt cx="2902042" cy="3056575"/>
             </a:xfrm>
@@ -22819,8 +18191,8 @@
           </p:nvSpPr>
           <p:spPr>
             <a:xfrm>
-              <a:off x="3028177" y="830056"/>
-              <a:ext cx="1238029" cy="242463"/>
+              <a:off x="3028178" y="830058"/>
+              <a:ext cx="1238029" cy="242464"/>
             </a:xfrm>
             <a:prstGeom prst="rect">
               <a:avLst/>
@@ -22866,8 +18238,8 @@
           </p:nvSpPr>
           <p:spPr>
             <a:xfrm>
-              <a:off x="3042271" y="978024"/>
-              <a:ext cx="1238029" cy="436435"/>
+              <a:off x="3042272" y="978027"/>
+              <a:ext cx="1238029" cy="436436"/>
             </a:xfrm>
             <a:prstGeom prst="rect">
               <a:avLst/>
@@ -22911,8 +18283,8 @@
           </p:nvSpPr>
           <p:spPr>
             <a:xfrm>
-              <a:off x="4558597" y="1634940"/>
-              <a:ext cx="1238029" cy="242463"/>
+              <a:off x="4558599" y="1634944"/>
+              <a:ext cx="1238029" cy="242464"/>
             </a:xfrm>
             <a:prstGeom prst="rect">
               <a:avLst/>
@@ -22958,7 +18330,7 @@
           </p:nvSpPr>
           <p:spPr>
             <a:xfrm>
-              <a:off x="4567141" y="1794250"/>
+              <a:off x="4567143" y="1794255"/>
               <a:ext cx="1238029" cy="323286"/>
             </a:xfrm>
             <a:prstGeom prst="rect">
@@ -22995,8 +18367,8 @@
           </p:nvSpPr>
           <p:spPr>
             <a:xfrm>
-              <a:off x="4316593" y="3420208"/>
-              <a:ext cx="1238029" cy="242463"/>
+              <a:off x="4316595" y="3420216"/>
+              <a:ext cx="1238029" cy="242464"/>
             </a:xfrm>
             <a:prstGeom prst="rect">
               <a:avLst/>
@@ -23042,7 +18414,7 @@
           </p:nvSpPr>
           <p:spPr>
             <a:xfrm>
-              <a:off x="4323207" y="3571237"/>
+              <a:off x="4323209" y="3571245"/>
               <a:ext cx="1238029" cy="323286"/>
             </a:xfrm>
             <a:prstGeom prst="rect">
@@ -23079,8 +18451,8 @@
           </p:nvSpPr>
           <p:spPr>
             <a:xfrm>
-              <a:off x="2995719" y="4253225"/>
-              <a:ext cx="1710671" cy="242463"/>
+              <a:off x="2995720" y="4253234"/>
+              <a:ext cx="1710672" cy="242464"/>
             </a:xfrm>
             <a:prstGeom prst="rect">
               <a:avLst/>
@@ -23126,8 +18498,8 @@
           </p:nvSpPr>
           <p:spPr>
             <a:xfrm>
-              <a:off x="3005318" y="4415146"/>
-              <a:ext cx="1238029" cy="436435"/>
+              <a:off x="3005319" y="4415156"/>
+              <a:ext cx="1238029" cy="436436"/>
             </a:xfrm>
             <a:prstGeom prst="rect">
               <a:avLst/>
@@ -23163,8 +18535,8 @@
           </p:nvSpPr>
           <p:spPr>
             <a:xfrm>
-              <a:off x="1392765" y="3580032"/>
-              <a:ext cx="1340019" cy="387942"/>
+              <a:off x="1392766" y="3580040"/>
+              <a:ext cx="1340020" cy="387943"/>
             </a:xfrm>
             <a:prstGeom prst="rect">
               <a:avLst/>
@@ -23210,7 +18582,7 @@
           </p:nvSpPr>
           <p:spPr>
             <a:xfrm>
-              <a:off x="1392765" y="3869786"/>
+              <a:off x="1392766" y="3869794"/>
               <a:ext cx="1238029" cy="323286"/>
             </a:xfrm>
             <a:prstGeom prst="rect">
@@ -23247,8 +18619,8 @@
           </p:nvSpPr>
           <p:spPr>
             <a:xfrm>
-              <a:off x="215033" y="1850293"/>
-              <a:ext cx="1238029" cy="242463"/>
+              <a:off x="215033" y="1850297"/>
+              <a:ext cx="1238029" cy="242464"/>
             </a:xfrm>
             <a:prstGeom prst="rect">
               <a:avLst/>
@@ -23294,7 +18666,7 @@
           </p:nvSpPr>
           <p:spPr>
             <a:xfrm>
-              <a:off x="222241" y="2018106"/>
+              <a:off x="222241" y="2018111"/>
               <a:ext cx="1238029" cy="323286"/>
             </a:xfrm>
             <a:prstGeom prst="rect">
@@ -23314,86 +18686,6 @@
                 </a:rPr>
                 <a:t>Export table website to Excel</a:t>
               </a:r>
-            </a:p>
-          </p:txBody>
-        </p:sp>
-        <p:sp>
-          <p:nvSpPr>
-            <p:cNvPr id="99" name="TextBox 98">
-              <a:extLst>
-                <a:ext uri="{FF2B5EF4-FFF2-40B4-BE49-F238E27FC236}">
-                  <a16:creationId xmlns:a16="http://schemas.microsoft.com/office/drawing/2014/main" id="{7D8009E4-D1E0-924A-7EA6-7416BA9DA21D}"/>
-                </a:ext>
-              </a:extLst>
-            </p:cNvPr>
-            <p:cNvSpPr txBox="1"/>
-            <p:nvPr/>
-          </p:nvSpPr>
-          <p:spPr>
-            <a:xfrm>
-              <a:off x="668514" y="952765"/>
-              <a:ext cx="1238029" cy="210136"/>
-            </a:xfrm>
-            <a:prstGeom prst="rect">
-              <a:avLst/>
-            </a:prstGeom>
-            <a:noFill/>
-          </p:spPr>
-          <p:txBody>
-            <a:bodyPr wrap="square" rtlCol="0">
-              <a:spAutoFit/>
-            </a:bodyPr>
-            <a:lstStyle/>
-            <a:p>
-              <a:r>
-                <a:rPr lang="en-US" sz="700" dirty="0">
-                  <a:latin typeface="Arial Black" panose="020B0A04020102020204" pitchFamily="34" charset="0"/>
-                </a:rPr>
-                <a:t>Hard Skill</a:t>
-              </a:r>
-              <a:endParaRPr lang="en-US" sz="700" dirty="0">
-                <a:latin typeface="Arial Black" panose="020B0A04020102020204" pitchFamily="34" charset="0"/>
-              </a:endParaRPr>
-            </a:p>
-          </p:txBody>
-        </p:sp>
-        <p:sp>
-          <p:nvSpPr>
-            <p:cNvPr id="102" name="TextBox 101">
-              <a:extLst>
-                <a:ext uri="{FF2B5EF4-FFF2-40B4-BE49-F238E27FC236}">
-                  <a16:creationId xmlns:a16="http://schemas.microsoft.com/office/drawing/2014/main" id="{7D8009E4-D1E0-924A-7EA6-7416BA9DA21D}"/>
-                </a:ext>
-              </a:extLst>
-            </p:cNvPr>
-            <p:cNvSpPr txBox="1"/>
-            <p:nvPr/>
-          </p:nvSpPr>
-          <p:spPr>
-            <a:xfrm>
-              <a:off x="668896" y="824888"/>
-              <a:ext cx="1238029" cy="210136"/>
-            </a:xfrm>
-            <a:prstGeom prst="rect">
-              <a:avLst/>
-            </a:prstGeom>
-            <a:noFill/>
-          </p:spPr>
-          <p:txBody>
-            <a:bodyPr wrap="square" rtlCol="0">
-              <a:spAutoFit/>
-            </a:bodyPr>
-            <a:lstStyle/>
-            <a:p>
-              <a:r>
-                <a:rPr lang="en-US" sz="700" dirty="0">
-                  <a:latin typeface="Arial Black" panose="020B0A04020102020204" pitchFamily="34" charset="0"/>
-                </a:rPr>
-                <a:t>Soft Skill</a:t>
-              </a:r>
-              <a:endParaRPr lang="en-US" sz="700" dirty="0">
-                <a:latin typeface="Arial Black" panose="020B0A04020102020204" pitchFamily="34" charset="0"/>
-              </a:endParaRPr>
             </a:p>
           </p:txBody>
         </p:sp>
@@ -23421,10 +18713,7 @@
             </a:avLst>
           </a:prstGeom>
           <a:solidFill>
-            <a:schemeClr val="tx1">
-              <a:lumMod val="50000"/>
-              <a:lumOff val="50000"/>
-            </a:schemeClr>
+            <a:srgbClr val="F9D5A1"/>
           </a:solidFill>
           <a:ln w="12700">
             <a:solidFill>
@@ -23465,8 +18754,8 @@
         </p:nvSpPr>
         <p:spPr>
           <a:xfrm>
-            <a:off x="3661804" y="4761281"/>
-            <a:ext cx="5055429" cy="276999"/>
+            <a:off x="3683115" y="4688467"/>
+            <a:ext cx="5055429" cy="461665"/>
           </a:xfrm>
           <a:prstGeom prst="rect">
             <a:avLst/>
@@ -23481,17 +18770,64 @@
           <a:p>
             <a:pPr algn="ctr"/>
             <a:r>
-              <a:rPr lang="en-US" sz="1200" dirty="0">
+              <a:rPr lang="en-US" sz="1200" dirty="0" smtClean="0">
+                <a:solidFill>
+                  <a:schemeClr val="tx1"/>
+                </a:solidFill>
+                <a:latin typeface="Arial "/>
+              </a:rPr>
+              <a:t>A LOT OF NEW KNOWLADGE MAKE</a:t>
+            </a:r>
+            <a:r>
+              <a:rPr lang="en-US" sz="1200" dirty="0" smtClean="0">
                 <a:solidFill>
                   <a:schemeClr val="bg1"/>
                 </a:solidFill>
+                <a:latin typeface="Arial "/>
               </a:rPr>
-              <a:t>OUR SKILLS ARE INCREASED DURING THIS PROJECT</a:t>
+              <a:t> </a:t>
+            </a:r>
+            <a:r>
+              <a:rPr lang="en-US" sz="1200" dirty="0" smtClean="0">
+                <a:solidFill>
+                  <a:srgbClr val="FF0000"/>
+                </a:solidFill>
+                <a:latin typeface="Arial Black" panose="020B0A04020102090204" pitchFamily="34" charset="0"/>
+              </a:rPr>
+              <a:t>OUR SKILLS </a:t>
+            </a:r>
+            <a:r>
+              <a:rPr lang="en-US" sz="1200" dirty="0" smtClean="0">
+                <a:solidFill>
+                  <a:schemeClr val="tx1"/>
+                </a:solidFill>
+                <a:latin typeface="Arial "/>
+              </a:rPr>
+              <a:t>ARE</a:t>
+            </a:r>
+            <a:r>
+              <a:rPr lang="en-US" sz="1200" dirty="0" smtClean="0">
+                <a:solidFill>
+                  <a:schemeClr val="bg1"/>
+                </a:solidFill>
+                <a:latin typeface="Arial Black" panose="020B0A04020102090204" pitchFamily="34" charset="0"/>
+              </a:rPr>
+              <a:t> </a:t>
+            </a:r>
+            <a:r>
+              <a:rPr lang="en-US" sz="1200" dirty="0" smtClean="0">
+                <a:solidFill>
+                  <a:srgbClr val="FF0000"/>
+                </a:solidFill>
+                <a:latin typeface="Arial Black" panose="020B0A04020102090204" pitchFamily="34" charset="0"/>
+              </a:rPr>
+              <a:t>INCREASED</a:t>
             </a:r>
             <a:endParaRPr lang="en-US" sz="1200" dirty="0">
               <a:solidFill>
-                <a:schemeClr val="bg1"/>
+                <a:srgbClr val="FF0000"/>
               </a:solidFill>
+              <a:latin typeface="Arial Black" panose="020B0A04020102090204" pitchFamily="34" charset="0"/>
             </a:endParaRPr>
           </a:p>
         </p:txBody>
@@ -23504,7 +18840,7 @@
         </p:nvSpPr>
         <p:spPr>
           <a:xfrm>
-            <a:off x="6325400" y="1332111"/>
+            <a:off x="6619537" y="1447939"/>
             <a:ext cx="1346851" cy="1346851"/>
           </a:xfrm>
           <a:prstGeom prst="ellipse">
@@ -23556,34 +18892,42 @@
       </p:sp>
       <p:sp>
         <p:nvSpPr>
-          <p:cNvPr id="127" name="Freeform 126"/>
+          <p:cNvPr id="137" name="Freeform 136"/>
           <p:cNvSpPr/>
           <p:nvPr/>
         </p:nvSpPr>
         <p:spPr>
           <a:xfrm>
-            <a:off x="6037025" y="171713"/>
-            <a:ext cx="2576339" cy="370301"/>
+            <a:off x="4405498" y="36689"/>
+            <a:ext cx="2827271" cy="554644"/>
           </a:xfrm>
           <a:custGeom>
             <a:avLst/>
             <a:gdLst>
-              <a:gd name="connsiteX0" fmla="*/ 88923 w 2576339"/>
-              <a:gd name="connsiteY0" fmla="*/ 0 h 370301"/>
-              <a:gd name="connsiteX1" fmla="*/ 2422826 w 2576339"/>
-              <a:gd name="connsiteY1" fmla="*/ 0 h 370301"/>
-              <a:gd name="connsiteX2" fmla="*/ 2343320 w 2576339"/>
-              <a:gd name="connsiteY2" fmla="*/ 174798 h 370301"/>
-              <a:gd name="connsiteX3" fmla="*/ 2576339 w 2576339"/>
-              <a:gd name="connsiteY3" fmla="*/ 174798 h 370301"/>
-              <a:gd name="connsiteX4" fmla="*/ 2487416 w 2576339"/>
-              <a:gd name="connsiteY4" fmla="*/ 370301 h 370301"/>
-              <a:gd name="connsiteX5" fmla="*/ 153513 w 2576339"/>
-              <a:gd name="connsiteY5" fmla="*/ 370301 h 370301"/>
-              <a:gd name="connsiteX6" fmla="*/ 233019 w 2576339"/>
-              <a:gd name="connsiteY6" fmla="*/ 195503 h 370301"/>
-              <a:gd name="connsiteX7" fmla="*/ 0 w 2576339"/>
-              <a:gd name="connsiteY7" fmla="*/ 195503 h 370301"/>
+              <a:gd name="connsiteX0" fmla="*/ 277322 w 2827271"/>
+              <a:gd name="connsiteY0" fmla="*/ 0 h 554644"/>
+              <a:gd name="connsiteX1" fmla="*/ 473419 w 2827271"/>
+              <a:gd name="connsiteY1" fmla="*/ 81226 h 554644"/>
+              <a:gd name="connsiteX2" fmla="*/ 492397 w 2827271"/>
+              <a:gd name="connsiteY2" fmla="*/ 109374 h 554644"/>
+              <a:gd name="connsiteX3" fmla="*/ 2673758 w 2827271"/>
+              <a:gd name="connsiteY3" fmla="*/ 109374 h 554644"/>
+              <a:gd name="connsiteX4" fmla="*/ 2594252 w 2827271"/>
+              <a:gd name="connsiteY4" fmla="*/ 284172 h 554644"/>
+              <a:gd name="connsiteX5" fmla="*/ 2827271 w 2827271"/>
+              <a:gd name="connsiteY5" fmla="*/ 284172 h 554644"/>
+              <a:gd name="connsiteX6" fmla="*/ 2738348 w 2827271"/>
+              <a:gd name="connsiteY6" fmla="*/ 479675 h 554644"/>
+              <a:gd name="connsiteX7" fmla="*/ 465836 w 2827271"/>
+              <a:gd name="connsiteY7" fmla="*/ 479675 h 554644"/>
+              <a:gd name="connsiteX8" fmla="*/ 432376 w 2827271"/>
+              <a:gd name="connsiteY8" fmla="*/ 507282 h 554644"/>
+              <a:gd name="connsiteX9" fmla="*/ 277322 w 2827271"/>
+              <a:gd name="connsiteY9" fmla="*/ 554644 h 554644"/>
+              <a:gd name="connsiteX10" fmla="*/ 0 w 2827271"/>
+              <a:gd name="connsiteY10" fmla="*/ 277322 h 554644"/>
+              <a:gd name="connsiteX11" fmla="*/ 277322 w 2827271"/>
+              <a:gd name="connsiteY11" fmla="*/ 0 h 554644"/>
             </a:gdLst>
             <a:ahLst/>
             <a:cxnLst>
@@ -23611,44 +18955,80 @@
               <a:cxn ang="0">
                 <a:pos x="connsiteX7" y="connsiteY7"/>
               </a:cxn>
+              <a:cxn ang="0">
+                <a:pos x="connsiteX8" y="connsiteY8"/>
+              </a:cxn>
+              <a:cxn ang="0">
+                <a:pos x="connsiteX9" y="connsiteY9"/>
+              </a:cxn>
+              <a:cxn ang="0">
+                <a:pos x="connsiteX10" y="connsiteY10"/>
+              </a:cxn>
+              <a:cxn ang="0">
+                <a:pos x="connsiteX11" y="connsiteY11"/>
+              </a:cxn>
             </a:cxnLst>
             <a:rect l="l" t="t" r="r" b="b"/>
             <a:pathLst>
-              <a:path w="2576339" h="370301">
+              <a:path w="2827271" h="554644">
                 <a:moveTo>
-                  <a:pt x="88923" y="0"/>
+                  <a:pt x="277322" y="0"/>
                 </a:moveTo>
+                <a:cubicBezTo>
+                  <a:pt x="353903" y="0"/>
+                  <a:pt x="423233" y="31040"/>
+                  <a:pt x="473419" y="81226"/>
+                </a:cubicBezTo>
                 <a:lnTo>
-                  <a:pt x="2422826" y="0"/>
+                  <a:pt x="492397" y="109374"/>
                 </a:lnTo>
                 <a:lnTo>
-                  <a:pt x="2343320" y="174798"/>
+                  <a:pt x="2673758" y="109374"/>
                 </a:lnTo>
                 <a:lnTo>
-                  <a:pt x="2576339" y="174798"/>
+                  <a:pt x="2594252" y="284172"/>
                 </a:lnTo>
                 <a:lnTo>
-                  <a:pt x="2487416" y="370301"/>
+                  <a:pt x="2827271" y="284172"/>
                 </a:lnTo>
                 <a:lnTo>
-                  <a:pt x="153513" y="370301"/>
+                  <a:pt x="2738348" y="479675"/>
                 </a:lnTo>
                 <a:lnTo>
-                  <a:pt x="233019" y="195503"/>
+                  <a:pt x="465836" y="479675"/>
                 </a:lnTo>
                 <a:lnTo>
-                  <a:pt x="0" y="195503"/>
+                  <a:pt x="432376" y="507282"/>
                 </a:lnTo>
+                <a:cubicBezTo>
+                  <a:pt x="388115" y="537184"/>
+                  <a:pt x="334758" y="554644"/>
+                  <a:pt x="277322" y="554644"/>
+                </a:cubicBezTo>
+                <a:cubicBezTo>
+                  <a:pt x="124161" y="554644"/>
+                  <a:pt x="0" y="430483"/>
+                  <a:pt x="0" y="277322"/>
+                </a:cubicBezTo>
+                <a:cubicBezTo>
+                  <a:pt x="0" y="124161"/>
+                  <a:pt x="124161" y="0"/>
+                  <a:pt x="277322" y="0"/>
+                </a:cubicBezTo>
                 <a:close/>
               </a:path>
             </a:pathLst>
           </a:custGeom>
           <a:solidFill>
-            <a:schemeClr val="bg2"/>
+            <a:schemeClr val="bg1">
+              <a:lumMod val="85000"/>
+            </a:schemeClr>
           </a:solidFill>
           <a:ln>
             <a:solidFill>
-              <a:schemeClr val="bg2"/>
+              <a:schemeClr val="bg1">
+                <a:lumMod val="85000"/>
+              </a:schemeClr>
             </a:solidFill>
           </a:ln>
           <a:effectLst>
@@ -23676,11 +19056,17 @@
           </a:fontRef>
         </p:style>
         <p:txBody>
-          <a:bodyPr rtlCol="0" anchor="ctr"/>
+          <a:bodyPr wrap="square" rtlCol="0" anchor="ctr">
+            <a:noAutofit/>
+          </a:bodyPr>
           <a:lstStyle/>
           <a:p>
             <a:pPr algn="ctr"/>
-            <a:endParaRPr kumimoji="1" lang="en-US"/>
+            <a:endParaRPr kumimoji="1" lang="en-US">
+              <a:solidFill>
+                <a:srgbClr val="83D0F7"/>
+              </a:solidFill>
+            </a:endParaRPr>
           </a:p>
         </p:txBody>
       </p:sp>
@@ -23692,7 +19078,7 @@
         </p:nvSpPr>
         <p:spPr>
           <a:xfrm>
-            <a:off x="6534773" y="201111"/>
+            <a:off x="5154178" y="175462"/>
             <a:ext cx="2042383" cy="307777"/>
           </a:xfrm>
           <a:prstGeom prst="rect">
@@ -23709,18 +19095,12 @@
             <a:r>
               <a:rPr lang="en-US" dirty="0">
                 <a:solidFill>
-                  <a:schemeClr val="bg1"/>
+                  <a:schemeClr val="tx1"/>
                 </a:solidFill>
                 <a:latin typeface="Arial Black" panose="020B0A04020102020204" pitchFamily="34" charset="0"/>
               </a:rPr>
               <a:t>FUTURE PLAN</a:t>
             </a:r>
-            <a:endParaRPr lang="en-US" dirty="0">
-              <a:solidFill>
-                <a:schemeClr val="bg1"/>
-              </a:solidFill>
-              <a:latin typeface="Arial Black" panose="020B0A04020102020204" pitchFamily="34" charset="0"/>
-            </a:endParaRPr>
           </a:p>
         </p:txBody>
       </p:sp>
@@ -23746,7 +19126,7 @@
         </p:blipFill>
         <p:spPr>
           <a:xfrm>
-            <a:off x="5087423" y="633831"/>
+            <a:off x="5381560" y="749659"/>
             <a:ext cx="457200" cy="457200"/>
           </a:xfrm>
           <a:prstGeom prst="rect">
@@ -23776,7 +19156,7 @@
         </p:blipFill>
         <p:spPr>
           <a:xfrm>
-            <a:off x="5408396" y="970510"/>
+            <a:off x="5702533" y="1086338"/>
             <a:ext cx="228600" cy="228600"/>
           </a:xfrm>
           <a:prstGeom prst="rect">
@@ -23792,7 +19172,7 @@
         </p:nvGrpSpPr>
         <p:grpSpPr>
           <a:xfrm>
-            <a:off x="6814908" y="1152231"/>
+            <a:off x="7109045" y="1268059"/>
             <a:ext cx="359763" cy="359763"/>
             <a:chOff x="5352877" y="2514420"/>
             <a:chExt cx="359762" cy="359762"/>
@@ -23897,7 +19277,7 @@
         </p:nvSpPr>
         <p:spPr>
           <a:xfrm>
-            <a:off x="7346379" y="2196902"/>
+            <a:off x="7640516" y="2312730"/>
             <a:ext cx="359763" cy="359763"/>
           </a:xfrm>
           <a:prstGeom prst="ellipse">
@@ -23955,7 +19335,7 @@
         </p:nvSpPr>
         <p:spPr>
           <a:xfrm>
-            <a:off x="6331383" y="2195941"/>
+            <a:off x="6625520" y="2311769"/>
             <a:ext cx="359763" cy="359763"/>
           </a:xfrm>
           <a:prstGeom prst="ellipse">
@@ -24027,7 +19407,7 @@
         </p:blipFill>
         <p:spPr>
           <a:xfrm>
-            <a:off x="7413157" y="2250317"/>
+            <a:off x="7707294" y="2366145"/>
             <a:ext cx="226215" cy="226215"/>
           </a:xfrm>
           <a:prstGeom prst="rect">
@@ -24057,7 +19437,7 @@
         </p:blipFill>
         <p:spPr>
           <a:xfrm>
-            <a:off x="6402405" y="2266915"/>
+            <a:off x="6696542" y="2382743"/>
             <a:ext cx="202123" cy="202123"/>
           </a:xfrm>
           <a:prstGeom prst="rect">
@@ -24087,7 +19467,7 @@
         </p:blipFill>
         <p:spPr>
           <a:xfrm>
-            <a:off x="6778202" y="1803146"/>
+            <a:off x="7072339" y="1918974"/>
             <a:ext cx="432393" cy="432393"/>
           </a:xfrm>
           <a:prstGeom prst="rect">
@@ -24103,7 +19483,7 @@
         </p:nvSpPr>
         <p:spPr>
           <a:xfrm>
-            <a:off x="5819134" y="687817"/>
+            <a:off x="6113271" y="803645"/>
             <a:ext cx="1928084" cy="382960"/>
           </a:xfrm>
           <a:prstGeom prst="roundRect">
@@ -24162,7 +19542,7 @@
         </p:nvSpPr>
         <p:spPr>
           <a:xfrm>
-            <a:off x="5991047" y="753722"/>
+            <a:off x="6285184" y="869550"/>
             <a:ext cx="1667271" cy="246221"/>
           </a:xfrm>
           <a:prstGeom prst="rect">
@@ -24178,13 +19558,19 @@
           <a:p>
             <a:r>
               <a:rPr lang="en-US" sz="1000" dirty="0">
+                <a:solidFill>
+                  <a:srgbClr val="FF0000"/>
+                </a:solidFill>
                 <a:latin typeface="Arial Black" panose="020B0A04020102020204" pitchFamily="34" charset="0"/>
               </a:rPr>
-              <a:t>REDUCE MAN HOUR</a:t>
+              <a:t>REDUCE</a:t>
             </a:r>
-            <a:endParaRPr lang="en-US" sz="1000" dirty="0">
-              <a:latin typeface="Arial Black" panose="020B0A04020102020204" pitchFamily="34" charset="0"/>
-            </a:endParaRPr>
+            <a:r>
+              <a:rPr lang="en-US" sz="1000" dirty="0">
+                <a:latin typeface="Arial Black" panose="020B0A04020102020204" pitchFamily="34" charset="0"/>
+              </a:rPr>
+              <a:t> MAN HOUR</a:t>
+            </a:r>
           </a:p>
         </p:txBody>
       </p:sp>
@@ -24196,7 +19582,7 @@
         </p:nvSpPr>
         <p:spPr>
           <a:xfrm>
-            <a:off x="6007665" y="2547363"/>
+            <a:off x="6301802" y="2663191"/>
             <a:ext cx="927963" cy="276999"/>
           </a:xfrm>
           <a:prstGeom prst="rect">
@@ -24226,9 +19612,6 @@
               </a:rPr>
               <a:t>COST</a:t>
             </a:r>
-            <a:endParaRPr lang="en-US" sz="600" dirty="0">
-              <a:latin typeface="Arial Black" panose="020B0A04020102020204" pitchFamily="34" charset="0"/>
-            </a:endParaRPr>
           </a:p>
         </p:txBody>
       </p:sp>
@@ -24240,7 +19623,7 @@
         </p:nvSpPr>
         <p:spPr>
           <a:xfrm>
-            <a:off x="6634727" y="1500974"/>
+            <a:off x="6928864" y="1616802"/>
             <a:ext cx="719336" cy="276999"/>
           </a:xfrm>
           <a:prstGeom prst="rect">
@@ -24270,9 +19653,6 @@
               </a:rPr>
               <a:t>MAN POWER</a:t>
             </a:r>
-            <a:endParaRPr lang="en-US" sz="600" dirty="0">
-              <a:latin typeface="Arial Black" panose="020B0A04020102020204" pitchFamily="34" charset="0"/>
-            </a:endParaRPr>
           </a:p>
         </p:txBody>
       </p:sp>
@@ -24284,7 +19664,7 @@
         </p:nvSpPr>
         <p:spPr>
           <a:xfrm>
-            <a:off x="7062279" y="2523841"/>
+            <a:off x="7356416" y="2639669"/>
             <a:ext cx="927963" cy="276999"/>
           </a:xfrm>
           <a:prstGeom prst="rect">
@@ -24314,9 +19694,6 @@
               </a:rPr>
               <a:t>MUDA PROCESS</a:t>
             </a:r>
-            <a:endParaRPr lang="en-US" sz="600" dirty="0">
-              <a:latin typeface="Arial Black" panose="020B0A04020102020204" pitchFamily="34" charset="0"/>
-            </a:endParaRPr>
           </a:p>
         </p:txBody>
       </p:sp>
@@ -24342,7 +19719,7 @@
         </p:blipFill>
         <p:spPr>
           <a:xfrm>
-            <a:off x="5345184" y="1220010"/>
+            <a:off x="5639321" y="1335838"/>
             <a:ext cx="881819" cy="881819"/>
           </a:xfrm>
           <a:prstGeom prst="rect">
@@ -24364,7 +19741,7 @@
         </p:nvSpPr>
         <p:spPr>
           <a:xfrm>
-            <a:off x="5911210" y="3109256"/>
+            <a:off x="5374056" y="3129654"/>
             <a:ext cx="1178639" cy="276999"/>
           </a:xfrm>
           <a:prstGeom prst="rect">
@@ -24385,9 +19762,6 @@
               </a:rPr>
               <a:t>DNIA</a:t>
             </a:r>
-            <a:endParaRPr lang="en-US" sz="1200" dirty="0">
-              <a:latin typeface="Arial Black" panose="020B0A04020102020204" pitchFamily="34" charset="0"/>
-            </a:endParaRPr>
           </a:p>
         </p:txBody>
       </p:sp>
@@ -24405,7 +19779,7 @@
         </p:nvSpPr>
         <p:spPr>
           <a:xfrm>
-            <a:off x="7271977" y="3109923"/>
+            <a:off x="7873611" y="3129654"/>
             <a:ext cx="1178639" cy="276999"/>
           </a:xfrm>
           <a:prstGeom prst="rect">
@@ -24425,9 +19799,6 @@
               </a:rPr>
               <a:t>DMIA</a:t>
             </a:r>
-            <a:endParaRPr lang="en-US" sz="1200" dirty="0">
-              <a:latin typeface="Arial Black" panose="020B0A04020102020204" pitchFamily="34" charset="0"/>
-            </a:endParaRPr>
           </a:p>
         </p:txBody>
       </p:sp>
@@ -24439,7 +19810,7 @@
         </p:nvSpPr>
         <p:spPr>
           <a:xfrm>
-            <a:off x="6006124" y="3408513"/>
+            <a:off x="5741966" y="3408513"/>
             <a:ext cx="1139579" cy="277015"/>
           </a:xfrm>
           <a:prstGeom prst="homePlate">
@@ -24494,7 +19865,7 @@
         </p:nvSpPr>
         <p:spPr>
           <a:xfrm flipH="1">
-            <a:off x="7240641" y="3408513"/>
+            <a:off x="7552199" y="3408513"/>
             <a:ext cx="1139579" cy="277015"/>
           </a:xfrm>
           <a:prstGeom prst="homePlate">
@@ -24550,7 +19921,7 @@
         </p:nvSpPr>
         <p:spPr>
           <a:xfrm>
-            <a:off x="6002739" y="3838619"/>
+            <a:off x="5738581" y="3833541"/>
             <a:ext cx="1139579" cy="277015"/>
           </a:xfrm>
           <a:prstGeom prst="homePlate">
@@ -24605,7 +19976,7 @@
         </p:nvSpPr>
         <p:spPr>
           <a:xfrm flipH="1">
-            <a:off x="7237257" y="3838619"/>
+            <a:off x="7548815" y="3833541"/>
             <a:ext cx="1139579" cy="277015"/>
           </a:xfrm>
           <a:prstGeom prst="homePlate">
@@ -24661,7 +20032,7 @@
         </p:nvSpPr>
         <p:spPr>
           <a:xfrm>
-            <a:off x="6002741" y="4305980"/>
+            <a:off x="5738583" y="4258569"/>
             <a:ext cx="1139579" cy="277015"/>
           </a:xfrm>
           <a:prstGeom prst="homePlate">
@@ -24716,7 +20087,7 @@
         </p:nvSpPr>
         <p:spPr>
           <a:xfrm flipH="1">
-            <a:off x="7237259" y="4305980"/>
+            <a:off x="7548817" y="4258569"/>
             <a:ext cx="1139579" cy="277015"/>
           </a:xfrm>
           <a:prstGeom prst="homePlate">
@@ -24772,7 +20143,7 @@
         </p:nvSpPr>
         <p:spPr>
           <a:xfrm>
-            <a:off x="5987772" y="3424931"/>
+            <a:off x="5703295" y="3424931"/>
             <a:ext cx="822661" cy="246221"/>
           </a:xfrm>
           <a:prstGeom prst="rect">
@@ -24790,7 +20161,6 @@
               <a:rPr lang="en-US" sz="1000" b="1" dirty="0"/>
               <a:t>2 Features</a:t>
             </a:r>
-            <a:endParaRPr lang="en-US" sz="1000" b="1" dirty="0"/>
           </a:p>
         </p:txBody>
       </p:sp>
@@ -24802,7 +20172,7 @@
         </p:nvSpPr>
         <p:spPr>
           <a:xfrm>
-            <a:off x="7312412" y="3402052"/>
+            <a:off x="7623970" y="3402052"/>
             <a:ext cx="1120820" cy="246221"/>
           </a:xfrm>
           <a:prstGeom prst="rect">
@@ -24821,7 +20191,6 @@
               <a:rPr lang="en-US" sz="1000" b="1" dirty="0"/>
               <a:t>4 New Features</a:t>
             </a:r>
-            <a:endParaRPr lang="en-US" sz="1000" b="1" dirty="0"/>
           </a:p>
         </p:txBody>
       </p:sp>
@@ -24833,7 +20202,7 @@
         </p:nvSpPr>
         <p:spPr>
           <a:xfrm>
-            <a:off x="5993033" y="3847456"/>
+            <a:off x="5703295" y="3840683"/>
             <a:ext cx="859531" cy="246221"/>
           </a:xfrm>
           <a:prstGeom prst="rect">
@@ -24851,7 +20220,6 @@
               <a:rPr lang="en-US" sz="1000" b="1" dirty="0"/>
               <a:t>1 team (4p)</a:t>
             </a:r>
-            <a:endParaRPr lang="en-US" sz="1000" b="1" dirty="0"/>
           </a:p>
         </p:txBody>
       </p:sp>
@@ -24863,7 +20231,7 @@
         </p:nvSpPr>
         <p:spPr>
           <a:xfrm>
-            <a:off x="7442751" y="3831673"/>
+            <a:off x="7885260" y="3831673"/>
             <a:ext cx="859530" cy="246221"/>
           </a:xfrm>
           <a:prstGeom prst="rect">
@@ -24882,7 +20250,6 @@
               <a:rPr lang="en-US" sz="1000" b="1" dirty="0"/>
               <a:t>1 team (2p)</a:t>
             </a:r>
-            <a:endParaRPr lang="en-US" sz="1000" b="1" dirty="0"/>
           </a:p>
         </p:txBody>
       </p:sp>
@@ -24894,7 +20261,7 @@
         </p:nvSpPr>
         <p:spPr>
           <a:xfrm>
-            <a:off x="6005798" y="4337496"/>
+            <a:off x="5703295" y="4303631"/>
             <a:ext cx="907621" cy="246221"/>
           </a:xfrm>
           <a:prstGeom prst="rect">
@@ -24912,7 +20279,6 @@
               <a:rPr lang="en-US" sz="1000" b="1" dirty="0"/>
               <a:t>+- 5 months</a:t>
             </a:r>
-            <a:endParaRPr lang="en-US" sz="1000" b="1" dirty="0"/>
           </a:p>
         </p:txBody>
       </p:sp>
@@ -24924,7 +20290,7 @@
         </p:nvSpPr>
         <p:spPr>
           <a:xfrm>
-            <a:off x="7437531" y="4321836"/>
+            <a:off x="7907701" y="4274425"/>
             <a:ext cx="837089" cy="246221"/>
           </a:xfrm>
           <a:prstGeom prst="rect">
@@ -24943,7 +20309,6 @@
               <a:rPr lang="en-US" sz="1000" b="1" dirty="0"/>
               <a:t>+- 1 month</a:t>
             </a:r>
-            <a:endParaRPr lang="en-US" sz="1000" b="1" dirty="0"/>
           </a:p>
         </p:txBody>
       </p:sp>
@@ -24969,7 +20334,7 @@
         </p:blipFill>
         <p:spPr>
           <a:xfrm>
-            <a:off x="7856073" y="1917886"/>
+            <a:off x="8150210" y="2033714"/>
             <a:ext cx="182880" cy="182880"/>
           </a:xfrm>
           <a:prstGeom prst="rect">
@@ -24985,7 +20350,7 @@
         </p:nvSpPr>
         <p:spPr>
           <a:xfrm>
-            <a:off x="8274085" y="1806031"/>
+            <a:off x="8568222" y="1921859"/>
             <a:ext cx="359763" cy="359763"/>
           </a:xfrm>
           <a:prstGeom prst="ellipse">
@@ -25057,7 +20422,7 @@
         </p:blipFill>
         <p:spPr>
           <a:xfrm>
-            <a:off x="8340863" y="1859447"/>
+            <a:off x="8635000" y="1975275"/>
             <a:ext cx="226215" cy="226215"/>
           </a:xfrm>
           <a:prstGeom prst="rect">
@@ -25073,7 +20438,7 @@
         </p:nvSpPr>
         <p:spPr>
           <a:xfrm>
-            <a:off x="7989985" y="2132971"/>
+            <a:off x="8284122" y="2248799"/>
             <a:ext cx="927963" cy="369332"/>
           </a:xfrm>
           <a:prstGeom prst="rect">
@@ -25117,7 +20482,7 @@
         </p:nvSpPr>
         <p:spPr>
           <a:xfrm>
-            <a:off x="334592" y="1046786"/>
+            <a:off x="1015175" y="1138935"/>
             <a:ext cx="69547" cy="69547"/>
           </a:xfrm>
           <a:prstGeom prst="rect">
@@ -25170,7 +20535,7 @@
         </p:nvSpPr>
         <p:spPr>
           <a:xfrm>
-            <a:off x="332732" y="923738"/>
+            <a:off x="1017631" y="943490"/>
             <a:ext cx="69547" cy="69547"/>
           </a:xfrm>
           <a:prstGeom prst="rect">
@@ -25223,7 +20588,7 @@
         </p:nvSpPr>
         <p:spPr>
           <a:xfrm>
-            <a:off x="458572" y="923738"/>
+            <a:off x="1143471" y="943490"/>
             <a:ext cx="69547" cy="69547"/>
           </a:xfrm>
           <a:prstGeom prst="rect">
@@ -25268,10 +20633,411 @@
           </a:p>
         </p:txBody>
       </p:sp>
+      <p:pic>
+        <p:nvPicPr>
+          <p:cNvPr id="8" name="Picture 7"/>
+          <p:cNvPicPr>
+            <a:picLocks noChangeAspect="1"/>
+          </p:cNvPicPr>
+          <p:nvPr/>
+        </p:nvPicPr>
+        <p:blipFill>
+          <a:blip r:embed="rId24">
+            <a:extLst>
+              <a:ext uri="{28A0092B-C50C-407E-A947-70E740481C1C}">
+                <a14:useLocalDpi xmlns:a14="http://schemas.microsoft.com/office/drawing/2010/main" val="0"/>
+              </a:ext>
+            </a:extLst>
+          </a:blip>
+          <a:stretch>
+            <a:fillRect/>
+          </a:stretch>
+        </p:blipFill>
+        <p:spPr>
+          <a:xfrm>
+            <a:off x="7032884" y="3771537"/>
+            <a:ext cx="355422" cy="355422"/>
+          </a:xfrm>
+          <a:prstGeom prst="rect">
+            <a:avLst/>
+          </a:prstGeom>
+          <a:effectLst>
+            <a:outerShdw blurRad="63500" sx="102000" sy="102000" algn="ctr" rotWithShape="0">
+              <a:prstClr val="black">
+                <a:alpha val="40000"/>
+              </a:prstClr>
+            </a:outerShdw>
+          </a:effectLst>
+        </p:spPr>
+      </p:pic>
+      <p:pic>
+        <p:nvPicPr>
+          <p:cNvPr id="11" name="Picture 10"/>
+          <p:cNvPicPr>
+            <a:picLocks noChangeAspect="1"/>
+          </p:cNvPicPr>
+          <p:nvPr/>
+        </p:nvPicPr>
+        <p:blipFill>
+          <a:blip r:embed="rId25">
+            <a:extLst>
+              <a:ext uri="{28A0092B-C50C-407E-A947-70E740481C1C}">
+                <a14:useLocalDpi xmlns:a14="http://schemas.microsoft.com/office/drawing/2010/main" val="0"/>
+              </a:ext>
+            </a:extLst>
+          </a:blip>
+          <a:stretch>
+            <a:fillRect/>
+          </a:stretch>
+        </p:blipFill>
+        <p:spPr>
+          <a:xfrm>
+            <a:off x="8613364" y="3307424"/>
+            <a:ext cx="195718" cy="195718"/>
+          </a:xfrm>
+          <a:prstGeom prst="rect">
+            <a:avLst/>
+          </a:prstGeom>
+          <a:effectLst>
+            <a:outerShdw blurRad="63500" sx="102000" sy="102000" algn="ctr" rotWithShape="0">
+              <a:prstClr val="black">
+                <a:alpha val="39000"/>
+              </a:prstClr>
+            </a:outerShdw>
+          </a:effectLst>
+        </p:spPr>
+      </p:pic>
+      <p:pic>
+        <p:nvPicPr>
+          <p:cNvPr id="108" name="Picture 107"/>
+          <p:cNvPicPr>
+            <a:picLocks noChangeAspect="1"/>
+          </p:cNvPicPr>
+          <p:nvPr/>
+        </p:nvPicPr>
+        <p:blipFill>
+          <a:blip r:embed="rId25">
+            <a:extLst>
+              <a:ext uri="{28A0092B-C50C-407E-A947-70E740481C1C}">
+                <a14:useLocalDpi xmlns:a14="http://schemas.microsoft.com/office/drawing/2010/main" val="0"/>
+              </a:ext>
+            </a:extLst>
+          </a:blip>
+          <a:stretch>
+            <a:fillRect/>
+          </a:stretch>
+        </p:blipFill>
+        <p:spPr>
+          <a:xfrm>
+            <a:off x="8613364" y="3739897"/>
+            <a:ext cx="195718" cy="195718"/>
+          </a:xfrm>
+          <a:prstGeom prst="rect">
+            <a:avLst/>
+          </a:prstGeom>
+          <a:effectLst>
+            <a:outerShdw blurRad="63500" sx="102000" sy="102000" algn="ctr" rotWithShape="0">
+              <a:prstClr val="black">
+                <a:alpha val="39000"/>
+              </a:prstClr>
+            </a:outerShdw>
+          </a:effectLst>
+        </p:spPr>
+      </p:pic>
+      <p:pic>
+        <p:nvPicPr>
+          <p:cNvPr id="110" name="Picture 109"/>
+          <p:cNvPicPr>
+            <a:picLocks noChangeAspect="1"/>
+          </p:cNvPicPr>
+          <p:nvPr/>
+        </p:nvPicPr>
+        <p:blipFill>
+          <a:blip r:embed="rId25">
+            <a:extLst>
+              <a:ext uri="{28A0092B-C50C-407E-A947-70E740481C1C}">
+                <a14:useLocalDpi xmlns:a14="http://schemas.microsoft.com/office/drawing/2010/main" val="0"/>
+              </a:ext>
+            </a:extLst>
+          </a:blip>
+          <a:stretch>
+            <a:fillRect/>
+          </a:stretch>
+        </p:blipFill>
+        <p:spPr>
+          <a:xfrm>
+            <a:off x="8613364" y="4153930"/>
+            <a:ext cx="195718" cy="195718"/>
+          </a:xfrm>
+          <a:prstGeom prst="rect">
+            <a:avLst/>
+          </a:prstGeom>
+          <a:effectLst>
+            <a:outerShdw blurRad="63500" sx="102000" sy="102000" algn="ctr" rotWithShape="0">
+              <a:prstClr val="black">
+                <a:alpha val="39000"/>
+              </a:prstClr>
+            </a:outerShdw>
+          </a:effectLst>
+        </p:spPr>
+      </p:pic>
+      <p:sp>
+        <p:nvSpPr>
+          <p:cNvPr id="83" name="Title 1">
+            <a:extLst>
+              <a:ext uri="{FF2B5EF4-FFF2-40B4-BE49-F238E27FC236}">
+                <a16:creationId xmlns:a16="http://schemas.microsoft.com/office/drawing/2014/main" id="{195AF593-8E43-54AC-A878-708897F36509}"/>
+              </a:ext>
+            </a:extLst>
+          </p:cNvPr>
+          <p:cNvSpPr txBox="1">
+            <a:spLocks/>
+          </p:cNvSpPr>
+          <p:nvPr/>
+        </p:nvSpPr>
+        <p:spPr>
+          <a:xfrm>
+            <a:off x="-6829" y="48304"/>
+            <a:ext cx="4954031" cy="635809"/>
+          </a:xfrm>
+          <a:prstGeom prst="rect">
+            <a:avLst/>
+          </a:prstGeom>
+        </p:spPr>
+        <p:txBody>
+          <a:bodyPr vert="horz" wrap="square" lIns="360000" tIns="0" rIns="1440000" bIns="0" rtlCol="0" anchor="ctr">
+            <a:noAutofit/>
+          </a:bodyPr>
+          <a:lstStyle>
+            <a:lvl1pPr eaLnBrk="1" hangingPunct="1">
+              <a:defRPr kumimoji="1" sz="2500" b="1">
+                <a:latin typeface="Meiryo UI" panose="020B0604030504040204" pitchFamily="50" charset="-128"/>
+                <a:ea typeface="+mj-ea"/>
+                <a:cs typeface="+mj-cs"/>
+              </a:defRPr>
+            </a:lvl1pPr>
+          </a:lstStyle>
+          <a:p>
+            <a:pPr>
+              <a:buClrTx/>
+              <a:buFontTx/>
+            </a:pPr>
+            <a:r>
+              <a:rPr lang="en-US" sz="1800" spc="300" dirty="0">
+                <a:solidFill>
+                  <a:schemeClr val="accent4"/>
+                </a:solidFill>
+                <a:latin typeface="Arial Black" panose="020B0A04020102020204" pitchFamily="34" charset="0"/>
+              </a:rPr>
+              <a:t>LEARNING</a:t>
+            </a:r>
+            <a:r>
+              <a:rPr lang="en-US" sz="1800" spc="300" dirty="0">
+                <a:solidFill>
+                  <a:schemeClr val="tx1"/>
+                </a:solidFill>
+                <a:latin typeface="Arial Black" panose="020B0A04020102020204" pitchFamily="34" charset="0"/>
+              </a:rPr>
+              <a:t> POINT</a:t>
+            </a:r>
+          </a:p>
+        </p:txBody>
+      </p:sp>
+      <p:sp>
+        <p:nvSpPr>
+          <p:cNvPr id="135" name="Oval 134"/>
+          <p:cNvSpPr/>
+          <p:nvPr/>
+        </p:nvSpPr>
+        <p:spPr>
+          <a:xfrm>
+            <a:off x="4392558" y="36689"/>
+            <a:ext cx="554644" cy="554644"/>
+          </a:xfrm>
+          <a:prstGeom prst="ellipse">
+            <a:avLst/>
+          </a:prstGeom>
+          <a:noFill/>
+          <a:ln w="19050">
+            <a:solidFill>
+              <a:schemeClr val="tx1"/>
+            </a:solidFill>
+            <a:prstDash val="sysDash"/>
+          </a:ln>
+        </p:spPr>
+        <p:style>
+          <a:lnRef idx="2">
+            <a:schemeClr val="accent1">
+              <a:shade val="50000"/>
+            </a:schemeClr>
+          </a:lnRef>
+          <a:fillRef idx="1">
+            <a:schemeClr val="accent1"/>
+          </a:fillRef>
+          <a:effectRef idx="0">
+            <a:schemeClr val="accent1"/>
+          </a:effectRef>
+          <a:fontRef idx="minor">
+            <a:schemeClr val="lt1"/>
+          </a:fontRef>
+        </p:style>
+        <p:txBody>
+          <a:bodyPr rtlCol="0" anchor="ctr"/>
+          <a:lstStyle/>
+          <a:p>
+            <a:pPr algn="ctr"/>
+            <a:endParaRPr kumimoji="1" lang="en-US"/>
+          </a:p>
+        </p:txBody>
+      </p:sp>
+      <p:pic>
+        <p:nvPicPr>
+          <p:cNvPr id="21" name="Picture 20"/>
+          <p:cNvPicPr>
+            <a:picLocks noChangeAspect="1"/>
+          </p:cNvPicPr>
+          <p:nvPr/>
+        </p:nvPicPr>
+        <p:blipFill>
+          <a:blip r:embed="rId26">
+            <a:extLst>
+              <a:ext uri="{28A0092B-C50C-407E-A947-70E740481C1C}">
+                <a14:useLocalDpi xmlns:a14="http://schemas.microsoft.com/office/drawing/2010/main" val="0"/>
+              </a:ext>
+            </a:extLst>
+          </a:blip>
+          <a:stretch>
+            <a:fillRect/>
+          </a:stretch>
+        </p:blipFill>
+        <p:spPr>
+          <a:xfrm>
+            <a:off x="4508823" y="109957"/>
+            <a:ext cx="365760" cy="365760"/>
+          </a:xfrm>
+          <a:prstGeom prst="rect">
+            <a:avLst/>
+          </a:prstGeom>
+        </p:spPr>
+      </p:pic>
+      <p:sp>
+        <p:nvSpPr>
+          <p:cNvPr id="138" name="TextBox 137">
+            <a:extLst>
+              <a:ext uri="{FF2B5EF4-FFF2-40B4-BE49-F238E27FC236}">
+                <a16:creationId xmlns:a16="http://schemas.microsoft.com/office/drawing/2014/main" id="{7D8009E4-D1E0-924A-7EA6-7416BA9DA21D}"/>
+              </a:ext>
+            </a:extLst>
+          </p:cNvPr>
+          <p:cNvSpPr txBox="1"/>
+          <p:nvPr/>
+        </p:nvSpPr>
+        <p:spPr>
+          <a:xfrm>
+            <a:off x="1231650" y="1072549"/>
+            <a:ext cx="1178638" cy="200055"/>
+          </a:xfrm>
+          <a:prstGeom prst="rect">
+            <a:avLst/>
+          </a:prstGeom>
+          <a:noFill/>
+        </p:spPr>
+        <p:txBody>
+          <a:bodyPr wrap="square" rtlCol="0">
+            <a:spAutoFit/>
+          </a:bodyPr>
+          <a:lstStyle/>
+          <a:p>
+            <a:r>
+              <a:rPr lang="en-US" sz="700" dirty="0">
+                <a:latin typeface="Arial Black" panose="020B0A04020102020204" pitchFamily="34" charset="0"/>
+              </a:rPr>
+              <a:t>Hard Skill</a:t>
+            </a:r>
+          </a:p>
+        </p:txBody>
+      </p:sp>
+      <p:sp>
+        <p:nvSpPr>
+          <p:cNvPr id="139" name="TextBox 138">
+            <a:extLst>
+              <a:ext uri="{FF2B5EF4-FFF2-40B4-BE49-F238E27FC236}">
+                <a16:creationId xmlns:a16="http://schemas.microsoft.com/office/drawing/2014/main" id="{7D8009E4-D1E0-924A-7EA6-7416BA9DA21D}"/>
+              </a:ext>
+            </a:extLst>
+          </p:cNvPr>
+          <p:cNvSpPr txBox="1"/>
+          <p:nvPr/>
+        </p:nvSpPr>
+        <p:spPr>
+          <a:xfrm>
+            <a:off x="1231650" y="883695"/>
+            <a:ext cx="1178638" cy="200055"/>
+          </a:xfrm>
+          <a:prstGeom prst="rect">
+            <a:avLst/>
+          </a:prstGeom>
+          <a:noFill/>
+        </p:spPr>
+        <p:txBody>
+          <a:bodyPr wrap="square" rtlCol="0">
+            <a:spAutoFit/>
+          </a:bodyPr>
+          <a:lstStyle/>
+          <a:p>
+            <a:r>
+              <a:rPr lang="en-US" sz="700" dirty="0">
+                <a:latin typeface="Arial Black" panose="020B0A04020102020204" pitchFamily="34" charset="0"/>
+              </a:rPr>
+              <a:t>Soft Skill</a:t>
+            </a:r>
+          </a:p>
+        </p:txBody>
+      </p:sp>
+      <p:sp>
+        <p:nvSpPr>
+          <p:cNvPr id="140" name="TextBox 139">
+            <a:extLst>
+              <a:ext uri="{FF2B5EF4-FFF2-40B4-BE49-F238E27FC236}">
+                <a16:creationId xmlns:a16="http://schemas.microsoft.com/office/drawing/2014/main" id="{7D8009E4-D1E0-924A-7EA6-7416BA9DA21D}"/>
+              </a:ext>
+            </a:extLst>
+          </p:cNvPr>
+          <p:cNvSpPr txBox="1"/>
+          <p:nvPr/>
+        </p:nvSpPr>
+        <p:spPr>
+          <a:xfrm>
+            <a:off x="924137" y="740332"/>
+            <a:ext cx="1178638" cy="200055"/>
+          </a:xfrm>
+          <a:prstGeom prst="rect">
+            <a:avLst/>
+          </a:prstGeom>
+          <a:noFill/>
+        </p:spPr>
+        <p:txBody>
+          <a:bodyPr wrap="square" rtlCol="0">
+            <a:spAutoFit/>
+          </a:bodyPr>
+          <a:lstStyle/>
+          <a:p>
+            <a:r>
+              <a:rPr lang="en-US" sz="700" dirty="0" smtClean="0">
+                <a:latin typeface="Arial Black" panose="020B0A04020102020204" pitchFamily="34" charset="0"/>
+              </a:rPr>
+              <a:t>Note:</a:t>
+            </a:r>
+            <a:endParaRPr lang="en-US" sz="700" dirty="0">
+              <a:latin typeface="Arial Black" panose="020B0A04020102020204" pitchFamily="34" charset="0"/>
+            </a:endParaRPr>
+          </a:p>
+        </p:txBody>
+      </p:sp>
     </p:spTree>
     <p:extLst>
       <p:ext uri="{BB962C8B-B14F-4D97-AF65-F5344CB8AC3E}">
-        <p14:creationId xmlns:p14="http://schemas.microsoft.com/office/powerpoint/2010/main" val="4219349694"/>
+        <p14:creationId xmlns:p14="http://schemas.microsoft.com/office/powerpoint/2010/main" val="1536413821"/>
       </p:ext>
     </p:extLst>
   </p:cSld>
@@ -25288,7 +21054,7 @@
 </p:sld>
 </file>
 
-<file path=ppt/slides/slide4.xml><?xml version="1.0" encoding="utf-8"?>
+<file path=ppt/slides/slide3.xml><?xml version="1.0" encoding="utf-8"?>
 <p:sld xmlns:a="http://schemas.openxmlformats.org/drawingml/2006/main" xmlns:r="http://schemas.openxmlformats.org/officeDocument/2006/relationships" xmlns:p="http://schemas.openxmlformats.org/presentationml/2006/main">
   <p:cSld>
     <p:spTree>
@@ -25588,7 +21354,7 @@
     </p:spTree>
     <p:extLst>
       <p:ext uri="{BB962C8B-B14F-4D97-AF65-F5344CB8AC3E}">
-        <p14:creationId xmlns:p14="http://schemas.microsoft.com/office/powerpoint/2010/main" val="1771591175"/>
+        <p14:creationId xmlns:p14="http://schemas.microsoft.com/office/powerpoint/2010/main" val="1674931139"/>
       </p:ext>
     </p:extLst>
   </p:cSld>
@@ -26197,6 +21963,23 @@
 </file>
 
 <file path=customXml/item1.xml><?xml version="1.0" encoding="utf-8"?>
+<?mso-contentType ?>
+<FormTemplates xmlns="http://schemas.microsoft.com/sharepoint/v3/contenttype/forms">
+  <Display>DocumentLibraryForm</Display>
+  <Edit>DocumentLibraryForm</Edit>
+  <New>DocumentLibraryForm</New>
+</FormTemplates>
+</file>
+
+<file path=customXml/item2.xml><?xml version="1.0" encoding="utf-8"?>
+<p:properties xmlns:p="http://schemas.microsoft.com/office/2006/metadata/properties" xmlns:xsi="http://www.w3.org/2001/XMLSchema-instance" xmlns:pc="http://schemas.microsoft.com/office/infopath/2007/PartnerControls">
+  <documentManagement>
+    <_Flow_SignoffStatus xmlns="356641f8-e38d-4ca1-b160-262fcc01c8f5" xsi:nil="true"/>
+  </documentManagement>
+</p:properties>
+</file>
+
+<file path=customXml/item3.xml><?xml version="1.0" encoding="utf-8"?>
 <ct:contentTypeSchema xmlns:ct="http://schemas.microsoft.com/office/2006/metadata/contentType" xmlns:ma="http://schemas.microsoft.com/office/2006/metadata/properties/metaAttributes" ct:_="" ma:_="" ma:contentTypeName="Document" ma:contentTypeID="0x010100F593C8A32F162547828F275E88D45467" ma:contentTypeVersion="14" ma:contentTypeDescription="Create a new document." ma:contentTypeScope="" ma:versionID="dc83cea725b073343905301377376b67">
   <xsd:schema xmlns:xsd="http://www.w3.org/2001/XMLSchema" xmlns:xs="http://www.w3.org/2001/XMLSchema" xmlns:p="http://schemas.microsoft.com/office/2006/metadata/properties" xmlns:ns2="356641f8-e38d-4ca1-b160-262fcc01c8f5" xmlns:ns3="9f284b11-b38a-40b3-9364-49a18294c09f" targetNamespace="http://schemas.microsoft.com/office/2006/metadata/properties" ma:root="true" ma:fieldsID="1b156f21d64d0ded70a0be13f7d3362f" ns2:_="" ns3:_="">
     <xsd:import namespace="356641f8-e38d-4ca1-b160-262fcc01c8f5"/>
@@ -26425,38 +22208,10 @@
 </ct:contentTypeSchema>
 </file>
 
-<file path=customXml/item2.xml><?xml version="1.0" encoding="utf-8"?>
-<p:properties xmlns:p="http://schemas.microsoft.com/office/2006/metadata/properties" xmlns:xsi="http://www.w3.org/2001/XMLSchema-instance" xmlns:pc="http://schemas.microsoft.com/office/infopath/2007/PartnerControls">
-  <documentManagement>
-    <_Flow_SignoffStatus xmlns="356641f8-e38d-4ca1-b160-262fcc01c8f5" xsi:nil="true"/>
-  </documentManagement>
-</p:properties>
-</file>
-
-<file path=customXml/item3.xml><?xml version="1.0" encoding="utf-8"?>
-<?mso-contentType ?>
-<FormTemplates xmlns="http://schemas.microsoft.com/sharepoint/v3/contenttype/forms">
-  <Display>DocumentLibraryForm</Display>
-  <Edit>DocumentLibraryForm</Edit>
-  <New>DocumentLibraryForm</New>
-</FormTemplates>
-</file>
-
 <file path=customXml/itemProps1.xml><?xml version="1.0" encoding="utf-8"?>
-<ds:datastoreItem xmlns:ds="http://schemas.openxmlformats.org/officeDocument/2006/customXml" ds:itemID="{C53F6174-D21E-446F-B0D2-5E40CB941A1A}">
+<ds:datastoreItem xmlns:ds="http://schemas.openxmlformats.org/officeDocument/2006/customXml" ds:itemID="{B27E1DB7-52E9-481A-A29E-5DA067EE2DC2}">
   <ds:schemaRefs>
-    <ds:schemaRef ds:uri="http://schemas.microsoft.com/office/2006/metadata/contentType"/>
-    <ds:schemaRef ds:uri="http://schemas.microsoft.com/office/2006/metadata/properties/metaAttributes"/>
-    <ds:schemaRef ds:uri="http://www.w3.org/2001/XMLSchema"/>
-    <ds:schemaRef ds:uri="http://schemas.microsoft.com/office/2006/metadata/properties"/>
-    <ds:schemaRef ds:uri="356641f8-e38d-4ca1-b160-262fcc01c8f5"/>
-    <ds:schemaRef ds:uri="9f284b11-b38a-40b3-9364-49a18294c09f"/>
-    <ds:schemaRef ds:uri="http://schemas.microsoft.com/office/2006/documentManagement/types"/>
-    <ds:schemaRef ds:uri="http://schemas.microsoft.com/office/infopath/2007/PartnerControls"/>
-    <ds:schemaRef ds:uri="http://schemas.openxmlformats.org/package/2006/metadata/core-properties"/>
-    <ds:schemaRef ds:uri="http://purl.org/dc/elements/1.1/"/>
-    <ds:schemaRef ds:uri="http://purl.org/dc/terms/"/>
-    <ds:schemaRef ds:uri="http://schemas.microsoft.com/internal/obd"/>
+    <ds:schemaRef ds:uri="http://schemas.microsoft.com/sharepoint/v3/contenttype/forms"/>
   </ds:schemaRefs>
 </ds:datastoreItem>
 </file>
@@ -26479,9 +22234,20 @@
 </file>
 
 <file path=customXml/itemProps3.xml><?xml version="1.0" encoding="utf-8"?>
-<ds:datastoreItem xmlns:ds="http://schemas.openxmlformats.org/officeDocument/2006/customXml" ds:itemID="{B27E1DB7-52E9-481A-A29E-5DA067EE2DC2}">
+<ds:datastoreItem xmlns:ds="http://schemas.openxmlformats.org/officeDocument/2006/customXml" ds:itemID="{C53F6174-D21E-446F-B0D2-5E40CB941A1A}">
   <ds:schemaRefs>
-    <ds:schemaRef ds:uri="http://schemas.microsoft.com/sharepoint/v3/contenttype/forms"/>
+    <ds:schemaRef ds:uri="http://schemas.microsoft.com/office/2006/metadata/contentType"/>
+    <ds:schemaRef ds:uri="http://schemas.microsoft.com/office/2006/metadata/properties/metaAttributes"/>
+    <ds:schemaRef ds:uri="http://www.w3.org/2001/XMLSchema"/>
+    <ds:schemaRef ds:uri="http://schemas.microsoft.com/office/2006/metadata/properties"/>
+    <ds:schemaRef ds:uri="356641f8-e38d-4ca1-b160-262fcc01c8f5"/>
+    <ds:schemaRef ds:uri="9f284b11-b38a-40b3-9364-49a18294c09f"/>
+    <ds:schemaRef ds:uri="http://schemas.microsoft.com/office/2006/documentManagement/types"/>
+    <ds:schemaRef ds:uri="http://schemas.microsoft.com/office/infopath/2007/PartnerControls"/>
+    <ds:schemaRef ds:uri="http://schemas.openxmlformats.org/package/2006/metadata/core-properties"/>
+    <ds:schemaRef ds:uri="http://purl.org/dc/elements/1.1/"/>
+    <ds:schemaRef ds:uri="http://purl.org/dc/terms/"/>
+    <ds:schemaRef ds:uri="http://schemas.microsoft.com/internal/obd"/>
   </ds:schemaRefs>
 </ds:datastoreItem>
 </file>